--- a/SentimentalAnalysis.pptx
+++ b/SentimentalAnalysis.pptx
@@ -9,16 +9,20 @@
     <p:sldId id="256" r:id="rId3"/>
     <p:sldId id="270" r:id="rId4"/>
     <p:sldId id="271" r:id="rId5"/>
-    <p:sldId id="266" r:id="rId6"/>
+    <p:sldId id="267" r:id="rId6"/>
     <p:sldId id="277" r:id="rId7"/>
-    <p:sldId id="273" r:id="rId8"/>
-    <p:sldId id="267" r:id="rId9"/>
-    <p:sldId id="274" r:id="rId10"/>
-    <p:sldId id="257" r:id="rId11"/>
-    <p:sldId id="272" r:id="rId12"/>
-    <p:sldId id="275" r:id="rId13"/>
-    <p:sldId id="268" r:id="rId14"/>
-    <p:sldId id="269" r:id="rId15"/>
+    <p:sldId id="274" r:id="rId8"/>
+    <p:sldId id="257" r:id="rId9"/>
+    <p:sldId id="272" r:id="rId10"/>
+    <p:sldId id="275" r:id="rId11"/>
+    <p:sldId id="278" r:id="rId12"/>
+    <p:sldId id="283" r:id="rId13"/>
+    <p:sldId id="281" r:id="rId14"/>
+    <p:sldId id="279" r:id="rId15"/>
+    <p:sldId id="280" r:id="rId16"/>
+    <p:sldId id="268" r:id="rId17"/>
+    <p:sldId id="269" r:id="rId18"/>
+    <p:sldId id="282" r:id="rId19"/>
   </p:sldIdLst>
   <p:sldSz cx="12192000" cy="6858000"/>
   <p:notesSz cx="6858000" cy="9144000"/>
@@ -125,6 +129,18 @@
 </p:presentation>
 </file>
 
+<file path=ppt/commentAuthors.xml><?xml version="1.0" encoding="utf-8"?>
+<p:cmAuthorLst xmlns:a="http://schemas.openxmlformats.org/drawingml/2006/main" xmlns:r="http://schemas.openxmlformats.org/officeDocument/2006/relationships" xmlns:p="http://schemas.openxmlformats.org/presentationml/2006/main">
+  <p:cmAuthor id="1" name="Toan Nguyen (ClearCaptions)" initials="TN(" lastIdx="1" clrIdx="0">
+    <p:extLst>
+      <p:ext uri="{19B8F6BF-5375-455C-9EA6-DF929625EA0E}">
+        <p15:presenceInfo xmlns:p15="http://schemas.microsoft.com/office/powerpoint/2012/main" userId="S::toan.nguyen@clearcaptions.com::739d23cb-d78c-4c26-b4c1-e2626b9b15db" providerId="AD"/>
+      </p:ext>
+    </p:extLst>
+  </p:cmAuthor>
+</p:cmAuthorLst>
+</file>
+
 <file path=ppt/slideLayouts/slideLayout1.xml><?xml version="1.0" encoding="utf-8"?>
 <p:sldLayout xmlns:a="http://schemas.openxmlformats.org/drawingml/2006/main" xmlns:r="http://schemas.openxmlformats.org/officeDocument/2006/relationships" xmlns:p="http://schemas.openxmlformats.org/presentationml/2006/main" type="title" preserve="1">
   <p:cSld name="Title Slide">
@@ -272,7 +288,7 @@
           <a:p>
             <a:fld id="{412A483F-6610-402B-A4E9-0299365126DF}" type="datetimeFigureOut">
               <a:rPr lang="en-US" smtClean="0"/>
-              <a:t>8/8/2019</a:t>
+              <a:t>8/10/2019</a:t>
             </a:fld>
             <a:endParaRPr lang="en-US"/>
           </a:p>
@@ -470,7 +486,7 @@
           <a:p>
             <a:fld id="{412A483F-6610-402B-A4E9-0299365126DF}" type="datetimeFigureOut">
               <a:rPr lang="en-US" smtClean="0"/>
-              <a:t>8/8/2019</a:t>
+              <a:t>8/10/2019</a:t>
             </a:fld>
             <a:endParaRPr lang="en-US"/>
           </a:p>
@@ -678,7 +694,7 @@
           <a:p>
             <a:fld id="{412A483F-6610-402B-A4E9-0299365126DF}" type="datetimeFigureOut">
               <a:rPr lang="en-US" smtClean="0"/>
-              <a:t>8/8/2019</a:t>
+              <a:t>8/10/2019</a:t>
             </a:fld>
             <a:endParaRPr lang="en-US"/>
           </a:p>
@@ -876,7 +892,7 @@
           <a:p>
             <a:fld id="{412A483F-6610-402B-A4E9-0299365126DF}" type="datetimeFigureOut">
               <a:rPr lang="en-US" smtClean="0"/>
-              <a:t>8/8/2019</a:t>
+              <a:t>8/10/2019</a:t>
             </a:fld>
             <a:endParaRPr lang="en-US"/>
           </a:p>
@@ -1151,7 +1167,7 @@
           <a:p>
             <a:fld id="{412A483F-6610-402B-A4E9-0299365126DF}" type="datetimeFigureOut">
               <a:rPr lang="en-US" smtClean="0"/>
-              <a:t>8/8/2019</a:t>
+              <a:t>8/10/2019</a:t>
             </a:fld>
             <a:endParaRPr lang="en-US"/>
           </a:p>
@@ -1416,7 +1432,7 @@
           <a:p>
             <a:fld id="{412A483F-6610-402B-A4E9-0299365126DF}" type="datetimeFigureOut">
               <a:rPr lang="en-US" smtClean="0"/>
-              <a:t>8/8/2019</a:t>
+              <a:t>8/10/2019</a:t>
             </a:fld>
             <a:endParaRPr lang="en-US"/>
           </a:p>
@@ -1828,7 +1844,7 @@
           <a:p>
             <a:fld id="{412A483F-6610-402B-A4E9-0299365126DF}" type="datetimeFigureOut">
               <a:rPr lang="en-US" smtClean="0"/>
-              <a:t>8/8/2019</a:t>
+              <a:t>8/10/2019</a:t>
             </a:fld>
             <a:endParaRPr lang="en-US"/>
           </a:p>
@@ -1969,7 +1985,7 @@
           <a:p>
             <a:fld id="{412A483F-6610-402B-A4E9-0299365126DF}" type="datetimeFigureOut">
               <a:rPr lang="en-US" smtClean="0"/>
-              <a:t>8/8/2019</a:t>
+              <a:t>8/10/2019</a:t>
             </a:fld>
             <a:endParaRPr lang="en-US"/>
           </a:p>
@@ -2082,7 +2098,7 @@
           <a:p>
             <a:fld id="{412A483F-6610-402B-A4E9-0299365126DF}" type="datetimeFigureOut">
               <a:rPr lang="en-US" smtClean="0"/>
-              <a:t>8/8/2019</a:t>
+              <a:t>8/10/2019</a:t>
             </a:fld>
             <a:endParaRPr lang="en-US"/>
           </a:p>
@@ -2393,7 +2409,7 @@
           <a:p>
             <a:fld id="{412A483F-6610-402B-A4E9-0299365126DF}" type="datetimeFigureOut">
               <a:rPr lang="en-US" smtClean="0"/>
-              <a:t>8/8/2019</a:t>
+              <a:t>8/10/2019</a:t>
             </a:fld>
             <a:endParaRPr lang="en-US"/>
           </a:p>
@@ -2681,7 +2697,7 @@
           <a:p>
             <a:fld id="{412A483F-6610-402B-A4E9-0299365126DF}" type="datetimeFigureOut">
               <a:rPr lang="en-US" smtClean="0"/>
-              <a:t>8/8/2019</a:t>
+              <a:t>8/10/2019</a:t>
             </a:fld>
             <a:endParaRPr lang="en-US"/>
           </a:p>
@@ -2758,9 +2774,39 @@
 <p:sldMaster xmlns:a="http://schemas.openxmlformats.org/drawingml/2006/main" xmlns:r="http://schemas.openxmlformats.org/officeDocument/2006/relationships" xmlns:p="http://schemas.openxmlformats.org/presentationml/2006/main">
   <p:cSld>
     <p:bg>
-      <p:bgRef idx="1001">
-        <a:schemeClr val="bg1"/>
-      </p:bgRef>
+      <p:bgPr>
+        <a:gradFill flip="none" rotWithShape="1">
+          <a:gsLst>
+            <a:gs pos="0">
+              <a:schemeClr val="accent1">
+                <a:lumMod val="5000"/>
+                <a:lumOff val="95000"/>
+              </a:schemeClr>
+            </a:gs>
+            <a:gs pos="74000">
+              <a:schemeClr val="accent1">
+                <a:lumMod val="45000"/>
+                <a:lumOff val="55000"/>
+              </a:schemeClr>
+            </a:gs>
+            <a:gs pos="83000">
+              <a:schemeClr val="accent1">
+                <a:lumMod val="45000"/>
+                <a:lumOff val="55000"/>
+              </a:schemeClr>
+            </a:gs>
+            <a:gs pos="100000">
+              <a:schemeClr val="accent1">
+                <a:lumMod val="30000"/>
+                <a:lumOff val="70000"/>
+              </a:schemeClr>
+            </a:gs>
+          </a:gsLst>
+          <a:lin ang="2700000" scaled="1"/>
+          <a:tileRect/>
+        </a:gradFill>
+        <a:effectLst/>
+      </p:bgPr>
     </p:bg>
     <p:spTree>
       <p:nvGrpSpPr>
@@ -2922,7 +2968,7 @@
           <a:p>
             <a:fld id="{412A483F-6610-402B-A4E9-0299365126DF}" type="datetimeFigureOut">
               <a:rPr lang="en-US" smtClean="0"/>
-              <a:t>8/8/2019</a:t>
+              <a:t>8/10/2019</a:t>
             </a:fld>
             <a:endParaRPr lang="en-US"/>
           </a:p>
@@ -3325,40 +3371,6 @@
 <file path=ppt/slides/slide1.xml><?xml version="1.0" encoding="utf-8"?>
 <p:sld xmlns:a="http://schemas.openxmlformats.org/drawingml/2006/main" xmlns:r="http://schemas.openxmlformats.org/officeDocument/2006/relationships" xmlns:p="http://schemas.openxmlformats.org/presentationml/2006/main">
   <p:cSld>
-    <p:bg>
-      <p:bgPr>
-        <a:gradFill>
-          <a:gsLst>
-            <a:gs pos="0">
-              <a:schemeClr val="accent1">
-                <a:lumMod val="5000"/>
-                <a:lumOff val="95000"/>
-              </a:schemeClr>
-            </a:gs>
-            <a:gs pos="74000">
-              <a:schemeClr val="accent1">
-                <a:lumMod val="45000"/>
-                <a:lumOff val="55000"/>
-              </a:schemeClr>
-            </a:gs>
-            <a:gs pos="83000">
-              <a:schemeClr val="accent1">
-                <a:lumMod val="45000"/>
-                <a:lumOff val="55000"/>
-              </a:schemeClr>
-            </a:gs>
-            <a:gs pos="100000">
-              <a:schemeClr val="accent1">
-                <a:lumMod val="30000"/>
-                <a:lumOff val="70000"/>
-              </a:schemeClr>
-            </a:gs>
-          </a:gsLst>
-          <a:lin ang="5400000" scaled="1"/>
-        </a:gradFill>
-        <a:effectLst/>
-      </p:bgPr>
-    </p:bg>
     <p:spTree>
       <p:nvGrpSpPr>
         <p:cNvPr id="1" name=""/>
@@ -3421,10 +3433,14 @@
               <a:rPr lang="en-US" sz="7300" dirty="0"/>
               <a:t>Amazon’s product reviews</a:t>
             </a:r>
-            <a:br>
+            <a:r>
               <a:rPr lang="en-US" dirty="0"/>
-            </a:br>
-            <a:endParaRPr lang="en-US" dirty="0"/>
+              <a:t> </a:t>
+            </a:r>
+            <a:r>
+              <a:rPr lang="en-US" sz="5300" dirty="0"/>
+              <a:t>TDN</a:t>
+            </a:r>
           </a:p>
         </p:txBody>
       </p:sp>
@@ -3463,186 +3479,6 @@
           <p:cNvPr id="2" name="Title 1">
             <a:extLst>
               <a:ext uri="{FF2B5EF4-FFF2-40B4-BE49-F238E27FC236}">
-                <a16:creationId xmlns:a16="http://schemas.microsoft.com/office/drawing/2014/main" id="{9FD6A4FD-5485-4307-A3A5-3B13979F7330}"/>
-              </a:ext>
-            </a:extLst>
-          </p:cNvPr>
-          <p:cNvSpPr>
-            <a:spLocks noGrp="1"/>
-          </p:cNvSpPr>
-          <p:nvPr>
-            <p:ph type="title"/>
-          </p:nvPr>
-        </p:nvSpPr>
-        <p:spPr/>
-        <p:txBody>
-          <a:bodyPr/>
-          <a:lstStyle/>
-          <a:p>
-            <a:r>
-              <a:rPr lang="en-US" dirty="0"/>
-              <a:t>RNN</a:t>
-            </a:r>
-          </a:p>
-        </p:txBody>
-      </p:sp>
-      <p:pic>
-        <p:nvPicPr>
-          <p:cNvPr id="8" name="Content Placeholder 7">
-            <a:extLst>
-              <a:ext uri="{FF2B5EF4-FFF2-40B4-BE49-F238E27FC236}">
-                <a16:creationId xmlns:a16="http://schemas.microsoft.com/office/drawing/2014/main" id="{78BCDE0B-DA52-4F5B-8C31-EBA8F7C900AC}"/>
-              </a:ext>
-            </a:extLst>
-          </p:cNvPr>
-          <p:cNvPicPr>
-            <a:picLocks noGrp="1" noChangeAspect="1"/>
-          </p:cNvPicPr>
-          <p:nvPr>
-            <p:ph idx="1"/>
-          </p:nvPr>
-        </p:nvPicPr>
-        <p:blipFill>
-          <a:blip r:embed="rId2"/>
-          <a:stretch>
-            <a:fillRect/>
-          </a:stretch>
-        </p:blipFill>
-        <p:spPr>
-          <a:xfrm>
-            <a:off x="989020" y="1533234"/>
-            <a:ext cx="6019800" cy="3181350"/>
-          </a:xfrm>
-          <a:prstGeom prst="rect">
-            <a:avLst/>
-          </a:prstGeom>
-        </p:spPr>
-      </p:pic>
-    </p:spTree>
-    <p:extLst>
-      <p:ext uri="{BB962C8B-B14F-4D97-AF65-F5344CB8AC3E}">
-        <p14:creationId xmlns:p14="http://schemas.microsoft.com/office/powerpoint/2010/main" val="1236448805"/>
-      </p:ext>
-    </p:extLst>
-  </p:cSld>
-  <p:clrMapOvr>
-    <a:masterClrMapping/>
-  </p:clrMapOvr>
-</p:sld>
-</file>
-
-<file path=ppt/slides/slide11.xml><?xml version="1.0" encoding="utf-8"?>
-<p:sld xmlns:a="http://schemas.openxmlformats.org/drawingml/2006/main" xmlns:r="http://schemas.openxmlformats.org/officeDocument/2006/relationships" xmlns:p="http://schemas.openxmlformats.org/presentationml/2006/main">
-  <p:cSld>
-    <p:spTree>
-      <p:nvGrpSpPr>
-        <p:cNvPr id="1" name=""/>
-        <p:cNvGrpSpPr/>
-        <p:nvPr/>
-      </p:nvGrpSpPr>
-      <p:grpSpPr>
-        <a:xfrm>
-          <a:off x="0" y="0"/>
-          <a:ext cx="0" cy="0"/>
-          <a:chOff x="0" y="0"/>
-          <a:chExt cx="0" cy="0"/>
-        </a:xfrm>
-      </p:grpSpPr>
-      <p:sp>
-        <p:nvSpPr>
-          <p:cNvPr id="2" name="Title 1">
-            <a:extLst>
-              <a:ext uri="{FF2B5EF4-FFF2-40B4-BE49-F238E27FC236}">
-                <a16:creationId xmlns:a16="http://schemas.microsoft.com/office/drawing/2014/main" id="{969DD1C8-0A53-4030-90FD-0B6EF65BD255}"/>
-              </a:ext>
-            </a:extLst>
-          </p:cNvPr>
-          <p:cNvSpPr>
-            <a:spLocks noGrp="1"/>
-          </p:cNvSpPr>
-          <p:nvPr>
-            <p:ph type="title"/>
-          </p:nvPr>
-        </p:nvSpPr>
-        <p:spPr/>
-        <p:txBody>
-          <a:bodyPr/>
-          <a:lstStyle/>
-          <a:p>
-            <a:r>
-              <a:rPr lang="en-US" dirty="0"/>
-              <a:t>CNN</a:t>
-            </a:r>
-          </a:p>
-        </p:txBody>
-      </p:sp>
-      <p:pic>
-        <p:nvPicPr>
-          <p:cNvPr id="4" name="Content Placeholder 3">
-            <a:extLst>
-              <a:ext uri="{FF2B5EF4-FFF2-40B4-BE49-F238E27FC236}">
-                <a16:creationId xmlns:a16="http://schemas.microsoft.com/office/drawing/2014/main" id="{9515170A-737A-4DAE-8A33-23BDC6C6D79E}"/>
-              </a:ext>
-            </a:extLst>
-          </p:cNvPr>
-          <p:cNvPicPr>
-            <a:picLocks noGrp="1" noChangeAspect="1"/>
-          </p:cNvPicPr>
-          <p:nvPr>
-            <p:ph idx="1"/>
-          </p:nvPr>
-        </p:nvPicPr>
-        <p:blipFill>
-          <a:blip r:embed="rId2"/>
-          <a:stretch>
-            <a:fillRect/>
-          </a:stretch>
-        </p:blipFill>
-        <p:spPr>
-          <a:xfrm>
-            <a:off x="1212892" y="1598934"/>
-            <a:ext cx="5762625" cy="3124200"/>
-          </a:xfrm>
-          <a:prstGeom prst="rect">
-            <a:avLst/>
-          </a:prstGeom>
-        </p:spPr>
-      </p:pic>
-    </p:spTree>
-    <p:extLst>
-      <p:ext uri="{BB962C8B-B14F-4D97-AF65-F5344CB8AC3E}">
-        <p14:creationId xmlns:p14="http://schemas.microsoft.com/office/powerpoint/2010/main" val="4002153912"/>
-      </p:ext>
-    </p:extLst>
-  </p:cSld>
-  <p:clrMapOvr>
-    <a:masterClrMapping/>
-  </p:clrMapOvr>
-</p:sld>
-</file>
-
-<file path=ppt/slides/slide12.xml><?xml version="1.0" encoding="utf-8"?>
-<p:sld xmlns:a="http://schemas.openxmlformats.org/drawingml/2006/main" xmlns:r="http://schemas.openxmlformats.org/officeDocument/2006/relationships" xmlns:p="http://schemas.openxmlformats.org/presentationml/2006/main">
-  <p:cSld>
-    <p:spTree>
-      <p:nvGrpSpPr>
-        <p:cNvPr id="1" name=""/>
-        <p:cNvGrpSpPr/>
-        <p:nvPr/>
-      </p:nvGrpSpPr>
-      <p:grpSpPr>
-        <a:xfrm>
-          <a:off x="0" y="0"/>
-          <a:ext cx="0" cy="0"/>
-          <a:chOff x="0" y="0"/>
-          <a:chExt cx="0" cy="0"/>
-        </a:xfrm>
-      </p:grpSpPr>
-      <p:sp>
-        <p:nvSpPr>
-          <p:cNvPr id="2" name="Title 1">
-            <a:extLst>
-              <a:ext uri="{FF2B5EF4-FFF2-40B4-BE49-F238E27FC236}">
                 <a16:creationId xmlns:a16="http://schemas.microsoft.com/office/drawing/2014/main" id="{75294D1E-1426-473B-8213-5E6A09BE1A1B}"/>
               </a:ext>
             </a:extLst>
@@ -3682,13 +3518,13 @@
             <p:ph idx="1"/>
             <p:extLst>
               <p:ext uri="{D42A27DB-BD31-4B8C-83A1-F6EECF244321}">
-                <p14:modId xmlns:p14="http://schemas.microsoft.com/office/powerpoint/2010/main" val="1596963511"/>
+                <p14:modId xmlns:p14="http://schemas.microsoft.com/office/powerpoint/2010/main" val="2743042493"/>
               </p:ext>
             </p:extLst>
           </p:nvPr>
         </p:nvGraphicFramePr>
         <p:xfrm>
-          <a:off x="838200" y="2872000"/>
+          <a:off x="762000" y="2476500"/>
           <a:ext cx="10515600" cy="1112520"/>
         </p:xfrm>
         <a:graphic>
@@ -3795,7 +3631,7 @@
                     <a:p>
                       <a:r>
                         <a:rPr lang="en-US" dirty="0"/>
-                        <a:t>1.0</a:t>
+                        <a:t>Negative</a:t>
                       </a:r>
                     </a:p>
                   </a:txBody>
@@ -3852,7 +3688,10 @@
                     <a:bodyPr/>
                     <a:lstStyle/>
                     <a:p>
-                      <a:endParaRPr lang="en-US" dirty="0"/>
+                      <a:r>
+                        <a:rPr lang="en-US" dirty="0"/>
+                        <a:t>1 star rating</a:t>
+                      </a:r>
                     </a:p>
                   </a:txBody>
                   <a:tcPr/>
@@ -3898,7 +3737,7 @@
                           <a:ea typeface="+mn-ea"/>
                           <a:cs typeface="+mn-cs"/>
                         </a:rPr>
-                        <a:t>-0.8839285714285714</a:t>
+                        <a:t>0</a:t>
                       </a:r>
                       <a:endParaRPr lang="en-US" dirty="0"/>
                     </a:p>
@@ -3930,14 +3769,14 @@
           <p:nvPr>
             <p:extLst>
               <p:ext uri="{D42A27DB-BD31-4B8C-83A1-F6EECF244321}">
-                <p14:modId xmlns:p14="http://schemas.microsoft.com/office/powerpoint/2010/main" val="342666789"/>
+                <p14:modId xmlns:p14="http://schemas.microsoft.com/office/powerpoint/2010/main" val="2534222571"/>
               </p:ext>
             </p:extLst>
           </p:nvPr>
         </p:nvGraphicFramePr>
         <p:xfrm>
-          <a:off x="838200" y="5079443"/>
-          <a:ext cx="10515600" cy="741680"/>
+          <a:off x="762000" y="5467151"/>
+          <a:ext cx="10515600" cy="1139112"/>
         </p:xfrm>
         <a:graphic>
           <a:graphicData uri="http://schemas.openxmlformats.org/drawingml/2006/table">
@@ -3975,7 +3814,7 @@
                   </a:extLst>
                 </a:gridCol>
               </a:tblGrid>
-              <a:tr h="370840">
+              <a:tr h="397432">
                 <a:tc>
                   <a:txBody>
                     <a:bodyPr/>
@@ -4041,7 +3880,10 @@
                     <a:bodyPr/>
                     <a:lstStyle/>
                     <a:p>
-                      <a:endParaRPr lang="en-US" dirty="0"/>
+                      <a:r>
+                        <a:rPr lang="en-US" dirty="0"/>
+                        <a:t>Positive</a:t>
+                      </a:r>
                     </a:p>
                   </a:txBody>
                   <a:tcPr/>
@@ -4051,7 +3893,10 @@
                     <a:bodyPr/>
                     <a:lstStyle/>
                     <a:p>
-                      <a:endParaRPr lang="en-US"/>
+                      <a:r>
+                        <a:rPr lang="en-US" dirty="0"/>
+                        <a:t>Positive</a:t>
+                      </a:r>
                     </a:p>
                   </a:txBody>
                   <a:tcPr/>
@@ -4061,7 +3906,10 @@
                     <a:bodyPr/>
                     <a:lstStyle/>
                     <a:p>
-                      <a:endParaRPr lang="en-US"/>
+                      <a:r>
+                        <a:rPr lang="en-US" dirty="0"/>
+                        <a:t>Positive</a:t>
+                      </a:r>
                     </a:p>
                   </a:txBody>
                   <a:tcPr/>
@@ -4071,7 +3919,10 @@
                     <a:bodyPr/>
                     <a:lstStyle/>
                     <a:p>
-                      <a:endParaRPr lang="en-US" dirty="0"/>
+                      <a:r>
+                        <a:rPr lang="en-US" dirty="0"/>
+                        <a:t>Negative</a:t>
+                      </a:r>
                     </a:p>
                   </a:txBody>
                   <a:tcPr/>
@@ -4082,6 +3933,65 @@
                   </a:ext>
                 </a:extLst>
               </a:tr>
+              <a:tr h="370840">
+                <a:tc>
+                  <a:txBody>
+                    <a:bodyPr/>
+                    <a:lstStyle/>
+                    <a:p>
+                      <a:r>
+                        <a:rPr lang="en-US" dirty="0"/>
+                        <a:t>3 star rating</a:t>
+                      </a:r>
+                    </a:p>
+                  </a:txBody>
+                  <a:tcPr/>
+                </a:tc>
+                <a:tc>
+                  <a:txBody>
+                    <a:bodyPr/>
+                    <a:lstStyle/>
+                    <a:p>
+                      <a:r>
+                        <a:rPr lang="en-US" dirty="0"/>
+                        <a:t>1</a:t>
+                      </a:r>
+                    </a:p>
+                  </a:txBody>
+                  <a:tcPr/>
+                </a:tc>
+                <a:tc>
+                  <a:txBody>
+                    <a:bodyPr/>
+                    <a:lstStyle/>
+                    <a:p>
+                      <a:r>
+                        <a:rPr lang="en-US" dirty="0"/>
+                        <a:t>1</a:t>
+                      </a:r>
+                    </a:p>
+                  </a:txBody>
+                  <a:tcPr/>
+                </a:tc>
+                <a:tc>
+                  <a:txBody>
+                    <a:bodyPr/>
+                    <a:lstStyle/>
+                    <a:p>
+                      <a:r>
+                        <a:rPr lang="en-US" dirty="0"/>
+                        <a:t>0</a:t>
+                      </a:r>
+                    </a:p>
+                  </a:txBody>
+                  <a:tcPr/>
+                </a:tc>
+                <a:extLst>
+                  <a:ext uri="{0D108BD9-81ED-4DB2-BD59-A6C34878D82A}">
+                    <a16:rowId xmlns:a16="http://schemas.microsoft.com/office/drawing/2014/main" val="942546629"/>
+                  </a:ext>
+                </a:extLst>
+              </a:tr>
             </a:tbl>
           </a:graphicData>
         </a:graphic>
@@ -4101,7 +4011,7 @@
           <p:nvPr>
             <p:extLst>
               <p:ext uri="{D42A27DB-BD31-4B8C-83A1-F6EECF244321}">
-                <p14:modId xmlns:p14="http://schemas.microsoft.com/office/powerpoint/2010/main" val="1208339955"/>
+                <p14:modId xmlns:p14="http://schemas.microsoft.com/office/powerpoint/2010/main" val="1770885095"/>
               </p:ext>
             </p:extLst>
           </p:nvPr>
@@ -4129,7 +4039,23 @@
                     <a:bodyPr/>
                     <a:lstStyle/>
                     <a:p>
-                      <a:pPr algn="r" fontAlgn="ctr"/>
+                      <a:pPr marL="0" marR="0" lvl="0" indent="0" algn="l" defTabSz="914400" rtl="0" eaLnBrk="1" fontAlgn="ctr" latinLnBrk="0" hangingPunct="1">
+                        <a:lnSpc>
+                          <a:spcPct val="100000"/>
+                        </a:lnSpc>
+                        <a:spcBef>
+                          <a:spcPts val="0"/>
+                        </a:spcBef>
+                        <a:spcAft>
+                          <a:spcPts val="0"/>
+                        </a:spcAft>
+                        <a:buClrTx/>
+                        <a:buSzTx/>
+                        <a:buFontTx/>
+                        <a:buNone/>
+                        <a:tabLst/>
+                        <a:defRPr/>
+                      </a:pPr>
                       <a:r>
                         <a:rPr lang="en-US" dirty="0">
                           <a:effectLst/>
@@ -4146,7 +4072,16 @@
                         <a:rPr lang="en-US" dirty="0">
                           <a:effectLst/>
                         </a:rPr>
-                        <a:t> is that the depth is not adjustable. So many other options and I made a mistake and bought this.</a:t>
+                        <a:t> is that the depth is not adjustable. So many other options and I made a mistake and bought this.  </a:t>
+                      </a:r>
+                      <a:r>
+                        <a:rPr lang="en-US" dirty="0">
+                          <a:solidFill>
+                            <a:srgbClr val="FF0000"/>
+                          </a:solidFill>
+                          <a:effectLst/>
+                        </a:rPr>
+                        <a:t>  False Positive for RNN.</a:t>
                       </a:r>
                     </a:p>
                   </a:txBody>
@@ -4284,10 +4219,999 @@
           </a:p>
         </p:txBody>
       </p:sp>
+      <p:graphicFrame>
+        <p:nvGraphicFramePr>
+          <p:cNvPr id="9" name="Table 8">
+            <a:extLst>
+              <a:ext uri="{FF2B5EF4-FFF2-40B4-BE49-F238E27FC236}">
+                <a16:creationId xmlns:a16="http://schemas.microsoft.com/office/drawing/2014/main" id="{EACF64C4-F46C-4171-B018-C810AF11D328}"/>
+              </a:ext>
+            </a:extLst>
+          </p:cNvPr>
+          <p:cNvGraphicFramePr>
+            <a:graphicFrameLocks noGrp="1"/>
+          </p:cNvGraphicFramePr>
+          <p:nvPr>
+            <p:extLst>
+              <p:ext uri="{D42A27DB-BD31-4B8C-83A1-F6EECF244321}">
+                <p14:modId xmlns:p14="http://schemas.microsoft.com/office/powerpoint/2010/main" val="2851492157"/>
+              </p:ext>
+            </p:extLst>
+          </p:nvPr>
+        </p:nvGraphicFramePr>
+        <p:xfrm>
+          <a:off x="762000" y="4028120"/>
+          <a:ext cx="10515600" cy="1139113"/>
+        </p:xfrm>
+        <a:graphic>
+          <a:graphicData uri="http://schemas.openxmlformats.org/drawingml/2006/table">
+            <a:tbl>
+              <a:tblPr/>
+              <a:tblGrid>
+                <a:gridCol w="10515600">
+                  <a:extLst>
+                    <a:ext uri="{9D8B030D-6E8A-4147-A177-3AD203B41FA5}">
+                      <a16:colId xmlns:a16="http://schemas.microsoft.com/office/drawing/2014/main" val="4165182970"/>
+                    </a:ext>
+                  </a:extLst>
+                </a:gridCol>
+              </a:tblGrid>
+              <a:tr h="1139113">
+                <a:tc>
+                  <a:txBody>
+                    <a:bodyPr/>
+                    <a:lstStyle/>
+                    <a:p>
+                      <a:pPr marL="0" marR="0" lvl="0" indent="0" algn="l" defTabSz="914400" rtl="0" eaLnBrk="1" fontAlgn="ctr" latinLnBrk="0" hangingPunct="1">
+                        <a:lnSpc>
+                          <a:spcPct val="100000"/>
+                        </a:lnSpc>
+                        <a:spcBef>
+                          <a:spcPts val="0"/>
+                        </a:spcBef>
+                        <a:spcAft>
+                          <a:spcPts val="0"/>
+                        </a:spcAft>
+                        <a:buClrTx/>
+                        <a:buSzTx/>
+                        <a:buFontTx/>
+                        <a:buNone/>
+                        <a:tabLst/>
+                        <a:defRPr/>
+                      </a:pPr>
+                      <a:r>
+                        <a:rPr lang="en-US" dirty="0">
+                          <a:effectLst/>
+                        </a:rPr>
+                        <a:t>I have had this router about a year before buying this plunge base. This base was the only thing I needed to make this compact router my go to for every day use. adjustments and control rival the big routers but handling this small one is very precise and easy. Love it!!  </a:t>
+                      </a:r>
+                      <a:r>
+                        <a:rPr lang="en-US" dirty="0">
+                          <a:solidFill>
+                            <a:srgbClr val="FF0000"/>
+                          </a:solidFill>
+                          <a:effectLst/>
+                        </a:rPr>
+                        <a:t>False Negative with </a:t>
+                      </a:r>
+                      <a:r>
+                        <a:rPr lang="en-US" dirty="0" err="1">
+                          <a:solidFill>
+                            <a:srgbClr val="FF0000"/>
+                          </a:solidFill>
+                          <a:effectLst/>
+                        </a:rPr>
+                        <a:t>TextBlob</a:t>
+                      </a:r>
+                      <a:r>
+                        <a:rPr lang="en-US" dirty="0">
+                          <a:solidFill>
+                            <a:srgbClr val="FF0000"/>
+                          </a:solidFill>
+                          <a:effectLst/>
+                        </a:rPr>
+                        <a:t>.</a:t>
+                      </a:r>
+                    </a:p>
+                  </a:txBody>
+                  <a:tcPr anchor="ctr">
+                    <a:lnL>
+                      <a:noFill/>
+                    </a:lnL>
+                    <a:lnR>
+                      <a:noFill/>
+                    </a:lnR>
+                    <a:lnT>
+                      <a:noFill/>
+                    </a:lnT>
+                    <a:lnB>
+                      <a:noFill/>
+                    </a:lnB>
+                    <a:solidFill>
+                      <a:srgbClr val="FFFFFF"/>
+                    </a:solidFill>
+                  </a:tcPr>
+                </a:tc>
+                <a:extLst>
+                  <a:ext uri="{0D108BD9-81ED-4DB2-BD59-A6C34878D82A}">
+                    <a16:rowId xmlns:a16="http://schemas.microsoft.com/office/drawing/2014/main" val="1812637871"/>
+                  </a:ext>
+                </a:extLst>
+              </a:tr>
+            </a:tbl>
+          </a:graphicData>
+        </a:graphic>
+      </p:graphicFrame>
     </p:spTree>
     <p:extLst>
       <p:ext uri="{BB962C8B-B14F-4D97-AF65-F5344CB8AC3E}">
         <p14:creationId xmlns:p14="http://schemas.microsoft.com/office/powerpoint/2010/main" val="527604391"/>
+      </p:ext>
+    </p:extLst>
+  </p:cSld>
+  <p:clrMapOvr>
+    <a:masterClrMapping/>
+  </p:clrMapOvr>
+</p:sld>
+</file>
+
+<file path=ppt/slides/slide11.xml><?xml version="1.0" encoding="utf-8"?>
+<p:sld xmlns:a="http://schemas.openxmlformats.org/drawingml/2006/main" xmlns:r="http://schemas.openxmlformats.org/officeDocument/2006/relationships" xmlns:p="http://schemas.openxmlformats.org/presentationml/2006/main">
+  <p:cSld>
+    <p:spTree>
+      <p:nvGrpSpPr>
+        <p:cNvPr id="1" name=""/>
+        <p:cNvGrpSpPr/>
+        <p:nvPr/>
+      </p:nvGrpSpPr>
+      <p:grpSpPr>
+        <a:xfrm>
+          <a:off x="0" y="0"/>
+          <a:ext cx="0" cy="0"/>
+          <a:chOff x="0" y="0"/>
+          <a:chExt cx="0" cy="0"/>
+        </a:xfrm>
+      </p:grpSpPr>
+      <p:sp>
+        <p:nvSpPr>
+          <p:cNvPr id="2" name="Title 1">
+            <a:extLst>
+              <a:ext uri="{FF2B5EF4-FFF2-40B4-BE49-F238E27FC236}">
+                <a16:creationId xmlns:a16="http://schemas.microsoft.com/office/drawing/2014/main" id="{29C43415-0F3D-4422-A628-2E18395A6F7D}"/>
+              </a:ext>
+            </a:extLst>
+          </p:cNvPr>
+          <p:cNvSpPr>
+            <a:spLocks noGrp="1"/>
+          </p:cNvSpPr>
+          <p:nvPr>
+            <p:ph type="title"/>
+          </p:nvPr>
+        </p:nvSpPr>
+        <p:spPr/>
+        <p:txBody>
+          <a:bodyPr/>
+          <a:lstStyle/>
+          <a:p>
+            <a:r>
+              <a:rPr lang="en-US" dirty="0"/>
+              <a:t>Performance Comparison</a:t>
+            </a:r>
+          </a:p>
+        </p:txBody>
+      </p:sp>
+      <p:sp>
+        <p:nvSpPr>
+          <p:cNvPr id="3" name="Content Placeholder 2">
+            <a:extLst>
+              <a:ext uri="{FF2B5EF4-FFF2-40B4-BE49-F238E27FC236}">
+                <a16:creationId xmlns:a16="http://schemas.microsoft.com/office/drawing/2014/main" id="{AAAEA5B2-9558-4C0A-80F0-B1C4C9587D97}"/>
+              </a:ext>
+            </a:extLst>
+          </p:cNvPr>
+          <p:cNvSpPr>
+            <a:spLocks noGrp="1"/>
+          </p:cNvSpPr>
+          <p:nvPr>
+            <p:ph idx="1"/>
+          </p:nvPr>
+        </p:nvSpPr>
+        <p:spPr>
+          <a:xfrm>
+            <a:off x="838200" y="1825625"/>
+            <a:ext cx="10515600" cy="4351338"/>
+          </a:xfrm>
+        </p:spPr>
+        <p:txBody>
+          <a:bodyPr>
+            <a:normAutofit fontScale="77500" lnSpcReduction="20000"/>
+          </a:bodyPr>
+          <a:lstStyle/>
+          <a:p>
+            <a:r>
+              <a:rPr lang="en-US" dirty="0"/>
+              <a:t>#rating = lambda x: 1 if x &gt; 2.0 else 0</a:t>
+            </a:r>
+          </a:p>
+          <a:p>
+            <a:r>
+              <a:rPr lang="en-US" dirty="0"/>
+              <a:t>#sample size = 10261 </a:t>
+            </a:r>
+          </a:p>
+          <a:p>
+            <a:r>
+              <a:rPr lang="en-US" dirty="0"/>
+              <a:t>#model accuracy ~ 93.94%</a:t>
+            </a:r>
+          </a:p>
+          <a:p>
+            <a:r>
+              <a:rPr lang="en-US" dirty="0"/>
+              <a:t>Based on 1000 test samples after training/validation</a:t>
+            </a:r>
+          </a:p>
+          <a:p>
+            <a:r>
+              <a:rPr lang="en-US" dirty="0"/>
+              <a:t>Data: reviews_Musical_Instruments_5.json.gz</a:t>
+            </a:r>
+          </a:p>
+          <a:p>
+            <a:endParaRPr lang="en-US" dirty="0"/>
+          </a:p>
+          <a:p>
+            <a:pPr marL="0" indent="0">
+              <a:buNone/>
+            </a:pPr>
+            <a:r>
+              <a:rPr lang="en-US" sz="3100" dirty="0" err="1"/>
+              <a:t>tn</a:t>
+            </a:r>
+            <a:r>
+              <a:rPr lang="en-US" sz="3100" dirty="0"/>
+              <a:t>, </a:t>
+            </a:r>
+            <a:r>
+              <a:rPr lang="en-US" sz="3100" dirty="0" err="1"/>
+              <a:t>fp</a:t>
+            </a:r>
+            <a:r>
+              <a:rPr lang="en-US" sz="3100" dirty="0"/>
+              <a:t>, </a:t>
+            </a:r>
+            <a:r>
+              <a:rPr lang="en-US" sz="3100" dirty="0" err="1"/>
+              <a:t>fn</a:t>
+            </a:r>
+            <a:r>
+              <a:rPr lang="en-US" sz="3100" dirty="0"/>
+              <a:t>, </a:t>
+            </a:r>
+            <a:r>
+              <a:rPr lang="en-US" sz="3100" dirty="0" err="1"/>
+              <a:t>tp</a:t>
+            </a:r>
+            <a:r>
+              <a:rPr lang="en-US" sz="3100" dirty="0"/>
+              <a:t>   </a:t>
+            </a:r>
+          </a:p>
+          <a:p>
+            <a:endParaRPr lang="en-US" dirty="0"/>
+          </a:p>
+          <a:p>
+            <a:pPr marL="0" indent="0">
+              <a:buNone/>
+            </a:pPr>
+            <a:r>
+              <a:rPr lang="en-US" dirty="0"/>
+              <a:t>(0, 46, 0, 954) RNN</a:t>
+            </a:r>
+          </a:p>
+          <a:p>
+            <a:pPr marL="0" indent="0">
+              <a:buNone/>
+            </a:pPr>
+            <a:r>
+              <a:rPr lang="en-US" dirty="0"/>
+              <a:t>(4, 38, 5, 953) CNN</a:t>
+            </a:r>
+          </a:p>
+          <a:p>
+            <a:pPr marL="0" indent="0">
+              <a:buNone/>
+            </a:pPr>
+            <a:r>
+              <a:rPr lang="en-US" dirty="0"/>
+              <a:t>(14, 28, 57, 901) </a:t>
+            </a:r>
+            <a:r>
+              <a:rPr lang="en-US" dirty="0" err="1"/>
+              <a:t>TextBlob</a:t>
+            </a:r>
+            <a:endParaRPr lang="en-US" dirty="0"/>
+          </a:p>
+          <a:p>
+            <a:pPr marL="0" indent="0">
+              <a:buNone/>
+            </a:pPr>
+            <a:r>
+              <a:rPr lang="en-US" dirty="0"/>
+              <a:t>(14, 32, 46, 908) </a:t>
+            </a:r>
+            <a:r>
+              <a:rPr lang="en-US" dirty="0" err="1"/>
+              <a:t>TextBlob</a:t>
+            </a:r>
+            <a:endParaRPr lang="en-US" dirty="0"/>
+          </a:p>
+          <a:p>
+            <a:endParaRPr lang="en-US" dirty="0"/>
+          </a:p>
+        </p:txBody>
+      </p:sp>
+      <p:sp>
+        <p:nvSpPr>
+          <p:cNvPr id="4" name="Rectangle 1">
+            <a:extLst>
+              <a:ext uri="{FF2B5EF4-FFF2-40B4-BE49-F238E27FC236}">
+                <a16:creationId xmlns:a16="http://schemas.microsoft.com/office/drawing/2014/main" id="{0E5E6D62-27C1-4C69-944F-ABE9AF6AB8AB}"/>
+              </a:ext>
+            </a:extLst>
+          </p:cNvPr>
+          <p:cNvSpPr>
+            <a:spLocks noChangeArrowheads="1"/>
+          </p:cNvSpPr>
+          <p:nvPr/>
+        </p:nvSpPr>
+        <p:spPr bwMode="auto">
+          <a:xfrm>
+            <a:off x="0" y="0"/>
+            <a:ext cx="7048500" cy="457200"/>
+          </a:xfrm>
+          <a:prstGeom prst="rect">
+            <a:avLst/>
+          </a:prstGeom>
+          <a:noFill/>
+          <a:ln>
+            <a:noFill/>
+          </a:ln>
+          <a:effectLst/>
+          <a:extLst>
+            <a:ext uri="{909E8E84-426E-40DD-AFC4-6F175D3DCCD1}">
+              <a14:hiddenFill xmlns:a14="http://schemas.microsoft.com/office/drawing/2010/main">
+                <a:solidFill>
+                  <a:schemeClr val="accent1"/>
+                </a:solidFill>
+              </a14:hiddenFill>
+            </a:ext>
+            <a:ext uri="{91240B29-F687-4F45-9708-019B960494DF}">
+              <a14:hiddenLine xmlns:a14="http://schemas.microsoft.com/office/drawing/2010/main" w="9525">
+                <a:solidFill>
+                  <a:schemeClr val="tx1"/>
+                </a:solidFill>
+                <a:miter lim="800000"/>
+                <a:headEnd/>
+                <a:tailEnd/>
+              </a14:hiddenLine>
+            </a:ext>
+            <a:ext uri="{AF507438-7753-43E0-B8FC-AC1667EBCBE1}">
+              <a14:hiddenEffects xmlns:a14="http://schemas.microsoft.com/office/drawing/2010/main">
+                <a:effectLst>
+                  <a:outerShdw dist="35921" dir="2700000" algn="ctr" rotWithShape="0">
+                    <a:schemeClr val="bg2"/>
+                  </a:outerShdw>
+                </a:effectLst>
+              </a14:hiddenEffects>
+            </a:ext>
+          </a:extLst>
+        </p:spPr>
+        <p:txBody>
+          <a:bodyPr vert="horz" wrap="none" lIns="0" tIns="0" rIns="0" bIns="0" numCol="1" anchor="ctr" anchorCtr="0" compatLnSpc="1">
+            <a:prstTxWarp prst="textNoShape">
+              <a:avLst/>
+            </a:prstTxWarp>
+            <a:spAutoFit/>
+          </a:bodyPr>
+          <a:lstStyle>
+            <a:lvl1pPr eaLnBrk="0" fontAlgn="base" hangingPunct="0">
+              <a:spcBef>
+                <a:spcPct val="0"/>
+              </a:spcBef>
+              <a:spcAft>
+                <a:spcPct val="0"/>
+              </a:spcAft>
+              <a:defRPr>
+                <a:solidFill>
+                  <a:schemeClr val="tx1"/>
+                </a:solidFill>
+                <a:latin typeface="Arial" panose="020B0604020202020204" pitchFamily="34" charset="0"/>
+              </a:defRPr>
+            </a:lvl1pPr>
+            <a:lvl2pPr eaLnBrk="0" fontAlgn="base" hangingPunct="0">
+              <a:spcBef>
+                <a:spcPct val="0"/>
+              </a:spcBef>
+              <a:spcAft>
+                <a:spcPct val="0"/>
+              </a:spcAft>
+              <a:defRPr>
+                <a:solidFill>
+                  <a:schemeClr val="tx1"/>
+                </a:solidFill>
+                <a:latin typeface="Arial" panose="020B0604020202020204" pitchFamily="34" charset="0"/>
+              </a:defRPr>
+            </a:lvl2pPr>
+            <a:lvl3pPr eaLnBrk="0" fontAlgn="base" hangingPunct="0">
+              <a:spcBef>
+                <a:spcPct val="0"/>
+              </a:spcBef>
+              <a:spcAft>
+                <a:spcPct val="0"/>
+              </a:spcAft>
+              <a:defRPr>
+                <a:solidFill>
+                  <a:schemeClr val="tx1"/>
+                </a:solidFill>
+                <a:latin typeface="Arial" panose="020B0604020202020204" pitchFamily="34" charset="0"/>
+              </a:defRPr>
+            </a:lvl3pPr>
+            <a:lvl4pPr eaLnBrk="0" fontAlgn="base" hangingPunct="0">
+              <a:spcBef>
+                <a:spcPct val="0"/>
+              </a:spcBef>
+              <a:spcAft>
+                <a:spcPct val="0"/>
+              </a:spcAft>
+              <a:defRPr>
+                <a:solidFill>
+                  <a:schemeClr val="tx1"/>
+                </a:solidFill>
+                <a:latin typeface="Arial" panose="020B0604020202020204" pitchFamily="34" charset="0"/>
+              </a:defRPr>
+            </a:lvl4pPr>
+            <a:lvl5pPr eaLnBrk="0" fontAlgn="base" hangingPunct="0">
+              <a:spcBef>
+                <a:spcPct val="0"/>
+              </a:spcBef>
+              <a:spcAft>
+                <a:spcPct val="0"/>
+              </a:spcAft>
+              <a:defRPr>
+                <a:solidFill>
+                  <a:schemeClr val="tx1"/>
+                </a:solidFill>
+                <a:latin typeface="Arial" panose="020B0604020202020204" pitchFamily="34" charset="0"/>
+              </a:defRPr>
+            </a:lvl5pPr>
+            <a:lvl6pPr eaLnBrk="0" fontAlgn="base" hangingPunct="0">
+              <a:spcBef>
+                <a:spcPct val="0"/>
+              </a:spcBef>
+              <a:spcAft>
+                <a:spcPct val="0"/>
+              </a:spcAft>
+              <a:defRPr>
+                <a:solidFill>
+                  <a:schemeClr val="tx1"/>
+                </a:solidFill>
+                <a:latin typeface="Arial" panose="020B0604020202020204" pitchFamily="34" charset="0"/>
+              </a:defRPr>
+            </a:lvl6pPr>
+            <a:lvl7pPr eaLnBrk="0" fontAlgn="base" hangingPunct="0">
+              <a:spcBef>
+                <a:spcPct val="0"/>
+              </a:spcBef>
+              <a:spcAft>
+                <a:spcPct val="0"/>
+              </a:spcAft>
+              <a:defRPr>
+                <a:solidFill>
+                  <a:schemeClr val="tx1"/>
+                </a:solidFill>
+                <a:latin typeface="Arial" panose="020B0604020202020204" pitchFamily="34" charset="0"/>
+              </a:defRPr>
+            </a:lvl7pPr>
+            <a:lvl8pPr eaLnBrk="0" fontAlgn="base" hangingPunct="0">
+              <a:spcBef>
+                <a:spcPct val="0"/>
+              </a:spcBef>
+              <a:spcAft>
+                <a:spcPct val="0"/>
+              </a:spcAft>
+              <a:defRPr>
+                <a:solidFill>
+                  <a:schemeClr val="tx1"/>
+                </a:solidFill>
+                <a:latin typeface="Arial" panose="020B0604020202020204" pitchFamily="34" charset="0"/>
+              </a:defRPr>
+            </a:lvl8pPr>
+            <a:lvl9pPr eaLnBrk="0" fontAlgn="base" hangingPunct="0">
+              <a:spcBef>
+                <a:spcPct val="0"/>
+              </a:spcBef>
+              <a:spcAft>
+                <a:spcPct val="0"/>
+              </a:spcAft>
+              <a:defRPr>
+                <a:solidFill>
+                  <a:schemeClr val="tx1"/>
+                </a:solidFill>
+                <a:latin typeface="Arial" panose="020B0604020202020204" pitchFamily="34" charset="0"/>
+              </a:defRPr>
+            </a:lvl9pPr>
+          </a:lstStyle>
+          <a:p>
+            <a:pPr marL="0" marR="0" lvl="0" indent="0" algn="l" defTabSz="914400" rtl="0" eaLnBrk="0" fontAlgn="base" latinLnBrk="0" hangingPunct="0">
+              <a:lnSpc>
+                <a:spcPct val="100000"/>
+              </a:lnSpc>
+              <a:spcBef>
+                <a:spcPct val="0"/>
+              </a:spcBef>
+              <a:spcAft>
+                <a:spcPct val="0"/>
+              </a:spcAft>
+              <a:buClrTx/>
+              <a:buSzTx/>
+              <a:buFontTx/>
+              <a:buNone/>
+              <a:tabLst/>
+            </a:pPr>
+            <a:r>
+              <a:rPr kumimoji="0" lang="en-US" altLang="en-US" sz="1000" b="0" i="0" u="none" strike="noStrike" cap="none" normalizeH="0" baseline="0" dirty="0">
+                <a:ln>
+                  <a:noFill/>
+                </a:ln>
+                <a:solidFill>
+                  <a:srgbClr val="000000"/>
+                </a:solidFill>
+                <a:effectLst/>
+                <a:latin typeface="Courier New" panose="02070309020205020404" pitchFamily="49" charset="0"/>
+                <a:cs typeface="Courier New" panose="02070309020205020404" pitchFamily="49" charset="0"/>
+              </a:rPr>
+              <a:t>Accuracy: 93.94% </a:t>
+            </a:r>
+            <a:endParaRPr kumimoji="0" lang="en-US" altLang="en-US" sz="800" b="0" i="0" u="none" strike="noStrike" cap="none" normalizeH="0" baseline="0" dirty="0">
+              <a:ln>
+                <a:noFill/>
+              </a:ln>
+              <a:solidFill>
+                <a:schemeClr val="tx1"/>
+              </a:solidFill>
+              <a:effectLst/>
+            </a:endParaRPr>
+          </a:p>
+          <a:p>
+            <a:pPr marL="0" marR="0" lvl="0" indent="0" algn="l" defTabSz="914400" rtl="0" eaLnBrk="0" fontAlgn="base" latinLnBrk="0" hangingPunct="0">
+              <a:lnSpc>
+                <a:spcPct val="100000"/>
+              </a:lnSpc>
+              <a:spcBef>
+                <a:spcPct val="0"/>
+              </a:spcBef>
+              <a:spcAft>
+                <a:spcPct val="0"/>
+              </a:spcAft>
+              <a:buClrTx/>
+              <a:buSzTx/>
+              <a:buFontTx/>
+              <a:buNone/>
+              <a:tabLst/>
+            </a:pPr>
+            <a:r>
+              <a:rPr kumimoji="0" lang="en-US" altLang="en-US" sz="1000" b="0" i="0" u="none" strike="noStrike" cap="none" normalizeH="0" baseline="0" dirty="0">
+                <a:ln>
+                  <a:noFill/>
+                </a:ln>
+                <a:solidFill>
+                  <a:srgbClr val="303F9F"/>
+                </a:solidFill>
+                <a:effectLst/>
+                <a:latin typeface="Courier New" panose="02070309020205020404" pitchFamily="49" charset="0"/>
+                <a:cs typeface="Courier New" panose="02070309020205020404" pitchFamily="49" charset="0"/>
+              </a:rPr>
+              <a:t>In [282]:</a:t>
+            </a:r>
+            <a:endParaRPr kumimoji="0" lang="en-US" altLang="en-US" sz="800" b="0" i="0" u="none" strike="noStrike" cap="none" normalizeH="0" baseline="0" dirty="0">
+              <a:ln>
+                <a:noFill/>
+              </a:ln>
+              <a:solidFill>
+                <a:schemeClr val="tx1"/>
+              </a:solidFill>
+              <a:effectLst/>
+            </a:endParaRPr>
+          </a:p>
+          <a:p>
+            <a:pPr marL="0" marR="0" lvl="0" indent="0" algn="l" defTabSz="914400" rtl="0" eaLnBrk="0" fontAlgn="base" latinLnBrk="0" hangingPunct="0">
+              <a:lnSpc>
+                <a:spcPct val="100000"/>
+              </a:lnSpc>
+              <a:spcBef>
+                <a:spcPct val="0"/>
+              </a:spcBef>
+              <a:spcAft>
+                <a:spcPct val="0"/>
+              </a:spcAft>
+              <a:buClrTx/>
+              <a:buSzTx/>
+              <a:buFontTx/>
+              <a:buNone/>
+              <a:tabLst/>
+            </a:pPr>
+            <a:br>
+              <a:rPr kumimoji="0" lang="en-US" altLang="en-US" sz="1000" b="0" i="0" u="none" strike="noStrike" cap="none" normalizeH="0" baseline="0" dirty="0">
+                <a:ln>
+                  <a:noFill/>
+                </a:ln>
+                <a:solidFill>
+                  <a:srgbClr val="000000"/>
+                </a:solidFill>
+                <a:effectLst/>
+                <a:latin typeface="Courier New" panose="02070309020205020404" pitchFamily="49" charset="0"/>
+                <a:cs typeface="Courier New" panose="02070309020205020404" pitchFamily="49" charset="0"/>
+              </a:rPr>
+            </a:br>
+            <a:endParaRPr kumimoji="0" lang="en-US" altLang="en-US" sz="1800" b="0" i="0" u="none" strike="noStrike" cap="none" normalizeH="0" baseline="0" dirty="0">
+              <a:ln>
+                <a:noFill/>
+              </a:ln>
+              <a:solidFill>
+                <a:schemeClr val="tx1"/>
+              </a:solidFill>
+              <a:effectLst/>
+              <a:latin typeface="Arial" panose="020B0604020202020204" pitchFamily="34" charset="0"/>
+            </a:endParaRPr>
+          </a:p>
+        </p:txBody>
+      </p:sp>
+    </p:spTree>
+    <p:extLst>
+      <p:ext uri="{BB962C8B-B14F-4D97-AF65-F5344CB8AC3E}">
+        <p14:creationId xmlns:p14="http://schemas.microsoft.com/office/powerpoint/2010/main" val="3727210566"/>
+      </p:ext>
+    </p:extLst>
+  </p:cSld>
+  <p:clrMapOvr>
+    <a:masterClrMapping/>
+  </p:clrMapOvr>
+</p:sld>
+</file>
+
+<file path=ppt/slides/slide12.xml><?xml version="1.0" encoding="utf-8"?>
+<p:sld xmlns:a="http://schemas.openxmlformats.org/drawingml/2006/main" xmlns:r="http://schemas.openxmlformats.org/officeDocument/2006/relationships" xmlns:p="http://schemas.openxmlformats.org/presentationml/2006/main">
+  <p:cSld>
+    <p:bg>
+      <p:bgPr>
+        <a:solidFill>
+          <a:schemeClr val="bg1"/>
+        </a:solidFill>
+        <a:effectLst/>
+      </p:bgPr>
+    </p:bg>
+    <p:spTree>
+      <p:nvGrpSpPr>
+        <p:cNvPr id="1" name=""/>
+        <p:cNvGrpSpPr/>
+        <p:nvPr/>
+      </p:nvGrpSpPr>
+      <p:grpSpPr>
+        <a:xfrm>
+          <a:off x="0" y="0"/>
+          <a:ext cx="0" cy="0"/>
+          <a:chOff x="0" y="0"/>
+          <a:chExt cx="0" cy="0"/>
+        </a:xfrm>
+      </p:grpSpPr>
+      <p:sp>
+        <p:nvSpPr>
+          <p:cNvPr id="12" name="Rectangle 11">
+            <a:extLst>
+              <a:ext uri="{FF2B5EF4-FFF2-40B4-BE49-F238E27FC236}">
+                <a16:creationId xmlns:a16="http://schemas.microsoft.com/office/drawing/2014/main" id="{A9F529C3-C941-49FD-8C67-82F134F64BDB}"/>
+              </a:ext>
+              <a:ext uri="{C183D7F6-B498-43B3-948B-1728B52AA6E4}">
+                <adec:decorative xmlns:adec="http://schemas.microsoft.com/office/drawing/2017/decorative" val="1"/>
+              </a:ext>
+            </a:extLst>
+          </p:cNvPr>
+          <p:cNvSpPr>
+            <a:spLocks noGrp="1" noRot="1" noChangeAspect="1" noMove="1" noResize="1" noEditPoints="1" noAdjustHandles="1" noChangeArrowheads="1" noChangeShapeType="1" noTextEdit="1"/>
+          </p:cNvSpPr>
+          <p:nvPr>
+            <p:extLst>
+              <p:ext uri="{386F3935-93C4-4BCD-93E2-E3B085C9AB24}">
+                <p16:designElem xmlns:p16="http://schemas.microsoft.com/office/powerpoint/2015/main" val="1"/>
+              </p:ext>
+            </p:extLst>
+          </p:nvPr>
+        </p:nvSpPr>
+        <p:spPr>
+          <a:xfrm>
+            <a:off x="0" y="0"/>
+            <a:ext cx="12192000" cy="6858000"/>
+          </a:xfrm>
+          <a:prstGeom prst="rect">
+            <a:avLst/>
+          </a:prstGeom>
+          <a:solidFill>
+            <a:schemeClr val="tx1">
+              <a:lumMod val="50000"/>
+              <a:lumOff val="50000"/>
+              <a:alpha val="30000"/>
+            </a:schemeClr>
+          </a:solidFill>
+          <a:ln>
+            <a:noFill/>
+          </a:ln>
+        </p:spPr>
+        <p:style>
+          <a:lnRef idx="2">
+            <a:schemeClr val="accent1">
+              <a:shade val="50000"/>
+            </a:schemeClr>
+          </a:lnRef>
+          <a:fillRef idx="1">
+            <a:schemeClr val="accent1"/>
+          </a:fillRef>
+          <a:effectRef idx="0">
+            <a:schemeClr val="accent1"/>
+          </a:effectRef>
+          <a:fontRef idx="minor">
+            <a:schemeClr val="lt1"/>
+          </a:fontRef>
+        </p:style>
+        <p:txBody>
+          <a:bodyPr rtlCol="0" anchor="ctr"/>
+          <a:lstStyle/>
+          <a:p>
+            <a:pPr algn="ctr"/>
+            <a:endParaRPr lang="en-US"/>
+          </a:p>
+        </p:txBody>
+      </p:sp>
+      <p:sp>
+        <p:nvSpPr>
+          <p:cNvPr id="14" name="Rectangle 13">
+            <a:extLst>
+              <a:ext uri="{FF2B5EF4-FFF2-40B4-BE49-F238E27FC236}">
+                <a16:creationId xmlns:a16="http://schemas.microsoft.com/office/drawing/2014/main" id="{20586029-32A0-47E5-9AEC-AE3ABA6B94D0}"/>
+              </a:ext>
+              <a:ext uri="{C183D7F6-B498-43B3-948B-1728B52AA6E4}">
+                <adec:decorative xmlns:adec="http://schemas.microsoft.com/office/drawing/2017/decorative" val="1"/>
+              </a:ext>
+            </a:extLst>
+          </p:cNvPr>
+          <p:cNvSpPr>
+            <a:spLocks noGrp="1" noRot="1" noChangeAspect="1" noMove="1" noResize="1" noEditPoints="1" noAdjustHandles="1" noChangeArrowheads="1" noChangeShapeType="1" noTextEdit="1"/>
+          </p:cNvSpPr>
+          <p:nvPr>
+            <p:extLst>
+              <p:ext uri="{386F3935-93C4-4BCD-93E2-E3B085C9AB24}">
+                <p16:designElem xmlns:p16="http://schemas.microsoft.com/office/powerpoint/2015/main" val="1"/>
+              </p:ext>
+            </p:extLst>
+          </p:nvPr>
+        </p:nvSpPr>
+        <p:spPr>
+          <a:xfrm>
+            <a:off x="477012" y="480060"/>
+            <a:ext cx="11237976" cy="5897880"/>
+          </a:xfrm>
+          <a:prstGeom prst="rect">
+            <a:avLst/>
+          </a:prstGeom>
+          <a:solidFill>
+            <a:srgbClr val="FFFFFF"/>
+          </a:solidFill>
+          <a:ln w="9525">
+            <a:noFill/>
+          </a:ln>
+          <a:effectLst>
+            <a:outerShdw blurRad="63500" dist="17780" dir="5400000" algn="t" rotWithShape="0">
+              <a:prstClr val="black">
+                <a:alpha val="43000"/>
+              </a:prstClr>
+            </a:outerShdw>
+          </a:effectLst>
+        </p:spPr>
+        <p:style>
+          <a:lnRef idx="2">
+            <a:schemeClr val="accent1">
+              <a:shade val="50000"/>
+            </a:schemeClr>
+          </a:lnRef>
+          <a:fillRef idx="1">
+            <a:schemeClr val="accent1"/>
+          </a:fillRef>
+          <a:effectRef idx="0">
+            <a:schemeClr val="accent1"/>
+          </a:effectRef>
+          <a:fontRef idx="minor">
+            <a:schemeClr val="lt1"/>
+          </a:fontRef>
+        </p:style>
+        <p:txBody>
+          <a:bodyPr rtlCol="0" anchor="ctr"/>
+          <a:lstStyle/>
+          <a:p>
+            <a:pPr algn="ctr"/>
+            <a:endParaRPr lang="en-US"/>
+          </a:p>
+        </p:txBody>
+      </p:sp>
+      <p:pic>
+        <p:nvPicPr>
+          <p:cNvPr id="7" name="Picture 6">
+            <a:extLst>
+              <a:ext uri="{FF2B5EF4-FFF2-40B4-BE49-F238E27FC236}">
+                <a16:creationId xmlns:a16="http://schemas.microsoft.com/office/drawing/2014/main" id="{3A931148-D1D2-4872-8D37-F3BA1CAF5E73}"/>
+              </a:ext>
+            </a:extLst>
+          </p:cNvPr>
+          <p:cNvPicPr>
+            <a:picLocks noChangeAspect="1"/>
+          </p:cNvPicPr>
+          <p:nvPr/>
+        </p:nvPicPr>
+        <p:blipFill>
+          <a:blip r:embed="rId2">
+            <a:extLst>
+              <a:ext uri="{28A0092B-C50C-407E-A947-70E740481C1C}">
+                <a14:useLocalDpi xmlns:a14="http://schemas.microsoft.com/office/drawing/2010/main" val="0"/>
+              </a:ext>
+            </a:extLst>
+          </a:blip>
+          <a:stretch>
+            <a:fillRect/>
+          </a:stretch>
+        </p:blipFill>
+        <p:spPr>
+          <a:xfrm>
+            <a:off x="6250112" y="1606628"/>
+            <a:ext cx="5294716" cy="3401855"/>
+          </a:xfrm>
+          <a:prstGeom prst="rect">
+            <a:avLst/>
+          </a:prstGeom>
+        </p:spPr>
+      </p:pic>
+      <p:cxnSp>
+        <p:nvCxnSpPr>
+          <p:cNvPr id="16" name="Straight Connector 15">
+            <a:extLst>
+              <a:ext uri="{FF2B5EF4-FFF2-40B4-BE49-F238E27FC236}">
+                <a16:creationId xmlns:a16="http://schemas.microsoft.com/office/drawing/2014/main" id="{8C730EAB-A532-4295-A302-FB4B90DB9F5E}"/>
+              </a:ext>
+              <a:ext uri="{C183D7F6-B498-43B3-948B-1728B52AA6E4}">
+                <adec:decorative xmlns:adec="http://schemas.microsoft.com/office/drawing/2017/decorative" val="1"/>
+              </a:ext>
+            </a:extLst>
+          </p:cNvPr>
+          <p:cNvCxnSpPr>
+            <a:cxnSpLocks noGrp="1" noRot="1" noChangeAspect="1" noMove="1" noResize="1" noEditPoints="1" noAdjustHandles="1" noChangeArrowheads="1" noChangeShapeType="1"/>
+          </p:cNvCxnSpPr>
+          <p:nvPr>
+            <p:extLst>
+              <p:ext uri="{386F3935-93C4-4BCD-93E2-E3B085C9AB24}">
+                <p16:designElem xmlns:p16="http://schemas.microsoft.com/office/powerpoint/2015/main" val="1"/>
+              </p:ext>
+            </p:extLst>
+          </p:nvPr>
+        </p:nvCxnSpPr>
+        <p:spPr>
+          <a:xfrm>
+            <a:off x="6079958" y="1143000"/>
+            <a:ext cx="0" cy="4572000"/>
+          </a:xfrm>
+          <a:prstGeom prst="line">
+            <a:avLst/>
+          </a:prstGeom>
+          <a:ln>
+            <a:solidFill>
+              <a:srgbClr val="4E4E4E"/>
+            </a:solidFill>
+          </a:ln>
+        </p:spPr>
+        <p:style>
+          <a:lnRef idx="1">
+            <a:schemeClr val="accent1"/>
+          </a:lnRef>
+          <a:fillRef idx="0">
+            <a:schemeClr val="accent1"/>
+          </a:fillRef>
+          <a:effectRef idx="0">
+            <a:schemeClr val="accent1"/>
+          </a:effectRef>
+          <a:fontRef idx="minor">
+            <a:schemeClr val="tx1"/>
+          </a:fontRef>
+        </p:style>
+      </p:cxnSp>
+      <p:pic>
+        <p:nvPicPr>
+          <p:cNvPr id="5" name="Content Placeholder 4">
+            <a:extLst>
+              <a:ext uri="{FF2B5EF4-FFF2-40B4-BE49-F238E27FC236}">
+                <a16:creationId xmlns:a16="http://schemas.microsoft.com/office/drawing/2014/main" id="{998755F5-DC16-4418-91E2-397151CCEABD}"/>
+              </a:ext>
+            </a:extLst>
+          </p:cNvPr>
+          <p:cNvPicPr>
+            <a:picLocks noGrp="1" noChangeAspect="1"/>
+          </p:cNvPicPr>
+          <p:nvPr>
+            <p:ph idx="1"/>
+          </p:nvPr>
+        </p:nvPicPr>
+        <p:blipFill>
+          <a:blip r:embed="rId3">
+            <a:extLst>
+              <a:ext uri="{28A0092B-C50C-407E-A947-70E740481C1C}">
+                <a14:useLocalDpi xmlns:a14="http://schemas.microsoft.com/office/drawing/2010/main" val="0"/>
+              </a:ext>
+            </a:extLst>
+          </a:blip>
+          <a:stretch>
+            <a:fillRect/>
+          </a:stretch>
+        </p:blipFill>
+        <p:spPr>
+          <a:xfrm>
+            <a:off x="785241" y="1606629"/>
+            <a:ext cx="5294715" cy="3401854"/>
+          </a:xfrm>
+          <a:prstGeom prst="rect">
+            <a:avLst/>
+          </a:prstGeom>
+        </p:spPr>
+      </p:pic>
+      <p:sp>
+        <p:nvSpPr>
+          <p:cNvPr id="2" name="Rectangle 1">
+            <a:extLst>
+              <a:ext uri="{FF2B5EF4-FFF2-40B4-BE49-F238E27FC236}">
+                <a16:creationId xmlns:a16="http://schemas.microsoft.com/office/drawing/2014/main" id="{4A4704AE-AC9A-45BB-96E6-EA709B01CD6B}"/>
+              </a:ext>
+            </a:extLst>
+          </p:cNvPr>
+          <p:cNvSpPr/>
+          <p:nvPr/>
+        </p:nvSpPr>
+        <p:spPr>
+          <a:xfrm>
+            <a:off x="947165" y="5765720"/>
+            <a:ext cx="3528658" cy="307777"/>
+          </a:xfrm>
+          <a:prstGeom prst="rect">
+            <a:avLst/>
+          </a:prstGeom>
+        </p:spPr>
+        <p:txBody>
+          <a:bodyPr wrap="none">
+            <a:spAutoFit/>
+          </a:bodyPr>
+          <a:lstStyle/>
+          <a:p>
+            <a:r>
+              <a:rPr lang="en-US" sz="1400" i="1" dirty="0">
+                <a:solidFill>
+                  <a:schemeClr val="bg2">
+                    <a:lumMod val="50000"/>
+                  </a:schemeClr>
+                </a:solidFill>
+              </a:rPr>
+              <a:t>Data: reviews_Musical_Instruments_5.json.gz</a:t>
+            </a:r>
+          </a:p>
+        </p:txBody>
+      </p:sp>
+    </p:spTree>
+    <p:extLst>
+      <p:ext uri="{BB962C8B-B14F-4D97-AF65-F5344CB8AC3E}">
+        <p14:creationId xmlns:p14="http://schemas.microsoft.com/office/powerpoint/2010/main" val="472064998"/>
       </p:ext>
     </p:extLst>
   </p:cSld>
@@ -4319,7 +5243,7 @@
           <p:cNvPr id="2" name="Title 1">
             <a:extLst>
               <a:ext uri="{FF2B5EF4-FFF2-40B4-BE49-F238E27FC236}">
-                <a16:creationId xmlns:a16="http://schemas.microsoft.com/office/drawing/2014/main" id="{83567ECE-1E34-4677-B28D-D2D89ED47A48}"/>
+                <a16:creationId xmlns:a16="http://schemas.microsoft.com/office/drawing/2014/main" id="{29C43415-0F3D-4422-A628-2E18395A6F7D}"/>
               </a:ext>
             </a:extLst>
           </p:cNvPr>
@@ -4337,7 +5261,7 @@
           <a:p>
             <a:r>
               <a:rPr lang="en-US" dirty="0"/>
-              <a:t>Conclusion &amp; Findings:</a:t>
+              <a:t>Performance Comparison</a:t>
             </a:r>
           </a:p>
         </p:txBody>
@@ -4347,7 +5271,7 @@
           <p:cNvPr id="3" name="Content Placeholder 2">
             <a:extLst>
               <a:ext uri="{FF2B5EF4-FFF2-40B4-BE49-F238E27FC236}">
-                <a16:creationId xmlns:a16="http://schemas.microsoft.com/office/drawing/2014/main" id="{5F27B3DF-68DB-4A01-B0AE-45D1E37587DF}"/>
+                <a16:creationId xmlns:a16="http://schemas.microsoft.com/office/drawing/2014/main" id="{AAAEA5B2-9558-4C0A-80F0-B1C4C9587D97}"/>
               </a:ext>
             </a:extLst>
           </p:cNvPr>
@@ -4355,59 +5279,114 @@
             <a:spLocks noGrp="1"/>
           </p:cNvSpPr>
           <p:nvPr>
-            <p:ph sz="half" idx="1"/>
+            <p:ph idx="1"/>
           </p:nvPr>
         </p:nvSpPr>
-        <p:spPr>
-          <a:xfrm>
-            <a:off x="838199" y="1825625"/>
-            <a:ext cx="8508023" cy="4351338"/>
-          </a:xfrm>
-        </p:spPr>
+        <p:spPr/>
         <p:txBody>
           <a:bodyPr>
-            <a:normAutofit lnSpcReduction="10000"/>
+            <a:normAutofit fontScale="85000" lnSpcReduction="20000"/>
           </a:bodyPr>
           <a:lstStyle/>
           <a:p>
             <a:r>
-              <a:rPr lang="en-US" dirty="0" err="1"/>
-              <a:t>TextBlob</a:t>
-            </a:r>
-            <a:r>
               <a:rPr lang="en-US" dirty="0"/>
-              <a:t> can </a:t>
+              <a:t>#rating = lambda x: 1 if x &gt; 2.0 else 0</a:t>
             </a:r>
           </a:p>
           <a:p>
             <a:r>
               <a:rPr lang="en-US" dirty="0"/>
-              <a:t>There is a group states where the income is higher Michigan , Arizona, Pennsylvania but the diabetes prevalence is still somewhat high (around 11%).</a:t>
+              <a:t>#sample size = 134476</a:t>
             </a:r>
           </a:p>
           <a:p>
             <a:r>
               <a:rPr lang="en-US" dirty="0"/>
-              <a:t>Our data clearly shows a correlation between obesity and levels of inactivity.</a:t>
+              <a:t>#model accuracy ~ 94%</a:t>
             </a:r>
           </a:p>
           <a:p>
             <a:r>
               <a:rPr lang="en-US" dirty="0"/>
-              <a:t> Also that there are other factors at play with outliners: diet.</a:t>
+              <a:t>Based on 1000 test samples after training/validation</a:t>
             </a:r>
           </a:p>
           <a:p>
             <a:r>
               <a:rPr lang="en-US" dirty="0"/>
-              <a:t>The data also shows that the diabetes prevalence is rising year after year.</a:t>
-            </a:r>
+              <a:t>Data: reviews_Tools_and_Home_Improvement_5.json.gz</a:t>
+            </a:r>
+          </a:p>
+          <a:p>
+            <a:endParaRPr lang="en-US" dirty="0"/>
           </a:p>
           <a:p>
             <a:pPr marL="0" indent="0">
               <a:buNone/>
             </a:pPr>
+            <a:r>
+              <a:rPr lang="en-US" sz="3100" dirty="0" err="1"/>
+              <a:t>tn</a:t>
+            </a:r>
+            <a:r>
+              <a:rPr lang="en-US" sz="3100" dirty="0"/>
+              <a:t>, </a:t>
+            </a:r>
+            <a:r>
+              <a:rPr lang="en-US" sz="3100" dirty="0" err="1"/>
+              <a:t>fp</a:t>
+            </a:r>
+            <a:r>
+              <a:rPr lang="en-US" sz="3100" dirty="0"/>
+              <a:t>, </a:t>
+            </a:r>
+            <a:r>
+              <a:rPr lang="en-US" sz="3100" dirty="0" err="1"/>
+              <a:t>fn</a:t>
+            </a:r>
+            <a:r>
+              <a:rPr lang="en-US" sz="3100" dirty="0"/>
+              <a:t>, </a:t>
+            </a:r>
+            <a:r>
+              <a:rPr lang="en-US" sz="3100" dirty="0" err="1"/>
+              <a:t>tp</a:t>
+            </a:r>
+            <a:r>
+              <a:rPr lang="en-US" sz="3100" dirty="0"/>
+              <a:t>   </a:t>
+            </a:r>
+          </a:p>
+          <a:p>
             <a:endParaRPr lang="en-US" dirty="0"/>
+          </a:p>
+          <a:p>
+            <a:pPr marL="0" indent="0">
+              <a:buNone/>
+            </a:pPr>
+            <a:r>
+              <a:rPr lang="de-DE" dirty="0"/>
+              <a:t>(31, 30, 18, 921) CNN</a:t>
+            </a:r>
+          </a:p>
+          <a:p>
+            <a:pPr marL="0" indent="0">
+              <a:buNone/>
+            </a:pPr>
+            <a:r>
+              <a:rPr lang="de-DE" dirty="0"/>
+              <a:t>(35, 26, 25, 914) RNN</a:t>
+            </a:r>
+          </a:p>
+          <a:p>
+            <a:pPr marL="0" indent="0">
+              <a:buNone/>
+            </a:pPr>
+            <a:r>
+              <a:rPr lang="de-DE" dirty="0"/>
+              <a:t>(21, 40, 93, 846) TextBlob</a:t>
+            </a:r>
           </a:p>
           <a:p>
             <a:endParaRPr lang="en-US" dirty="0"/>
@@ -4417,7 +5396,7 @@
     </p:spTree>
     <p:extLst>
       <p:ext uri="{BB962C8B-B14F-4D97-AF65-F5344CB8AC3E}">
-        <p14:creationId xmlns:p14="http://schemas.microsoft.com/office/powerpoint/2010/main" val="3522192769"/>
+        <p14:creationId xmlns:p14="http://schemas.microsoft.com/office/powerpoint/2010/main" val="3668984599"/>
       </p:ext>
     </p:extLst>
   </p:cSld>
@@ -4428,6 +5407,347 @@
 </file>
 
 <file path=ppt/slides/slide14.xml><?xml version="1.0" encoding="utf-8"?>
+<p:sld xmlns:a="http://schemas.openxmlformats.org/drawingml/2006/main" xmlns:r="http://schemas.openxmlformats.org/officeDocument/2006/relationships" xmlns:p="http://schemas.openxmlformats.org/presentationml/2006/main">
+  <p:cSld>
+    <p:bg>
+      <p:bgPr>
+        <a:solidFill>
+          <a:schemeClr val="bg1"/>
+        </a:solidFill>
+        <a:effectLst/>
+      </p:bgPr>
+    </p:bg>
+    <p:spTree>
+      <p:nvGrpSpPr>
+        <p:cNvPr id="1" name=""/>
+        <p:cNvGrpSpPr/>
+        <p:nvPr/>
+      </p:nvGrpSpPr>
+      <p:grpSpPr>
+        <a:xfrm>
+          <a:off x="0" y="0"/>
+          <a:ext cx="0" cy="0"/>
+          <a:chOff x="0" y="0"/>
+          <a:chExt cx="0" cy="0"/>
+        </a:xfrm>
+      </p:grpSpPr>
+      <p:sp>
+        <p:nvSpPr>
+          <p:cNvPr id="24" name="Rectangle 23">
+            <a:extLst>
+              <a:ext uri="{FF2B5EF4-FFF2-40B4-BE49-F238E27FC236}">
+                <a16:creationId xmlns:a16="http://schemas.microsoft.com/office/drawing/2014/main" id="{A9F529C3-C941-49FD-8C67-82F134F64BDB}"/>
+              </a:ext>
+              <a:ext uri="{C183D7F6-B498-43B3-948B-1728B52AA6E4}">
+                <adec:decorative xmlns:adec="http://schemas.microsoft.com/office/drawing/2017/decorative" val="1"/>
+              </a:ext>
+            </a:extLst>
+          </p:cNvPr>
+          <p:cNvSpPr>
+            <a:spLocks noGrp="1" noRot="1" noChangeAspect="1" noMove="1" noResize="1" noEditPoints="1" noAdjustHandles="1" noChangeArrowheads="1" noChangeShapeType="1" noTextEdit="1"/>
+          </p:cNvSpPr>
+          <p:nvPr>
+            <p:extLst>
+              <p:ext uri="{386F3935-93C4-4BCD-93E2-E3B085C9AB24}">
+                <p16:designElem xmlns:p16="http://schemas.microsoft.com/office/powerpoint/2015/main" val="1"/>
+              </p:ext>
+            </p:extLst>
+          </p:nvPr>
+        </p:nvSpPr>
+        <p:spPr>
+          <a:xfrm>
+            <a:off x="0" y="0"/>
+            <a:ext cx="12192000" cy="6858000"/>
+          </a:xfrm>
+          <a:prstGeom prst="rect">
+            <a:avLst/>
+          </a:prstGeom>
+          <a:solidFill>
+            <a:schemeClr val="tx1">
+              <a:lumMod val="50000"/>
+              <a:lumOff val="50000"/>
+              <a:alpha val="30000"/>
+            </a:schemeClr>
+          </a:solidFill>
+          <a:ln>
+            <a:noFill/>
+          </a:ln>
+        </p:spPr>
+        <p:style>
+          <a:lnRef idx="2">
+            <a:schemeClr val="accent1">
+              <a:shade val="50000"/>
+            </a:schemeClr>
+          </a:lnRef>
+          <a:fillRef idx="1">
+            <a:schemeClr val="accent1"/>
+          </a:fillRef>
+          <a:effectRef idx="0">
+            <a:schemeClr val="accent1"/>
+          </a:effectRef>
+          <a:fontRef idx="minor">
+            <a:schemeClr val="lt1"/>
+          </a:fontRef>
+        </p:style>
+        <p:txBody>
+          <a:bodyPr rtlCol="0" anchor="ctr"/>
+          <a:lstStyle/>
+          <a:p>
+            <a:pPr algn="ctr"/>
+            <a:endParaRPr lang="en-US"/>
+          </a:p>
+        </p:txBody>
+      </p:sp>
+      <p:sp>
+        <p:nvSpPr>
+          <p:cNvPr id="26" name="Rectangle 25">
+            <a:extLst>
+              <a:ext uri="{FF2B5EF4-FFF2-40B4-BE49-F238E27FC236}">
+                <a16:creationId xmlns:a16="http://schemas.microsoft.com/office/drawing/2014/main" id="{20586029-32A0-47E5-9AEC-AE3ABA6B94D0}"/>
+              </a:ext>
+              <a:ext uri="{C183D7F6-B498-43B3-948B-1728B52AA6E4}">
+                <adec:decorative xmlns:adec="http://schemas.microsoft.com/office/drawing/2017/decorative" val="1"/>
+              </a:ext>
+            </a:extLst>
+          </p:cNvPr>
+          <p:cNvSpPr>
+            <a:spLocks noGrp="1" noRot="1" noChangeAspect="1" noMove="1" noResize="1" noEditPoints="1" noAdjustHandles="1" noChangeArrowheads="1" noChangeShapeType="1" noTextEdit="1"/>
+          </p:cNvSpPr>
+          <p:nvPr>
+            <p:extLst>
+              <p:ext uri="{386F3935-93C4-4BCD-93E2-E3B085C9AB24}">
+                <p16:designElem xmlns:p16="http://schemas.microsoft.com/office/powerpoint/2015/main" val="1"/>
+              </p:ext>
+            </p:extLst>
+          </p:nvPr>
+        </p:nvSpPr>
+        <p:spPr>
+          <a:xfrm>
+            <a:off x="477012" y="480060"/>
+            <a:ext cx="11237976" cy="5897880"/>
+          </a:xfrm>
+          <a:prstGeom prst="rect">
+            <a:avLst/>
+          </a:prstGeom>
+          <a:solidFill>
+            <a:srgbClr val="FFFFFF"/>
+          </a:solidFill>
+          <a:ln w="9525">
+            <a:noFill/>
+          </a:ln>
+          <a:effectLst>
+            <a:outerShdw blurRad="63500" dist="17780" dir="5400000" algn="t" rotWithShape="0">
+              <a:prstClr val="black">
+                <a:alpha val="43000"/>
+              </a:prstClr>
+            </a:outerShdw>
+          </a:effectLst>
+        </p:spPr>
+        <p:style>
+          <a:lnRef idx="2">
+            <a:schemeClr val="accent1">
+              <a:shade val="50000"/>
+            </a:schemeClr>
+          </a:lnRef>
+          <a:fillRef idx="1">
+            <a:schemeClr val="accent1"/>
+          </a:fillRef>
+          <a:effectRef idx="0">
+            <a:schemeClr val="accent1"/>
+          </a:effectRef>
+          <a:fontRef idx="minor">
+            <a:schemeClr val="lt1"/>
+          </a:fontRef>
+        </p:style>
+        <p:txBody>
+          <a:bodyPr rtlCol="0" anchor="ctr"/>
+          <a:lstStyle/>
+          <a:p>
+            <a:pPr algn="ctr"/>
+            <a:endParaRPr lang="en-US"/>
+          </a:p>
+        </p:txBody>
+      </p:sp>
+      <p:pic>
+        <p:nvPicPr>
+          <p:cNvPr id="19" name="Content Placeholder 18">
+            <a:extLst>
+              <a:ext uri="{FF2B5EF4-FFF2-40B4-BE49-F238E27FC236}">
+                <a16:creationId xmlns:a16="http://schemas.microsoft.com/office/drawing/2014/main" id="{FE9A604B-FF99-4CB8-9D8E-A88BAE2CA022}"/>
+              </a:ext>
+            </a:extLst>
+          </p:cNvPr>
+          <p:cNvPicPr>
+            <a:picLocks noGrp="1" noChangeAspect="1"/>
+          </p:cNvPicPr>
+          <p:nvPr>
+            <p:ph idx="1"/>
+          </p:nvPr>
+        </p:nvPicPr>
+        <p:blipFill>
+          <a:blip r:embed="rId2">
+            <a:extLst>
+              <a:ext uri="{28A0092B-C50C-407E-A947-70E740481C1C}">
+                <a14:useLocalDpi xmlns:a14="http://schemas.microsoft.com/office/drawing/2010/main" val="0"/>
+              </a:ext>
+            </a:extLst>
+          </a:blip>
+          <a:stretch>
+            <a:fillRect/>
+          </a:stretch>
+        </p:blipFill>
+        <p:spPr>
+          <a:xfrm>
+            <a:off x="643467" y="1728071"/>
+            <a:ext cx="5294716" cy="3401855"/>
+          </a:xfrm>
+          <a:prstGeom prst="rect">
+            <a:avLst/>
+          </a:prstGeom>
+        </p:spPr>
+      </p:pic>
+      <p:cxnSp>
+        <p:nvCxnSpPr>
+          <p:cNvPr id="28" name="Straight Connector 27">
+            <a:extLst>
+              <a:ext uri="{FF2B5EF4-FFF2-40B4-BE49-F238E27FC236}">
+                <a16:creationId xmlns:a16="http://schemas.microsoft.com/office/drawing/2014/main" id="{8C730EAB-A532-4295-A302-FB4B90DB9F5E}"/>
+              </a:ext>
+              <a:ext uri="{C183D7F6-B498-43B3-948B-1728B52AA6E4}">
+                <adec:decorative xmlns:adec="http://schemas.microsoft.com/office/drawing/2017/decorative" val="1"/>
+              </a:ext>
+            </a:extLst>
+          </p:cNvPr>
+          <p:cNvCxnSpPr>
+            <a:cxnSpLocks noGrp="1" noRot="1" noChangeAspect="1" noMove="1" noResize="1" noEditPoints="1" noAdjustHandles="1" noChangeArrowheads="1" noChangeShapeType="1"/>
+          </p:cNvCxnSpPr>
+          <p:nvPr>
+            <p:extLst>
+              <p:ext uri="{386F3935-93C4-4BCD-93E2-E3B085C9AB24}">
+                <p16:designElem xmlns:p16="http://schemas.microsoft.com/office/powerpoint/2015/main" val="1"/>
+              </p:ext>
+            </p:extLst>
+          </p:nvPr>
+        </p:nvCxnSpPr>
+        <p:spPr>
+          <a:xfrm>
+            <a:off x="6079958" y="1143000"/>
+            <a:ext cx="0" cy="4572000"/>
+          </a:xfrm>
+          <a:prstGeom prst="line">
+            <a:avLst/>
+          </a:prstGeom>
+          <a:ln>
+            <a:solidFill>
+              <a:srgbClr val="4E4E4E"/>
+            </a:solidFill>
+          </a:ln>
+        </p:spPr>
+        <p:style>
+          <a:lnRef idx="1">
+            <a:schemeClr val="accent1"/>
+          </a:lnRef>
+          <a:fillRef idx="0">
+            <a:schemeClr val="accent1"/>
+          </a:fillRef>
+          <a:effectRef idx="0">
+            <a:schemeClr val="accent1"/>
+          </a:effectRef>
+          <a:fontRef idx="minor">
+            <a:schemeClr val="tx1"/>
+          </a:fontRef>
+        </p:style>
+      </p:cxnSp>
+      <p:pic>
+        <p:nvPicPr>
+          <p:cNvPr id="3" name="Picture 2">
+            <a:extLst>
+              <a:ext uri="{FF2B5EF4-FFF2-40B4-BE49-F238E27FC236}">
+                <a16:creationId xmlns:a16="http://schemas.microsoft.com/office/drawing/2014/main" id="{C2208531-5CB8-4CA2-8AEC-8C4861B60CC5}"/>
+              </a:ext>
+            </a:extLst>
+          </p:cNvPr>
+          <p:cNvPicPr>
+            <a:picLocks noChangeAspect="1"/>
+          </p:cNvPicPr>
+          <p:nvPr/>
+        </p:nvPicPr>
+        <p:blipFill>
+          <a:blip r:embed="rId3">
+            <a:extLst>
+              <a:ext uri="{28A0092B-C50C-407E-A947-70E740481C1C}">
+                <a14:useLocalDpi xmlns:a14="http://schemas.microsoft.com/office/drawing/2010/main" val="0"/>
+              </a:ext>
+            </a:extLst>
+          </a:blip>
+          <a:stretch>
+            <a:fillRect/>
+          </a:stretch>
+        </p:blipFill>
+        <p:spPr>
+          <a:xfrm>
+            <a:off x="6253817" y="1728073"/>
+            <a:ext cx="5294715" cy="3401854"/>
+          </a:xfrm>
+          <a:prstGeom prst="rect">
+            <a:avLst/>
+          </a:prstGeom>
+        </p:spPr>
+      </p:pic>
+      <p:sp>
+        <p:nvSpPr>
+          <p:cNvPr id="2" name="Rectangle 1">
+            <a:extLst>
+              <a:ext uri="{FF2B5EF4-FFF2-40B4-BE49-F238E27FC236}">
+                <a16:creationId xmlns:a16="http://schemas.microsoft.com/office/drawing/2014/main" id="{DFA11E9C-81FD-4B4D-910C-3DC58D173325}"/>
+              </a:ext>
+            </a:extLst>
+          </p:cNvPr>
+          <p:cNvSpPr/>
+          <p:nvPr/>
+        </p:nvSpPr>
+        <p:spPr>
+          <a:xfrm>
+            <a:off x="728907" y="5861804"/>
+            <a:ext cx="4342599" cy="307777"/>
+          </a:xfrm>
+          <a:prstGeom prst="rect">
+            <a:avLst/>
+          </a:prstGeom>
+        </p:spPr>
+        <p:txBody>
+          <a:bodyPr wrap="none">
+            <a:spAutoFit/>
+          </a:bodyPr>
+          <a:lstStyle/>
+          <a:p>
+            <a:r>
+              <a:rPr lang="en-US" sz="1400" i="1" dirty="0">
+                <a:solidFill>
+                  <a:schemeClr val="bg2">
+                    <a:lumMod val="50000"/>
+                  </a:schemeClr>
+                </a:solidFill>
+              </a:rPr>
+              <a:t>Data: reviews_Tools_and_Home_Improvement_5.json.gz</a:t>
+            </a:r>
+          </a:p>
+        </p:txBody>
+      </p:sp>
+    </p:spTree>
+    <p:extLst>
+      <p:ext uri="{BB962C8B-B14F-4D97-AF65-F5344CB8AC3E}">
+        <p14:creationId xmlns:p14="http://schemas.microsoft.com/office/powerpoint/2010/main" val="2486351246"/>
+      </p:ext>
+    </p:extLst>
+  </p:cSld>
+  <p:clrMapOvr>
+    <a:masterClrMapping/>
+  </p:clrMapOvr>
+</p:sld>
+</file>
+
+<file path=ppt/slides/slide15.xml><?xml version="1.0" encoding="utf-8"?>
 <p:sld xmlns:a="http://schemas.openxmlformats.org/drawingml/2006/main" xmlns:r="http://schemas.openxmlformats.org/officeDocument/2006/relationships" xmlns:p="http://schemas.openxmlformats.org/presentationml/2006/main">
   <p:cSld>
     <p:spTree>
@@ -4449,7 +5769,7 @@
           <p:cNvPr id="2" name="Title 1">
             <a:extLst>
               <a:ext uri="{FF2B5EF4-FFF2-40B4-BE49-F238E27FC236}">
-                <a16:creationId xmlns:a16="http://schemas.microsoft.com/office/drawing/2014/main" id="{9D1AC4AC-D38B-4F36-A113-09EBD2D412F3}"/>
+                <a16:creationId xmlns:a16="http://schemas.microsoft.com/office/drawing/2014/main" id="{29C43415-0F3D-4422-A628-2E18395A6F7D}"/>
               </a:ext>
             </a:extLst>
           </p:cNvPr>
@@ -4467,7 +5787,7 @@
           <a:p>
             <a:r>
               <a:rPr lang="en-US" dirty="0"/>
-              <a:t>Citations:</a:t>
+              <a:t>Performance Comparison</a:t>
             </a:r>
           </a:p>
         </p:txBody>
@@ -4477,7 +5797,7 @@
           <p:cNvPr id="3" name="Content Placeholder 2">
             <a:extLst>
               <a:ext uri="{FF2B5EF4-FFF2-40B4-BE49-F238E27FC236}">
-                <a16:creationId xmlns:a16="http://schemas.microsoft.com/office/drawing/2014/main" id="{0D06DB5F-F2A2-4052-BE9F-B27471F4E273}"/>
+                <a16:creationId xmlns:a16="http://schemas.microsoft.com/office/drawing/2014/main" id="{AAAEA5B2-9558-4C0A-80F0-B1C4C9587D97}"/>
               </a:ext>
             </a:extLst>
           </p:cNvPr>
@@ -4488,6 +5808,329 @@
             <p:ph idx="1"/>
           </p:nvPr>
         </p:nvSpPr>
+        <p:spPr/>
+        <p:txBody>
+          <a:bodyPr>
+            <a:normAutofit fontScale="92500" lnSpcReduction="10000"/>
+          </a:bodyPr>
+          <a:lstStyle/>
+          <a:p>
+            <a:r>
+              <a:rPr lang="en-US" sz="2400" dirty="0"/>
+              <a:t>#rating = lambda x: 1 if x &gt; 3.0 else 0</a:t>
+            </a:r>
+          </a:p>
+          <a:p>
+            <a:r>
+              <a:rPr lang="en-US" sz="2400" dirty="0"/>
+              <a:t>#sample size = 10261 </a:t>
+            </a:r>
+          </a:p>
+          <a:p>
+            <a:r>
+              <a:rPr lang="en-US" sz="2400" dirty="0"/>
+              <a:t>#model accuracy ~ 84%</a:t>
+            </a:r>
+          </a:p>
+          <a:p>
+            <a:r>
+              <a:rPr lang="en-US" sz="2400" dirty="0"/>
+              <a:t>Based on 1000 test samples after training/validation</a:t>
+            </a:r>
+          </a:p>
+          <a:p>
+            <a:r>
+              <a:rPr lang="en-US" sz="2400" dirty="0"/>
+              <a:t>Data: reviews_Musical_Instruments_5.json.gz</a:t>
+            </a:r>
+          </a:p>
+          <a:p>
+            <a:endParaRPr lang="en-US" dirty="0"/>
+          </a:p>
+          <a:p>
+            <a:pPr marL="0" indent="0">
+              <a:buNone/>
+            </a:pPr>
+            <a:r>
+              <a:rPr lang="en-US" dirty="0" err="1"/>
+              <a:t>tn</a:t>
+            </a:r>
+            <a:r>
+              <a:rPr lang="en-US" dirty="0"/>
+              <a:t>, </a:t>
+            </a:r>
+            <a:r>
+              <a:rPr lang="en-US" dirty="0" err="1"/>
+              <a:t>fp</a:t>
+            </a:r>
+            <a:r>
+              <a:rPr lang="en-US" dirty="0"/>
+              <a:t>, </a:t>
+            </a:r>
+            <a:r>
+              <a:rPr lang="en-US" dirty="0" err="1"/>
+              <a:t>fn</a:t>
+            </a:r>
+            <a:r>
+              <a:rPr lang="en-US" dirty="0"/>
+              <a:t>, </a:t>
+            </a:r>
+            <a:r>
+              <a:rPr lang="en-US" dirty="0" err="1"/>
+              <a:t>tp</a:t>
+            </a:r>
+            <a:r>
+              <a:rPr lang="en-US" dirty="0"/>
+              <a:t>   </a:t>
+            </a:r>
+          </a:p>
+          <a:p>
+            <a:pPr marL="0" indent="0">
+              <a:buNone/>
+            </a:pPr>
+            <a:endParaRPr lang="en-US" dirty="0"/>
+          </a:p>
+          <a:p>
+            <a:pPr marL="0" indent="0">
+              <a:buNone/>
+            </a:pPr>
+            <a:r>
+              <a:rPr lang="de-DE" dirty="0"/>
+              <a:t>(14, 121, 63, 802) RNN</a:t>
+            </a:r>
+          </a:p>
+          <a:p>
+            <a:pPr marL="0" indent="0">
+              <a:buNone/>
+            </a:pPr>
+            <a:r>
+              <a:rPr lang="de-DE" dirty="0"/>
+              <a:t>(33, 102, 34, 831) TextBlob</a:t>
+            </a:r>
+          </a:p>
+          <a:p>
+            <a:endParaRPr lang="en-US" dirty="0"/>
+          </a:p>
+        </p:txBody>
+      </p:sp>
+    </p:spTree>
+    <p:extLst>
+      <p:ext uri="{BB962C8B-B14F-4D97-AF65-F5344CB8AC3E}">
+        <p14:creationId xmlns:p14="http://schemas.microsoft.com/office/powerpoint/2010/main" val="3340732862"/>
+      </p:ext>
+    </p:extLst>
+  </p:cSld>
+  <p:clrMapOvr>
+    <a:masterClrMapping/>
+  </p:clrMapOvr>
+</p:sld>
+</file>
+
+<file path=ppt/slides/slide16.xml><?xml version="1.0" encoding="utf-8"?>
+<p:sld xmlns:a="http://schemas.openxmlformats.org/drawingml/2006/main" xmlns:r="http://schemas.openxmlformats.org/officeDocument/2006/relationships" xmlns:p="http://schemas.openxmlformats.org/presentationml/2006/main">
+  <p:cSld>
+    <p:spTree>
+      <p:nvGrpSpPr>
+        <p:cNvPr id="1" name=""/>
+        <p:cNvGrpSpPr/>
+        <p:nvPr/>
+      </p:nvGrpSpPr>
+      <p:grpSpPr>
+        <a:xfrm>
+          <a:off x="0" y="0"/>
+          <a:ext cx="0" cy="0"/>
+          <a:chOff x="0" y="0"/>
+          <a:chExt cx="0" cy="0"/>
+        </a:xfrm>
+      </p:grpSpPr>
+      <p:sp>
+        <p:nvSpPr>
+          <p:cNvPr id="2" name="Title 1">
+            <a:extLst>
+              <a:ext uri="{FF2B5EF4-FFF2-40B4-BE49-F238E27FC236}">
+                <a16:creationId xmlns:a16="http://schemas.microsoft.com/office/drawing/2014/main" id="{83567ECE-1E34-4677-B28D-D2D89ED47A48}"/>
+              </a:ext>
+            </a:extLst>
+          </p:cNvPr>
+          <p:cNvSpPr>
+            <a:spLocks noGrp="1"/>
+          </p:cNvSpPr>
+          <p:nvPr>
+            <p:ph type="title"/>
+          </p:nvPr>
+        </p:nvSpPr>
+        <p:spPr/>
+        <p:txBody>
+          <a:bodyPr/>
+          <a:lstStyle/>
+          <a:p>
+            <a:r>
+              <a:rPr lang="en-US" dirty="0"/>
+              <a:t>Conclusion &amp; Findings:</a:t>
+            </a:r>
+          </a:p>
+        </p:txBody>
+      </p:sp>
+      <p:sp>
+        <p:nvSpPr>
+          <p:cNvPr id="3" name="Content Placeholder 2">
+            <a:extLst>
+              <a:ext uri="{FF2B5EF4-FFF2-40B4-BE49-F238E27FC236}">
+                <a16:creationId xmlns:a16="http://schemas.microsoft.com/office/drawing/2014/main" id="{5F27B3DF-68DB-4A01-B0AE-45D1E37587DF}"/>
+              </a:ext>
+            </a:extLst>
+          </p:cNvPr>
+          <p:cNvSpPr>
+            <a:spLocks noGrp="1"/>
+          </p:cNvSpPr>
+          <p:nvPr>
+            <p:ph sz="half" idx="1"/>
+          </p:nvPr>
+        </p:nvSpPr>
+        <p:spPr>
+          <a:xfrm>
+            <a:off x="838199" y="1825625"/>
+            <a:ext cx="8508023" cy="4351338"/>
+          </a:xfrm>
+        </p:spPr>
+        <p:txBody>
+          <a:bodyPr>
+            <a:normAutofit/>
+          </a:bodyPr>
+          <a:lstStyle/>
+          <a:p>
+            <a:r>
+              <a:rPr lang="en-US" dirty="0"/>
+              <a:t> For small data set (10K), </a:t>
+            </a:r>
+            <a:r>
+              <a:rPr lang="en-US" dirty="0" err="1"/>
+              <a:t>TextBlob</a:t>
+            </a:r>
+            <a:r>
+              <a:rPr lang="en-US" dirty="0"/>
+              <a:t> performs better than CNN and RNN models.</a:t>
+            </a:r>
+          </a:p>
+          <a:p>
+            <a:r>
+              <a:rPr lang="en-US" dirty="0"/>
+              <a:t> For large data set (100K), CNN and RNN models perform better than </a:t>
+            </a:r>
+            <a:r>
+              <a:rPr lang="en-US" dirty="0" err="1"/>
+              <a:t>TextBlob</a:t>
+            </a:r>
+            <a:r>
+              <a:rPr lang="en-US" dirty="0"/>
+              <a:t>.</a:t>
+            </a:r>
+          </a:p>
+          <a:p>
+            <a:r>
+              <a:rPr lang="en-US" dirty="0"/>
+              <a:t>Neutral rating (~3.0 star) can skew the models…</a:t>
+            </a:r>
+          </a:p>
+          <a:p>
+            <a:r>
+              <a:rPr lang="en-US" dirty="0"/>
+              <a:t>It is much easier to use </a:t>
+            </a:r>
+            <a:r>
+              <a:rPr lang="en-US" dirty="0" err="1"/>
+              <a:t>TextBlob</a:t>
+            </a:r>
+            <a:r>
+              <a:rPr lang="en-US" dirty="0"/>
+              <a:t> library…then trying with Deep Learning/ML models.</a:t>
+            </a:r>
+          </a:p>
+          <a:p>
+            <a:r>
+              <a:rPr lang="en-US" dirty="0"/>
+              <a:t>ML’s Sentimental Analysis != Human’s critical reading/thinking…</a:t>
+            </a:r>
+          </a:p>
+          <a:p>
+            <a:endParaRPr lang="en-US" dirty="0"/>
+          </a:p>
+        </p:txBody>
+      </p:sp>
+    </p:spTree>
+    <p:extLst>
+      <p:ext uri="{BB962C8B-B14F-4D97-AF65-F5344CB8AC3E}">
+        <p14:creationId xmlns:p14="http://schemas.microsoft.com/office/powerpoint/2010/main" val="3522192769"/>
+      </p:ext>
+    </p:extLst>
+  </p:cSld>
+  <p:clrMapOvr>
+    <a:masterClrMapping/>
+  </p:clrMapOvr>
+</p:sld>
+</file>
+
+<file path=ppt/slides/slide17.xml><?xml version="1.0" encoding="utf-8"?>
+<p:sld xmlns:a="http://schemas.openxmlformats.org/drawingml/2006/main" xmlns:r="http://schemas.openxmlformats.org/officeDocument/2006/relationships" xmlns:p="http://schemas.openxmlformats.org/presentationml/2006/main">
+  <p:cSld>
+    <p:spTree>
+      <p:nvGrpSpPr>
+        <p:cNvPr id="1" name=""/>
+        <p:cNvGrpSpPr/>
+        <p:nvPr/>
+      </p:nvGrpSpPr>
+      <p:grpSpPr>
+        <a:xfrm>
+          <a:off x="0" y="0"/>
+          <a:ext cx="0" cy="0"/>
+          <a:chOff x="0" y="0"/>
+          <a:chExt cx="0" cy="0"/>
+        </a:xfrm>
+      </p:grpSpPr>
+      <p:sp>
+        <p:nvSpPr>
+          <p:cNvPr id="2" name="Title 1">
+            <a:extLst>
+              <a:ext uri="{FF2B5EF4-FFF2-40B4-BE49-F238E27FC236}">
+                <a16:creationId xmlns:a16="http://schemas.microsoft.com/office/drawing/2014/main" id="{9D1AC4AC-D38B-4F36-A113-09EBD2D412F3}"/>
+              </a:ext>
+            </a:extLst>
+          </p:cNvPr>
+          <p:cNvSpPr>
+            <a:spLocks noGrp="1"/>
+          </p:cNvSpPr>
+          <p:nvPr>
+            <p:ph type="title"/>
+          </p:nvPr>
+        </p:nvSpPr>
+        <p:spPr/>
+        <p:txBody>
+          <a:bodyPr/>
+          <a:lstStyle/>
+          <a:p>
+            <a:r>
+              <a:rPr lang="en-US" dirty="0"/>
+              <a:t>Citations:</a:t>
+            </a:r>
+          </a:p>
+        </p:txBody>
+      </p:sp>
+      <p:sp>
+        <p:nvSpPr>
+          <p:cNvPr id="3" name="Content Placeholder 2">
+            <a:extLst>
+              <a:ext uri="{FF2B5EF4-FFF2-40B4-BE49-F238E27FC236}">
+                <a16:creationId xmlns:a16="http://schemas.microsoft.com/office/drawing/2014/main" id="{0D06DB5F-F2A2-4052-BE9F-B27471F4E273}"/>
+              </a:ext>
+            </a:extLst>
+          </p:cNvPr>
+          <p:cNvSpPr>
+            <a:spLocks noGrp="1"/>
+          </p:cNvSpPr>
+          <p:nvPr>
+            <p:ph idx="1"/>
+          </p:nvPr>
+        </p:nvSpPr>
         <p:spPr>
           <a:xfrm>
             <a:off x="838200" y="1442300"/>
@@ -4496,7 +6139,7 @@
         </p:spPr>
         <p:txBody>
           <a:bodyPr>
-            <a:normAutofit lnSpcReduction="10000"/>
+            <a:normAutofit fontScale="92500" lnSpcReduction="10000"/>
           </a:bodyPr>
           <a:lstStyle/>
           <a:p>
@@ -4577,6 +6220,40 @@
             </a:r>
           </a:p>
           <a:p>
+            <a:pPr lvl="1"/>
+            <a:r>
+              <a:rPr lang="en-US" dirty="0"/>
+              <a:t>Zhao, Alice. “Sentiment Analysis with </a:t>
+            </a:r>
+            <a:r>
+              <a:rPr lang="en-US" dirty="0" err="1"/>
+              <a:t>TextBlob</a:t>
+            </a:r>
+            <a:r>
+              <a:rPr lang="en-US" dirty="0"/>
+              <a:t> in Python” </a:t>
+            </a:r>
+            <a:r>
+              <a:rPr lang="en-US" dirty="0" err="1"/>
+              <a:t>Youtube</a:t>
+            </a:r>
+            <a:r>
+              <a:rPr lang="en-US" i="1" dirty="0"/>
+              <a:t>: Natural Language Processing Part 4</a:t>
+            </a:r>
+            <a:r>
+              <a:rPr lang="en-US" dirty="0"/>
+              <a:t>. Jan 5, 2019.</a:t>
+            </a:r>
+          </a:p>
+          <a:p>
+            <a:r>
+              <a:rPr lang="en-US" dirty="0"/>
+              <a:t>Other docs:</a:t>
+            </a:r>
+          </a:p>
+          <a:p>
+            <a:pPr lvl="1"/>
             <a:r>
               <a:rPr lang="en-US" dirty="0"/>
               <a:t>https://stackoverflow.com/questions/19790188/expanding-english-language-contractions-in-python</a:t>
@@ -4607,43 +6284,1356 @@
 </p:sld>
 </file>
 
+<file path=ppt/slides/slide18.xml><?xml version="1.0" encoding="utf-8"?>
+<p:sld xmlns:a="http://schemas.openxmlformats.org/drawingml/2006/main" xmlns:r="http://schemas.openxmlformats.org/officeDocument/2006/relationships" xmlns:p="http://schemas.openxmlformats.org/presentationml/2006/main">
+  <p:cSld>
+    <p:spTree>
+      <p:nvGrpSpPr>
+        <p:cNvPr id="1" name=""/>
+        <p:cNvGrpSpPr/>
+        <p:nvPr/>
+      </p:nvGrpSpPr>
+      <p:grpSpPr>
+        <a:xfrm>
+          <a:off x="0" y="0"/>
+          <a:ext cx="0" cy="0"/>
+          <a:chOff x="0" y="0"/>
+          <a:chExt cx="0" cy="0"/>
+        </a:xfrm>
+      </p:grpSpPr>
+      <p:sp>
+        <p:nvSpPr>
+          <p:cNvPr id="2" name="Title 1">
+            <a:extLst>
+              <a:ext uri="{FF2B5EF4-FFF2-40B4-BE49-F238E27FC236}">
+                <a16:creationId xmlns:a16="http://schemas.microsoft.com/office/drawing/2014/main" id="{83567ECE-1E34-4677-B28D-D2D89ED47A48}"/>
+              </a:ext>
+            </a:extLst>
+          </p:cNvPr>
+          <p:cNvSpPr>
+            <a:spLocks noGrp="1"/>
+          </p:cNvSpPr>
+          <p:nvPr>
+            <p:ph type="title"/>
+          </p:nvPr>
+        </p:nvSpPr>
+        <p:spPr>
+          <a:xfrm>
+            <a:off x="838200" y="177797"/>
+            <a:ext cx="10515600" cy="1098553"/>
+          </a:xfrm>
+        </p:spPr>
+        <p:txBody>
+          <a:bodyPr/>
+          <a:lstStyle/>
+          <a:p>
+            <a:r>
+              <a:rPr lang="en-US" dirty="0" err="1"/>
+              <a:t>TextBlob</a:t>
+            </a:r>
+            <a:r>
+              <a:rPr lang="en-US" dirty="0"/>
+              <a:t> Sentimental Analysis:</a:t>
+            </a:r>
+          </a:p>
+        </p:txBody>
+      </p:sp>
+      <p:sp>
+        <p:nvSpPr>
+          <p:cNvPr id="3" name="Content Placeholder 2">
+            <a:extLst>
+              <a:ext uri="{FF2B5EF4-FFF2-40B4-BE49-F238E27FC236}">
+                <a16:creationId xmlns:a16="http://schemas.microsoft.com/office/drawing/2014/main" id="{5F27B3DF-68DB-4A01-B0AE-45D1E37587DF}"/>
+              </a:ext>
+            </a:extLst>
+          </p:cNvPr>
+          <p:cNvSpPr>
+            <a:spLocks noGrp="1"/>
+          </p:cNvSpPr>
+          <p:nvPr>
+            <p:ph sz="half" idx="1"/>
+          </p:nvPr>
+        </p:nvSpPr>
+        <p:spPr>
+          <a:xfrm>
+            <a:off x="752474" y="1503360"/>
+            <a:ext cx="9639301" cy="4468815"/>
+          </a:xfrm>
+        </p:spPr>
+        <p:txBody>
+          <a:bodyPr>
+            <a:normAutofit/>
+          </a:bodyPr>
+          <a:lstStyle/>
+          <a:p>
+            <a:pPr marL="0" indent="0">
+              <a:buNone/>
+            </a:pPr>
+            <a:r>
+              <a:rPr lang="en-US" sz="2000" dirty="0"/>
+              <a:t>!pip install </a:t>
+            </a:r>
+            <a:r>
+              <a:rPr lang="en-US" sz="2000" dirty="0" err="1"/>
+              <a:t>TextBlob</a:t>
+            </a:r>
+            <a:endParaRPr lang="en-US" sz="2000" dirty="0"/>
+          </a:p>
+          <a:p>
+            <a:pPr marL="0" indent="0">
+              <a:buNone/>
+            </a:pPr>
+            <a:r>
+              <a:rPr lang="en-US" sz="1900" dirty="0">
+                <a:solidFill>
+                  <a:schemeClr val="accent2">
+                    <a:lumMod val="75000"/>
+                  </a:schemeClr>
+                </a:solidFill>
+              </a:rPr>
+              <a:t>from </a:t>
+            </a:r>
+            <a:r>
+              <a:rPr lang="en-US" sz="1900" dirty="0" err="1">
+                <a:solidFill>
+                  <a:schemeClr val="accent2">
+                    <a:lumMod val="75000"/>
+                  </a:schemeClr>
+                </a:solidFill>
+              </a:rPr>
+              <a:t>textblob</a:t>
+            </a:r>
+            <a:r>
+              <a:rPr lang="en-US" sz="1900" dirty="0">
+                <a:solidFill>
+                  <a:schemeClr val="accent2">
+                    <a:lumMod val="75000"/>
+                  </a:schemeClr>
+                </a:solidFill>
+              </a:rPr>
+              <a:t> import </a:t>
+            </a:r>
+            <a:r>
+              <a:rPr lang="en-US" sz="1900" dirty="0" err="1">
+                <a:solidFill>
+                  <a:schemeClr val="accent2">
+                    <a:lumMod val="75000"/>
+                  </a:schemeClr>
+                </a:solidFill>
+              </a:rPr>
+              <a:t>TextBlob</a:t>
+            </a:r>
+            <a:endParaRPr lang="en-US" sz="1900" dirty="0">
+              <a:solidFill>
+                <a:schemeClr val="accent2">
+                  <a:lumMod val="75000"/>
+                </a:schemeClr>
+              </a:solidFill>
+            </a:endParaRPr>
+          </a:p>
+          <a:p>
+            <a:pPr marL="0" indent="0">
+              <a:buNone/>
+            </a:pPr>
+            <a:r>
+              <a:rPr lang="en-US" sz="1900" dirty="0">
+                <a:solidFill>
+                  <a:schemeClr val="accent2">
+                    <a:lumMod val="75000"/>
+                  </a:schemeClr>
+                </a:solidFill>
+              </a:rPr>
+              <a:t>sample = 'This test sample is not great! It was disappointing. However you should try it to learn something from it.'</a:t>
+            </a:r>
+          </a:p>
+          <a:p>
+            <a:pPr marL="0" indent="0">
+              <a:buNone/>
+            </a:pPr>
+            <a:r>
+              <a:rPr lang="en-US" sz="1900" dirty="0" err="1">
+                <a:solidFill>
+                  <a:schemeClr val="accent2">
+                    <a:lumMod val="75000"/>
+                  </a:schemeClr>
+                </a:solidFill>
+              </a:rPr>
+              <a:t>TextBlob</a:t>
+            </a:r>
+            <a:r>
+              <a:rPr lang="en-US" sz="1900" dirty="0">
+                <a:solidFill>
+                  <a:schemeClr val="accent2">
+                    <a:lumMod val="75000"/>
+                  </a:schemeClr>
+                </a:solidFill>
+              </a:rPr>
+              <a:t>(sample).</a:t>
+            </a:r>
+            <a:r>
+              <a:rPr lang="en-US" sz="1900" dirty="0" err="1">
+                <a:solidFill>
+                  <a:schemeClr val="accent2">
+                    <a:lumMod val="75000"/>
+                  </a:schemeClr>
+                </a:solidFill>
+              </a:rPr>
+              <a:t>sentiment.polarity</a:t>
+            </a:r>
+            <a:endParaRPr lang="en-US" sz="1900" dirty="0">
+              <a:solidFill>
+                <a:schemeClr val="accent2">
+                  <a:lumMod val="75000"/>
+                </a:schemeClr>
+              </a:solidFill>
+            </a:endParaRPr>
+          </a:p>
+          <a:p>
+            <a:pPr marL="0" indent="0">
+              <a:buNone/>
+            </a:pPr>
+            <a:r>
+              <a:rPr lang="en-US" sz="1800" dirty="0">
+                <a:solidFill>
+                  <a:schemeClr val="accent6">
+                    <a:lumMod val="75000"/>
+                  </a:schemeClr>
+                </a:solidFill>
+              </a:rPr>
+              <a:t>-0.5</a:t>
+            </a:r>
+            <a:br>
+              <a:rPr lang="en-US" dirty="0"/>
+            </a:br>
+            <a:br>
+              <a:rPr lang="en-US" dirty="0"/>
+            </a:br>
+            <a:r>
+              <a:rPr lang="en-US" sz="2000" dirty="0"/>
+              <a:t>Want to get fancy?</a:t>
+            </a:r>
+          </a:p>
+          <a:p>
+            <a:pPr marL="0" indent="0">
+              <a:buNone/>
+            </a:pPr>
+            <a:r>
+              <a:rPr lang="en-US" sz="1900" dirty="0">
+                <a:solidFill>
+                  <a:schemeClr val="accent2">
+                    <a:lumMod val="75000"/>
+                  </a:schemeClr>
+                </a:solidFill>
+              </a:rPr>
+              <a:t>from </a:t>
+            </a:r>
+            <a:r>
+              <a:rPr lang="en-US" sz="1900" dirty="0" err="1">
+                <a:solidFill>
+                  <a:schemeClr val="accent2">
+                    <a:lumMod val="75000"/>
+                  </a:schemeClr>
+                </a:solidFill>
+              </a:rPr>
+              <a:t>nltk.tokenize</a:t>
+            </a:r>
+            <a:r>
+              <a:rPr lang="en-US" sz="1900" dirty="0">
+                <a:solidFill>
+                  <a:schemeClr val="accent2">
+                    <a:lumMod val="75000"/>
+                  </a:schemeClr>
+                </a:solidFill>
+              </a:rPr>
+              <a:t> import </a:t>
+            </a:r>
+            <a:r>
+              <a:rPr lang="en-US" sz="1900" dirty="0" err="1">
+                <a:solidFill>
+                  <a:schemeClr val="accent2">
+                    <a:lumMod val="75000"/>
+                  </a:schemeClr>
+                </a:solidFill>
+              </a:rPr>
+              <a:t>sent_tokenize</a:t>
+            </a:r>
+            <a:endParaRPr lang="en-US" sz="1900" dirty="0">
+              <a:solidFill>
+                <a:schemeClr val="accent2">
+                  <a:lumMod val="75000"/>
+                </a:schemeClr>
+              </a:solidFill>
+            </a:endParaRPr>
+          </a:p>
+          <a:p>
+            <a:pPr marL="0" indent="0">
+              <a:buNone/>
+            </a:pPr>
+            <a:r>
+              <a:rPr lang="en-US" sz="1900" dirty="0">
+                <a:solidFill>
+                  <a:schemeClr val="accent2">
+                    <a:lumMod val="75000"/>
+                  </a:schemeClr>
+                </a:solidFill>
+              </a:rPr>
+              <a:t>paragraph = </a:t>
+            </a:r>
+            <a:r>
+              <a:rPr lang="en-US" sz="1900" dirty="0" err="1">
+                <a:solidFill>
+                  <a:schemeClr val="accent2">
+                    <a:lumMod val="75000"/>
+                  </a:schemeClr>
+                </a:solidFill>
+              </a:rPr>
+              <a:t>sent_tokenize</a:t>
+            </a:r>
+            <a:r>
+              <a:rPr lang="en-US" sz="1900" dirty="0">
+                <a:solidFill>
+                  <a:schemeClr val="accent2">
+                    <a:lumMod val="75000"/>
+                  </a:schemeClr>
+                </a:solidFill>
+              </a:rPr>
+              <a:t>(sample)</a:t>
+            </a:r>
+          </a:p>
+          <a:p>
+            <a:pPr marL="0" indent="0">
+              <a:buNone/>
+            </a:pPr>
+            <a:r>
+              <a:rPr lang="en-US" sz="1900" dirty="0">
+                <a:solidFill>
+                  <a:schemeClr val="accent2">
+                    <a:lumMod val="75000"/>
+                  </a:schemeClr>
+                </a:solidFill>
+              </a:rPr>
+              <a:t>for </a:t>
+            </a:r>
+            <a:r>
+              <a:rPr lang="en-US" sz="1900" dirty="0" err="1">
+                <a:solidFill>
+                  <a:schemeClr val="accent2">
+                    <a:lumMod val="75000"/>
+                  </a:schemeClr>
+                </a:solidFill>
+              </a:rPr>
+              <a:t>eachSent</a:t>
+            </a:r>
+            <a:r>
+              <a:rPr lang="en-US" sz="1900" dirty="0">
+                <a:solidFill>
+                  <a:schemeClr val="accent2">
+                    <a:lumMod val="75000"/>
+                  </a:schemeClr>
+                </a:solidFill>
+              </a:rPr>
+              <a:t> in paragraph:</a:t>
+            </a:r>
+          </a:p>
+          <a:p>
+            <a:pPr marL="0" indent="0">
+              <a:buNone/>
+            </a:pPr>
+            <a:r>
+              <a:rPr lang="en-US" sz="1900" dirty="0">
+                <a:solidFill>
+                  <a:schemeClr val="accent2">
+                    <a:lumMod val="75000"/>
+                  </a:schemeClr>
+                </a:solidFill>
+              </a:rPr>
+              <a:t>    print(</a:t>
+            </a:r>
+            <a:r>
+              <a:rPr lang="en-US" sz="1900" dirty="0" err="1">
+                <a:solidFill>
+                  <a:schemeClr val="accent2">
+                    <a:lumMod val="75000"/>
+                  </a:schemeClr>
+                </a:solidFill>
+              </a:rPr>
+              <a:t>eachSent</a:t>
+            </a:r>
+            <a:r>
+              <a:rPr lang="en-US" sz="1900" dirty="0">
+                <a:solidFill>
+                  <a:schemeClr val="accent2">
+                    <a:lumMod val="75000"/>
+                  </a:schemeClr>
+                </a:solidFill>
+              </a:rPr>
+              <a:t>, </a:t>
+            </a:r>
+            <a:r>
+              <a:rPr lang="en-US" sz="1900" dirty="0" err="1">
+                <a:solidFill>
+                  <a:schemeClr val="accent2">
+                    <a:lumMod val="75000"/>
+                  </a:schemeClr>
+                </a:solidFill>
+              </a:rPr>
+              <a:t>TextBlob</a:t>
+            </a:r>
+            <a:r>
+              <a:rPr lang="en-US" sz="1900" dirty="0">
+                <a:solidFill>
+                  <a:schemeClr val="accent2">
+                    <a:lumMod val="75000"/>
+                  </a:schemeClr>
+                </a:solidFill>
+              </a:rPr>
+              <a:t>(</a:t>
+            </a:r>
+            <a:r>
+              <a:rPr lang="en-US" sz="1900" dirty="0" err="1">
+                <a:solidFill>
+                  <a:schemeClr val="accent2">
+                    <a:lumMod val="75000"/>
+                  </a:schemeClr>
+                </a:solidFill>
+              </a:rPr>
+              <a:t>eachSent</a:t>
+            </a:r>
+            <a:r>
+              <a:rPr lang="en-US" sz="1900" dirty="0">
+                <a:solidFill>
+                  <a:schemeClr val="accent2">
+                    <a:lumMod val="75000"/>
+                  </a:schemeClr>
+                </a:solidFill>
+              </a:rPr>
+              <a:t>).</a:t>
+            </a:r>
+            <a:r>
+              <a:rPr lang="en-US" sz="1900" dirty="0" err="1">
+                <a:solidFill>
+                  <a:schemeClr val="accent2">
+                    <a:lumMod val="75000"/>
+                  </a:schemeClr>
+                </a:solidFill>
+              </a:rPr>
+              <a:t>sentiment.polarity</a:t>
+            </a:r>
+            <a:r>
+              <a:rPr lang="en-US" sz="1900" dirty="0">
+                <a:solidFill>
+                  <a:schemeClr val="accent2">
+                    <a:lumMod val="75000"/>
+                  </a:schemeClr>
+                </a:solidFill>
+              </a:rPr>
+              <a:t>)</a:t>
+            </a:r>
+          </a:p>
+          <a:p>
+            <a:pPr marL="0" indent="0">
+              <a:buNone/>
+            </a:pPr>
+            <a:endParaRPr lang="en-US" sz="1900" dirty="0">
+              <a:solidFill>
+                <a:schemeClr val="accent2">
+                  <a:lumMod val="75000"/>
+                </a:schemeClr>
+              </a:solidFill>
+            </a:endParaRPr>
+          </a:p>
+        </p:txBody>
+      </p:sp>
+      <p:sp>
+        <p:nvSpPr>
+          <p:cNvPr id="5" name="Rectangle 2">
+            <a:extLst>
+              <a:ext uri="{FF2B5EF4-FFF2-40B4-BE49-F238E27FC236}">
+                <a16:creationId xmlns:a16="http://schemas.microsoft.com/office/drawing/2014/main" id="{9347BA1A-5E7A-4C8A-BA03-F5E28FF244ED}"/>
+              </a:ext>
+            </a:extLst>
+          </p:cNvPr>
+          <p:cNvSpPr>
+            <a:spLocks noChangeArrowheads="1"/>
+          </p:cNvSpPr>
+          <p:nvPr/>
+        </p:nvSpPr>
+        <p:spPr bwMode="auto">
+          <a:xfrm>
+            <a:off x="1028700" y="5926009"/>
+            <a:ext cx="8372475" cy="553998"/>
+          </a:xfrm>
+          <a:prstGeom prst="rect">
+            <a:avLst/>
+          </a:prstGeom>
+          <a:solidFill>
+            <a:srgbClr val="FFFFFF"/>
+          </a:solidFill>
+          <a:ln>
+            <a:noFill/>
+          </a:ln>
+          <a:effectLst/>
+          <a:extLst>
+            <a:ext uri="{91240B29-F687-4F45-9708-019B960494DF}">
+              <a14:hiddenLine xmlns:a14="http://schemas.microsoft.com/office/drawing/2010/main" w="9525">
+                <a:solidFill>
+                  <a:schemeClr val="tx1"/>
+                </a:solidFill>
+                <a:miter lim="800000"/>
+                <a:headEnd/>
+                <a:tailEnd/>
+              </a14:hiddenLine>
+            </a:ext>
+            <a:ext uri="{AF507438-7753-43E0-B8FC-AC1667EBCBE1}">
+              <a14:hiddenEffects xmlns:a14="http://schemas.microsoft.com/office/drawing/2010/main">
+                <a:effectLst>
+                  <a:outerShdw dist="35921" dir="2700000" algn="ctr" rotWithShape="0">
+                    <a:schemeClr val="bg2"/>
+                  </a:outerShdw>
+                </a:effectLst>
+              </a14:hiddenEffects>
+            </a:ext>
+          </a:extLst>
+        </p:spPr>
+        <p:txBody>
+          <a:bodyPr vert="horz" wrap="square" lIns="0" tIns="0" rIns="0" bIns="0" numCol="1" anchor="ctr" anchorCtr="0" compatLnSpc="1">
+            <a:prstTxWarp prst="textNoShape">
+              <a:avLst/>
+            </a:prstTxWarp>
+            <a:spAutoFit/>
+          </a:bodyPr>
+          <a:lstStyle/>
+          <a:p>
+            <a:pPr marL="0" marR="0" lvl="0" indent="0" algn="l" defTabSz="914400" rtl="0" eaLnBrk="0" fontAlgn="base" latinLnBrk="0" hangingPunct="0">
+              <a:lnSpc>
+                <a:spcPct val="100000"/>
+              </a:lnSpc>
+              <a:spcBef>
+                <a:spcPct val="0"/>
+              </a:spcBef>
+              <a:spcAft>
+                <a:spcPct val="0"/>
+              </a:spcAft>
+              <a:buClrTx/>
+              <a:buSzTx/>
+              <a:buFontTx/>
+              <a:buNone/>
+              <a:tabLst/>
+            </a:pPr>
+            <a:r>
+              <a:rPr kumimoji="0" lang="en-US" altLang="en-US" sz="1200" b="0" i="0" u="none" strike="noStrike" cap="none" normalizeH="0" baseline="0" dirty="0">
+                <a:ln>
+                  <a:noFill/>
+                </a:ln>
+                <a:solidFill>
+                  <a:srgbClr val="000000"/>
+                </a:solidFill>
+                <a:effectLst/>
+                <a:latin typeface="Courier New" panose="02070309020205020404" pitchFamily="49" charset="0"/>
+                <a:cs typeface="Courier New" panose="02070309020205020404" pitchFamily="49" charset="0"/>
+              </a:rPr>
+              <a:t>This test sample is not great! -0.5 </a:t>
+            </a:r>
+          </a:p>
+          <a:p>
+            <a:pPr marL="0" marR="0" lvl="0" indent="0" algn="l" defTabSz="914400" rtl="0" eaLnBrk="0" fontAlgn="base" latinLnBrk="0" hangingPunct="0">
+              <a:lnSpc>
+                <a:spcPct val="100000"/>
+              </a:lnSpc>
+              <a:spcBef>
+                <a:spcPct val="0"/>
+              </a:spcBef>
+              <a:spcAft>
+                <a:spcPct val="0"/>
+              </a:spcAft>
+              <a:buClrTx/>
+              <a:buSzTx/>
+              <a:buFontTx/>
+              <a:buNone/>
+              <a:tabLst/>
+            </a:pPr>
+            <a:r>
+              <a:rPr kumimoji="0" lang="en-US" altLang="en-US" sz="1200" b="0" i="0" u="none" strike="noStrike" cap="none" normalizeH="0" baseline="0" dirty="0">
+                <a:ln>
+                  <a:noFill/>
+                </a:ln>
+                <a:solidFill>
+                  <a:srgbClr val="000000"/>
+                </a:solidFill>
+                <a:effectLst/>
+                <a:latin typeface="Courier New" panose="02070309020205020404" pitchFamily="49" charset="0"/>
+                <a:cs typeface="Courier New" panose="02070309020205020404" pitchFamily="49" charset="0"/>
+              </a:rPr>
+              <a:t>It was disappointing. -0.6</a:t>
+            </a:r>
+          </a:p>
+          <a:p>
+            <a:pPr marL="0" marR="0" lvl="0" indent="0" algn="l" defTabSz="914400" rtl="0" eaLnBrk="0" fontAlgn="base" latinLnBrk="0" hangingPunct="0">
+              <a:lnSpc>
+                <a:spcPct val="100000"/>
+              </a:lnSpc>
+              <a:spcBef>
+                <a:spcPct val="0"/>
+              </a:spcBef>
+              <a:spcAft>
+                <a:spcPct val="0"/>
+              </a:spcAft>
+              <a:buClrTx/>
+              <a:buSzTx/>
+              <a:buFontTx/>
+              <a:buNone/>
+              <a:tabLst/>
+            </a:pPr>
+            <a:r>
+              <a:rPr kumimoji="0" lang="en-US" altLang="en-US" sz="1200" b="0" i="0" u="none" strike="noStrike" cap="none" normalizeH="0" baseline="0" dirty="0">
+                <a:ln>
+                  <a:noFill/>
+                </a:ln>
+                <a:solidFill>
+                  <a:srgbClr val="000000"/>
+                </a:solidFill>
+                <a:effectLst/>
+                <a:latin typeface="Courier New" panose="02070309020205020404" pitchFamily="49" charset="0"/>
+                <a:cs typeface="Courier New" panose="02070309020205020404" pitchFamily="49" charset="0"/>
+              </a:rPr>
+              <a:t>But there is something positive to learn something from it. 0.22727272727272727</a:t>
+            </a:r>
+            <a:r>
+              <a:rPr kumimoji="0" lang="en-US" altLang="en-US" sz="1200" b="0" i="0" u="none" strike="noStrike" cap="none" normalizeH="0" baseline="0" dirty="0">
+                <a:ln>
+                  <a:noFill/>
+                </a:ln>
+                <a:solidFill>
+                  <a:schemeClr val="tx1"/>
+                </a:solidFill>
+                <a:effectLst/>
+              </a:rPr>
+              <a:t> </a:t>
+            </a:r>
+            <a:endParaRPr kumimoji="0" lang="en-US" altLang="en-US" sz="1200" b="0" i="0" u="none" strike="noStrike" cap="none" normalizeH="0" baseline="0" dirty="0">
+              <a:ln>
+                <a:noFill/>
+              </a:ln>
+              <a:solidFill>
+                <a:schemeClr val="tx1"/>
+              </a:solidFill>
+              <a:effectLst/>
+              <a:latin typeface="Arial" panose="020B0604020202020204" pitchFamily="34" charset="0"/>
+            </a:endParaRPr>
+          </a:p>
+        </p:txBody>
+      </p:sp>
+      <p:sp>
+        <p:nvSpPr>
+          <p:cNvPr id="10" name="Content Placeholder 2">
+            <a:extLst>
+              <a:ext uri="{FF2B5EF4-FFF2-40B4-BE49-F238E27FC236}">
+                <a16:creationId xmlns:a16="http://schemas.microsoft.com/office/drawing/2014/main" id="{006C1D2F-4A3B-4664-8D7D-E88A1F02AB03}"/>
+              </a:ext>
+            </a:extLst>
+          </p:cNvPr>
+          <p:cNvSpPr txBox="1">
+            <a:spLocks/>
+          </p:cNvSpPr>
+          <p:nvPr/>
+        </p:nvSpPr>
+        <p:spPr>
+          <a:xfrm>
+            <a:off x="752474" y="1503360"/>
+            <a:ext cx="9639301" cy="4468815"/>
+          </a:xfrm>
+          <a:prstGeom prst="rect">
+            <a:avLst/>
+          </a:prstGeom>
+        </p:spPr>
+        <p:txBody>
+          <a:bodyPr vert="horz" lIns="91440" tIns="45720" rIns="91440" bIns="45720" rtlCol="0">
+            <a:normAutofit/>
+          </a:bodyPr>
+          <a:lstStyle>
+            <a:lvl1pPr marL="228600" indent="-228600" algn="l" defTabSz="914400" rtl="0" eaLnBrk="1" latinLnBrk="0" hangingPunct="1">
+              <a:lnSpc>
+                <a:spcPct val="90000"/>
+              </a:lnSpc>
+              <a:spcBef>
+                <a:spcPts val="1000"/>
+              </a:spcBef>
+              <a:buFont typeface="Arial" panose="020B0604020202020204" pitchFamily="34" charset="0"/>
+              <a:buChar char="•"/>
+              <a:defRPr sz="2800" kern="1200">
+                <a:solidFill>
+                  <a:schemeClr val="tx1"/>
+                </a:solidFill>
+                <a:latin typeface="+mn-lt"/>
+                <a:ea typeface="+mn-ea"/>
+                <a:cs typeface="+mn-cs"/>
+              </a:defRPr>
+            </a:lvl1pPr>
+            <a:lvl2pPr marL="685800" indent="-228600" algn="l" defTabSz="914400" rtl="0" eaLnBrk="1" latinLnBrk="0" hangingPunct="1">
+              <a:lnSpc>
+                <a:spcPct val="90000"/>
+              </a:lnSpc>
+              <a:spcBef>
+                <a:spcPts val="500"/>
+              </a:spcBef>
+              <a:buFont typeface="Arial" panose="020B0604020202020204" pitchFamily="34" charset="0"/>
+              <a:buChar char="•"/>
+              <a:defRPr sz="2400" kern="1200">
+                <a:solidFill>
+                  <a:schemeClr val="tx1"/>
+                </a:solidFill>
+                <a:latin typeface="+mn-lt"/>
+                <a:ea typeface="+mn-ea"/>
+                <a:cs typeface="+mn-cs"/>
+              </a:defRPr>
+            </a:lvl2pPr>
+            <a:lvl3pPr marL="1143000" indent="-228600" algn="l" defTabSz="914400" rtl="0" eaLnBrk="1" latinLnBrk="0" hangingPunct="1">
+              <a:lnSpc>
+                <a:spcPct val="90000"/>
+              </a:lnSpc>
+              <a:spcBef>
+                <a:spcPts val="500"/>
+              </a:spcBef>
+              <a:buFont typeface="Arial" panose="020B0604020202020204" pitchFamily="34" charset="0"/>
+              <a:buChar char="•"/>
+              <a:defRPr sz="2000" kern="1200">
+                <a:solidFill>
+                  <a:schemeClr val="tx1"/>
+                </a:solidFill>
+                <a:latin typeface="+mn-lt"/>
+                <a:ea typeface="+mn-ea"/>
+                <a:cs typeface="+mn-cs"/>
+              </a:defRPr>
+            </a:lvl3pPr>
+            <a:lvl4pPr marL="1600200" indent="-228600" algn="l" defTabSz="914400" rtl="0" eaLnBrk="1" latinLnBrk="0" hangingPunct="1">
+              <a:lnSpc>
+                <a:spcPct val="90000"/>
+              </a:lnSpc>
+              <a:spcBef>
+                <a:spcPts val="500"/>
+              </a:spcBef>
+              <a:buFont typeface="Arial" panose="020B0604020202020204" pitchFamily="34" charset="0"/>
+              <a:buChar char="•"/>
+              <a:defRPr sz="1800" kern="1200">
+                <a:solidFill>
+                  <a:schemeClr val="tx1"/>
+                </a:solidFill>
+                <a:latin typeface="+mn-lt"/>
+                <a:ea typeface="+mn-ea"/>
+                <a:cs typeface="+mn-cs"/>
+              </a:defRPr>
+            </a:lvl4pPr>
+            <a:lvl5pPr marL="2057400" indent="-228600" algn="l" defTabSz="914400" rtl="0" eaLnBrk="1" latinLnBrk="0" hangingPunct="1">
+              <a:lnSpc>
+                <a:spcPct val="90000"/>
+              </a:lnSpc>
+              <a:spcBef>
+                <a:spcPts val="500"/>
+              </a:spcBef>
+              <a:buFont typeface="Arial" panose="020B0604020202020204" pitchFamily="34" charset="0"/>
+              <a:buChar char="•"/>
+              <a:defRPr sz="1800" kern="1200">
+                <a:solidFill>
+                  <a:schemeClr val="tx1"/>
+                </a:solidFill>
+                <a:latin typeface="+mn-lt"/>
+                <a:ea typeface="+mn-ea"/>
+                <a:cs typeface="+mn-cs"/>
+              </a:defRPr>
+            </a:lvl5pPr>
+            <a:lvl6pPr marL="2514600" indent="-228600" algn="l" defTabSz="914400" rtl="0" eaLnBrk="1" latinLnBrk="0" hangingPunct="1">
+              <a:lnSpc>
+                <a:spcPct val="90000"/>
+              </a:lnSpc>
+              <a:spcBef>
+                <a:spcPts val="500"/>
+              </a:spcBef>
+              <a:buFont typeface="Arial" panose="020B0604020202020204" pitchFamily="34" charset="0"/>
+              <a:buChar char="•"/>
+              <a:defRPr sz="1800" kern="1200">
+                <a:solidFill>
+                  <a:schemeClr val="tx1"/>
+                </a:solidFill>
+                <a:latin typeface="+mn-lt"/>
+                <a:ea typeface="+mn-ea"/>
+                <a:cs typeface="+mn-cs"/>
+              </a:defRPr>
+            </a:lvl6pPr>
+            <a:lvl7pPr marL="2971800" indent="-228600" algn="l" defTabSz="914400" rtl="0" eaLnBrk="1" latinLnBrk="0" hangingPunct="1">
+              <a:lnSpc>
+                <a:spcPct val="90000"/>
+              </a:lnSpc>
+              <a:spcBef>
+                <a:spcPts val="500"/>
+              </a:spcBef>
+              <a:buFont typeface="Arial" panose="020B0604020202020204" pitchFamily="34" charset="0"/>
+              <a:buChar char="•"/>
+              <a:defRPr sz="1800" kern="1200">
+                <a:solidFill>
+                  <a:schemeClr val="tx1"/>
+                </a:solidFill>
+                <a:latin typeface="+mn-lt"/>
+                <a:ea typeface="+mn-ea"/>
+                <a:cs typeface="+mn-cs"/>
+              </a:defRPr>
+            </a:lvl7pPr>
+            <a:lvl8pPr marL="3429000" indent="-228600" algn="l" defTabSz="914400" rtl="0" eaLnBrk="1" latinLnBrk="0" hangingPunct="1">
+              <a:lnSpc>
+                <a:spcPct val="90000"/>
+              </a:lnSpc>
+              <a:spcBef>
+                <a:spcPts val="500"/>
+              </a:spcBef>
+              <a:buFont typeface="Arial" panose="020B0604020202020204" pitchFamily="34" charset="0"/>
+              <a:buChar char="•"/>
+              <a:defRPr sz="1800" kern="1200">
+                <a:solidFill>
+                  <a:schemeClr val="tx1"/>
+                </a:solidFill>
+                <a:latin typeface="+mn-lt"/>
+                <a:ea typeface="+mn-ea"/>
+                <a:cs typeface="+mn-cs"/>
+              </a:defRPr>
+            </a:lvl8pPr>
+            <a:lvl9pPr marL="3886200" indent="-228600" algn="l" defTabSz="914400" rtl="0" eaLnBrk="1" latinLnBrk="0" hangingPunct="1">
+              <a:lnSpc>
+                <a:spcPct val="90000"/>
+              </a:lnSpc>
+              <a:spcBef>
+                <a:spcPts val="500"/>
+              </a:spcBef>
+              <a:buFont typeface="Arial" panose="020B0604020202020204" pitchFamily="34" charset="0"/>
+              <a:buChar char="•"/>
+              <a:defRPr sz="1800" kern="1200">
+                <a:solidFill>
+                  <a:schemeClr val="tx1"/>
+                </a:solidFill>
+                <a:latin typeface="+mn-lt"/>
+                <a:ea typeface="+mn-ea"/>
+                <a:cs typeface="+mn-cs"/>
+              </a:defRPr>
+            </a:lvl9pPr>
+          </a:lstStyle>
+          <a:p>
+            <a:pPr marL="0" indent="0">
+              <a:buFont typeface="Arial" panose="020B0604020202020204" pitchFamily="34" charset="0"/>
+              <a:buNone/>
+            </a:pPr>
+            <a:r>
+              <a:rPr lang="en-US" sz="2000" dirty="0"/>
+              <a:t>!pip install </a:t>
+            </a:r>
+            <a:r>
+              <a:rPr lang="en-US" sz="2000" dirty="0" err="1"/>
+              <a:t>TextBlob</a:t>
+            </a:r>
+            <a:endParaRPr lang="en-US" sz="2000" dirty="0"/>
+          </a:p>
+          <a:p>
+            <a:pPr marL="0" indent="0">
+              <a:buFont typeface="Arial" panose="020B0604020202020204" pitchFamily="34" charset="0"/>
+              <a:buNone/>
+            </a:pPr>
+            <a:r>
+              <a:rPr lang="en-US" sz="1900" dirty="0">
+                <a:solidFill>
+                  <a:schemeClr val="accent2">
+                    <a:lumMod val="75000"/>
+                  </a:schemeClr>
+                </a:solidFill>
+              </a:rPr>
+              <a:t>from </a:t>
+            </a:r>
+            <a:r>
+              <a:rPr lang="en-US" sz="1900" dirty="0" err="1">
+                <a:solidFill>
+                  <a:schemeClr val="accent2">
+                    <a:lumMod val="75000"/>
+                  </a:schemeClr>
+                </a:solidFill>
+              </a:rPr>
+              <a:t>textblob</a:t>
+            </a:r>
+            <a:r>
+              <a:rPr lang="en-US" sz="1900" dirty="0">
+                <a:solidFill>
+                  <a:schemeClr val="accent2">
+                    <a:lumMod val="75000"/>
+                  </a:schemeClr>
+                </a:solidFill>
+              </a:rPr>
+              <a:t> import </a:t>
+            </a:r>
+            <a:r>
+              <a:rPr lang="en-US" sz="1900" dirty="0" err="1">
+                <a:solidFill>
+                  <a:schemeClr val="accent2">
+                    <a:lumMod val="75000"/>
+                  </a:schemeClr>
+                </a:solidFill>
+              </a:rPr>
+              <a:t>TextBlob</a:t>
+            </a:r>
+            <a:endParaRPr lang="en-US" sz="1900" dirty="0">
+              <a:solidFill>
+                <a:schemeClr val="accent2">
+                  <a:lumMod val="75000"/>
+                </a:schemeClr>
+              </a:solidFill>
+            </a:endParaRPr>
+          </a:p>
+          <a:p>
+            <a:pPr marL="0" indent="0">
+              <a:buFont typeface="Arial" panose="020B0604020202020204" pitchFamily="34" charset="0"/>
+              <a:buNone/>
+            </a:pPr>
+            <a:r>
+              <a:rPr lang="en-US" sz="1900" dirty="0">
+                <a:solidFill>
+                  <a:schemeClr val="accent2">
+                    <a:lumMod val="75000"/>
+                  </a:schemeClr>
+                </a:solidFill>
+              </a:rPr>
+              <a:t>sample = 'This test sample is not great! It was disappointing. However you should try it to learn something from it.'</a:t>
+            </a:r>
+          </a:p>
+          <a:p>
+            <a:pPr marL="0" indent="0">
+              <a:buFont typeface="Arial" panose="020B0604020202020204" pitchFamily="34" charset="0"/>
+              <a:buNone/>
+            </a:pPr>
+            <a:r>
+              <a:rPr lang="en-US" sz="1900" dirty="0" err="1">
+                <a:solidFill>
+                  <a:schemeClr val="accent2">
+                    <a:lumMod val="75000"/>
+                  </a:schemeClr>
+                </a:solidFill>
+              </a:rPr>
+              <a:t>TextBlob</a:t>
+            </a:r>
+            <a:r>
+              <a:rPr lang="en-US" sz="1900" dirty="0">
+                <a:solidFill>
+                  <a:schemeClr val="accent2">
+                    <a:lumMod val="75000"/>
+                  </a:schemeClr>
+                </a:solidFill>
+              </a:rPr>
+              <a:t>(sample).</a:t>
+            </a:r>
+            <a:r>
+              <a:rPr lang="en-US" sz="1900" dirty="0" err="1">
+                <a:solidFill>
+                  <a:schemeClr val="accent2">
+                    <a:lumMod val="75000"/>
+                  </a:schemeClr>
+                </a:solidFill>
+              </a:rPr>
+              <a:t>sentiment.polarity</a:t>
+            </a:r>
+            <a:endParaRPr lang="en-US" sz="1900" dirty="0">
+              <a:solidFill>
+                <a:schemeClr val="accent2">
+                  <a:lumMod val="75000"/>
+                </a:schemeClr>
+              </a:solidFill>
+            </a:endParaRPr>
+          </a:p>
+          <a:p>
+            <a:pPr marL="0" indent="0">
+              <a:buFont typeface="Arial" panose="020B0604020202020204" pitchFamily="34" charset="0"/>
+              <a:buNone/>
+            </a:pPr>
+            <a:r>
+              <a:rPr lang="en-US" sz="1800" dirty="0">
+                <a:solidFill>
+                  <a:schemeClr val="accent6">
+                    <a:lumMod val="75000"/>
+                  </a:schemeClr>
+                </a:solidFill>
+              </a:rPr>
+              <a:t>-0.5</a:t>
+            </a:r>
+            <a:br>
+              <a:rPr lang="en-US" dirty="0"/>
+            </a:br>
+            <a:br>
+              <a:rPr lang="en-US" dirty="0"/>
+            </a:br>
+            <a:r>
+              <a:rPr lang="en-US" sz="2000" dirty="0"/>
+              <a:t>Want to get fancy?</a:t>
+            </a:r>
+          </a:p>
+          <a:p>
+            <a:pPr marL="0" indent="0">
+              <a:buFont typeface="Arial" panose="020B0604020202020204" pitchFamily="34" charset="0"/>
+              <a:buNone/>
+            </a:pPr>
+            <a:r>
+              <a:rPr lang="en-US" sz="1900" dirty="0">
+                <a:solidFill>
+                  <a:schemeClr val="accent2">
+                    <a:lumMod val="75000"/>
+                  </a:schemeClr>
+                </a:solidFill>
+              </a:rPr>
+              <a:t>from </a:t>
+            </a:r>
+            <a:r>
+              <a:rPr lang="en-US" sz="1900" dirty="0" err="1">
+                <a:solidFill>
+                  <a:schemeClr val="accent2">
+                    <a:lumMod val="75000"/>
+                  </a:schemeClr>
+                </a:solidFill>
+              </a:rPr>
+              <a:t>nltk.tokenize</a:t>
+            </a:r>
+            <a:r>
+              <a:rPr lang="en-US" sz="1900" dirty="0">
+                <a:solidFill>
+                  <a:schemeClr val="accent2">
+                    <a:lumMod val="75000"/>
+                  </a:schemeClr>
+                </a:solidFill>
+              </a:rPr>
+              <a:t> import </a:t>
+            </a:r>
+            <a:r>
+              <a:rPr lang="en-US" sz="1900" dirty="0" err="1">
+                <a:solidFill>
+                  <a:schemeClr val="accent2">
+                    <a:lumMod val="75000"/>
+                  </a:schemeClr>
+                </a:solidFill>
+              </a:rPr>
+              <a:t>sent_tokenize</a:t>
+            </a:r>
+            <a:endParaRPr lang="en-US" sz="1900" dirty="0">
+              <a:solidFill>
+                <a:schemeClr val="accent2">
+                  <a:lumMod val="75000"/>
+                </a:schemeClr>
+              </a:solidFill>
+            </a:endParaRPr>
+          </a:p>
+          <a:p>
+            <a:pPr marL="0" indent="0">
+              <a:buFont typeface="Arial" panose="020B0604020202020204" pitchFamily="34" charset="0"/>
+              <a:buNone/>
+            </a:pPr>
+            <a:r>
+              <a:rPr lang="en-US" sz="1900" dirty="0">
+                <a:solidFill>
+                  <a:schemeClr val="accent2">
+                    <a:lumMod val="75000"/>
+                  </a:schemeClr>
+                </a:solidFill>
+              </a:rPr>
+              <a:t>paragraph = </a:t>
+            </a:r>
+            <a:r>
+              <a:rPr lang="en-US" sz="1900" dirty="0" err="1">
+                <a:solidFill>
+                  <a:schemeClr val="accent2">
+                    <a:lumMod val="75000"/>
+                  </a:schemeClr>
+                </a:solidFill>
+              </a:rPr>
+              <a:t>sent_tokenize</a:t>
+            </a:r>
+            <a:r>
+              <a:rPr lang="en-US" sz="1900" dirty="0">
+                <a:solidFill>
+                  <a:schemeClr val="accent2">
+                    <a:lumMod val="75000"/>
+                  </a:schemeClr>
+                </a:solidFill>
+              </a:rPr>
+              <a:t>(sample)</a:t>
+            </a:r>
+          </a:p>
+          <a:p>
+            <a:pPr marL="0" indent="0">
+              <a:buFont typeface="Arial" panose="020B0604020202020204" pitchFamily="34" charset="0"/>
+              <a:buNone/>
+            </a:pPr>
+            <a:r>
+              <a:rPr lang="en-US" sz="1900" dirty="0">
+                <a:solidFill>
+                  <a:schemeClr val="accent2">
+                    <a:lumMod val="75000"/>
+                  </a:schemeClr>
+                </a:solidFill>
+              </a:rPr>
+              <a:t>for </a:t>
+            </a:r>
+            <a:r>
+              <a:rPr lang="en-US" sz="1900" dirty="0" err="1">
+                <a:solidFill>
+                  <a:schemeClr val="accent2">
+                    <a:lumMod val="75000"/>
+                  </a:schemeClr>
+                </a:solidFill>
+              </a:rPr>
+              <a:t>eachSent</a:t>
+            </a:r>
+            <a:r>
+              <a:rPr lang="en-US" sz="1900" dirty="0">
+                <a:solidFill>
+                  <a:schemeClr val="accent2">
+                    <a:lumMod val="75000"/>
+                  </a:schemeClr>
+                </a:solidFill>
+              </a:rPr>
+              <a:t> in paragraph:</a:t>
+            </a:r>
+          </a:p>
+          <a:p>
+            <a:pPr marL="0" indent="0">
+              <a:buFont typeface="Arial" panose="020B0604020202020204" pitchFamily="34" charset="0"/>
+              <a:buNone/>
+            </a:pPr>
+            <a:r>
+              <a:rPr lang="en-US" sz="1900" dirty="0">
+                <a:solidFill>
+                  <a:schemeClr val="accent2">
+                    <a:lumMod val="75000"/>
+                  </a:schemeClr>
+                </a:solidFill>
+              </a:rPr>
+              <a:t>    print(</a:t>
+            </a:r>
+            <a:r>
+              <a:rPr lang="en-US" sz="1900" dirty="0" err="1">
+                <a:solidFill>
+                  <a:schemeClr val="accent2">
+                    <a:lumMod val="75000"/>
+                  </a:schemeClr>
+                </a:solidFill>
+              </a:rPr>
+              <a:t>eachSent</a:t>
+            </a:r>
+            <a:r>
+              <a:rPr lang="en-US" sz="1900" dirty="0">
+                <a:solidFill>
+                  <a:schemeClr val="accent2">
+                    <a:lumMod val="75000"/>
+                  </a:schemeClr>
+                </a:solidFill>
+              </a:rPr>
+              <a:t>, </a:t>
+            </a:r>
+            <a:r>
+              <a:rPr lang="en-US" sz="1900" dirty="0" err="1">
+                <a:solidFill>
+                  <a:schemeClr val="accent2">
+                    <a:lumMod val="75000"/>
+                  </a:schemeClr>
+                </a:solidFill>
+              </a:rPr>
+              <a:t>TextBlob</a:t>
+            </a:r>
+            <a:r>
+              <a:rPr lang="en-US" sz="1900" dirty="0">
+                <a:solidFill>
+                  <a:schemeClr val="accent2">
+                    <a:lumMod val="75000"/>
+                  </a:schemeClr>
+                </a:solidFill>
+              </a:rPr>
+              <a:t>(</a:t>
+            </a:r>
+            <a:r>
+              <a:rPr lang="en-US" sz="1900" dirty="0" err="1">
+                <a:solidFill>
+                  <a:schemeClr val="accent2">
+                    <a:lumMod val="75000"/>
+                  </a:schemeClr>
+                </a:solidFill>
+              </a:rPr>
+              <a:t>eachSent</a:t>
+            </a:r>
+            <a:r>
+              <a:rPr lang="en-US" sz="1900" dirty="0">
+                <a:solidFill>
+                  <a:schemeClr val="accent2">
+                    <a:lumMod val="75000"/>
+                  </a:schemeClr>
+                </a:solidFill>
+              </a:rPr>
+              <a:t>).</a:t>
+            </a:r>
+            <a:r>
+              <a:rPr lang="en-US" sz="1900" dirty="0" err="1">
+                <a:solidFill>
+                  <a:schemeClr val="accent2">
+                    <a:lumMod val="75000"/>
+                  </a:schemeClr>
+                </a:solidFill>
+              </a:rPr>
+              <a:t>sentiment.polarity</a:t>
+            </a:r>
+            <a:r>
+              <a:rPr lang="en-US" sz="1900" dirty="0">
+                <a:solidFill>
+                  <a:schemeClr val="accent2">
+                    <a:lumMod val="75000"/>
+                  </a:schemeClr>
+                </a:solidFill>
+              </a:rPr>
+              <a:t>)</a:t>
+            </a:r>
+          </a:p>
+          <a:p>
+            <a:pPr marL="0" indent="0">
+              <a:buFont typeface="Arial" panose="020B0604020202020204" pitchFamily="34" charset="0"/>
+              <a:buNone/>
+            </a:pPr>
+            <a:endParaRPr lang="en-US" sz="1900" dirty="0">
+              <a:solidFill>
+                <a:schemeClr val="accent2">
+                  <a:lumMod val="75000"/>
+                </a:schemeClr>
+              </a:solidFill>
+            </a:endParaRPr>
+          </a:p>
+        </p:txBody>
+      </p:sp>
+      <p:sp>
+        <p:nvSpPr>
+          <p:cNvPr id="11" name="Rectangle 5">
+            <a:extLst>
+              <a:ext uri="{FF2B5EF4-FFF2-40B4-BE49-F238E27FC236}">
+                <a16:creationId xmlns:a16="http://schemas.microsoft.com/office/drawing/2014/main" id="{FAF5D3E2-BD2E-4AA6-B002-5B4A8A604D17}"/>
+              </a:ext>
+            </a:extLst>
+          </p:cNvPr>
+          <p:cNvSpPr>
+            <a:spLocks noChangeArrowheads="1"/>
+          </p:cNvSpPr>
+          <p:nvPr/>
+        </p:nvSpPr>
+        <p:spPr bwMode="auto">
+          <a:xfrm>
+            <a:off x="847725" y="3429000"/>
+            <a:ext cx="8943975" cy="184666"/>
+          </a:xfrm>
+          <a:prstGeom prst="rect">
+            <a:avLst/>
+          </a:prstGeom>
+          <a:solidFill>
+            <a:srgbClr val="FFFFFF"/>
+          </a:solidFill>
+          <a:ln>
+            <a:noFill/>
+          </a:ln>
+          <a:effectLst/>
+          <a:extLst>
+            <a:ext uri="{91240B29-F687-4F45-9708-019B960494DF}">
+              <a14:hiddenLine xmlns:a14="http://schemas.microsoft.com/office/drawing/2010/main" w="9525">
+                <a:solidFill>
+                  <a:schemeClr val="tx1"/>
+                </a:solidFill>
+                <a:miter lim="800000"/>
+                <a:headEnd/>
+                <a:tailEnd/>
+              </a14:hiddenLine>
+            </a:ext>
+            <a:ext uri="{AF507438-7753-43E0-B8FC-AC1667EBCBE1}">
+              <a14:hiddenEffects xmlns:a14="http://schemas.microsoft.com/office/drawing/2010/main">
+                <a:effectLst>
+                  <a:outerShdw dist="35921" dir="2700000" algn="ctr" rotWithShape="0">
+                    <a:schemeClr val="bg2"/>
+                  </a:outerShdw>
+                </a:effectLst>
+              </a14:hiddenEffects>
+            </a:ext>
+          </a:extLst>
+        </p:spPr>
+        <p:txBody>
+          <a:bodyPr vert="horz" wrap="square" lIns="0" tIns="0" rIns="0" bIns="0" numCol="1" anchor="ctr" anchorCtr="0" compatLnSpc="1">
+            <a:prstTxWarp prst="textNoShape">
+              <a:avLst/>
+            </a:prstTxWarp>
+            <a:spAutoFit/>
+          </a:bodyPr>
+          <a:lstStyle/>
+          <a:p>
+            <a:pPr marL="0" marR="0" lvl="0" indent="0" algn="l" defTabSz="914400" rtl="0" eaLnBrk="0" fontAlgn="base" latinLnBrk="0" hangingPunct="0">
+              <a:lnSpc>
+                <a:spcPct val="100000"/>
+              </a:lnSpc>
+              <a:spcBef>
+                <a:spcPct val="0"/>
+              </a:spcBef>
+              <a:spcAft>
+                <a:spcPct val="0"/>
+              </a:spcAft>
+              <a:buClrTx/>
+              <a:buSzTx/>
+              <a:buFontTx/>
+              <a:buNone/>
+              <a:tabLst/>
+            </a:pPr>
+            <a:r>
+              <a:rPr kumimoji="0" lang="en-US" altLang="en-US" sz="1200" b="0" i="0" u="none" strike="noStrike" cap="none" normalizeH="0" baseline="0">
+                <a:ln>
+                  <a:noFill/>
+                </a:ln>
+                <a:solidFill>
+                  <a:srgbClr val="000000"/>
+                </a:solidFill>
+                <a:effectLst/>
+                <a:latin typeface="Courier New" panose="02070309020205020404" pitchFamily="49" charset="0"/>
+                <a:cs typeface="Courier New" panose="02070309020205020404" pitchFamily="49" charset="0"/>
+              </a:rPr>
+              <a:t>-0.29090909090909095</a:t>
+            </a:r>
+            <a:r>
+              <a:rPr kumimoji="0" lang="en-US" altLang="en-US" sz="1200" b="0" i="0" u="none" strike="noStrike" cap="none" normalizeH="0" baseline="0">
+                <a:ln>
+                  <a:noFill/>
+                </a:ln>
+                <a:solidFill>
+                  <a:schemeClr val="tx1"/>
+                </a:solidFill>
+                <a:effectLst/>
+              </a:rPr>
+              <a:t> </a:t>
+            </a:r>
+            <a:endParaRPr kumimoji="0" lang="en-US" altLang="en-US" sz="1200" b="0" i="0" u="none" strike="noStrike" cap="none" normalizeH="0" baseline="0" dirty="0">
+              <a:ln>
+                <a:noFill/>
+              </a:ln>
+              <a:solidFill>
+                <a:schemeClr val="tx1"/>
+              </a:solidFill>
+              <a:effectLst/>
+              <a:latin typeface="Arial" panose="020B0604020202020204" pitchFamily="34" charset="0"/>
+            </a:endParaRPr>
+          </a:p>
+        </p:txBody>
+      </p:sp>
+    </p:spTree>
+    <p:extLst>
+      <p:ext uri="{BB962C8B-B14F-4D97-AF65-F5344CB8AC3E}">
+        <p14:creationId xmlns:p14="http://schemas.microsoft.com/office/powerpoint/2010/main" val="3445096801"/>
+      </p:ext>
+    </p:extLst>
+  </p:cSld>
+  <p:clrMapOvr>
+    <a:masterClrMapping/>
+  </p:clrMapOvr>
+</p:sld>
+</file>
+
 <file path=ppt/slides/slide2.xml><?xml version="1.0" encoding="utf-8"?>
-<p:sld xmlns:a="http://schemas.openxmlformats.org/drawingml/2006/main" xmlns:r="http://schemas.openxmlformats.org/officeDocument/2006/relationships" xmlns:p="http://schemas.openxmlformats.org/presentationml/2006/main" showMasterSp="0">
+<p:sld xmlns:a="http://schemas.openxmlformats.org/drawingml/2006/main" xmlns:r="http://schemas.openxmlformats.org/officeDocument/2006/relationships" xmlns:p="http://schemas.openxmlformats.org/presentationml/2006/main">
   <p:cSld>
-    <p:bg>
-      <p:bgPr>
-        <a:gradFill>
-          <a:gsLst>
-            <a:gs pos="0">
-              <a:schemeClr val="accent1">
-                <a:lumMod val="5000"/>
-                <a:lumOff val="95000"/>
-              </a:schemeClr>
-            </a:gs>
-            <a:gs pos="74000">
-              <a:schemeClr val="accent1">
-                <a:lumMod val="45000"/>
-                <a:lumOff val="55000"/>
-              </a:schemeClr>
-            </a:gs>
-            <a:gs pos="83000">
-              <a:schemeClr val="accent1">
-                <a:lumMod val="45000"/>
-                <a:lumOff val="55000"/>
-              </a:schemeClr>
-            </a:gs>
-            <a:gs pos="100000">
-              <a:schemeClr val="accent1">
-                <a:lumMod val="30000"/>
-                <a:lumOff val="70000"/>
-              </a:schemeClr>
-            </a:gs>
-          </a:gsLst>
-          <a:lin ang="5400000" scaled="1"/>
-        </a:gradFill>
-        <a:effectLst/>
-      </p:bgPr>
-    </p:bg>
     <p:spTree>
       <p:nvGrpSpPr>
         <p:cNvPr id="1" name=""/>
@@ -4733,6 +7723,183 @@
     <p:extLst>
       <p:ext uri="{BB962C8B-B14F-4D97-AF65-F5344CB8AC3E}">
         <p14:creationId xmlns:p14="http://schemas.microsoft.com/office/powerpoint/2010/main" val="795890955"/>
+      </p:ext>
+    </p:extLst>
+  </p:cSld>
+  <p:clrMapOvr>
+    <a:masterClrMapping/>
+  </p:clrMapOvr>
+</p:sld>
+</file>
+
+<file path=ppt/slides/slide3.xml><?xml version="1.0" encoding="utf-8"?>
+<p:sld xmlns:a="http://schemas.openxmlformats.org/drawingml/2006/main" xmlns:r="http://schemas.openxmlformats.org/officeDocument/2006/relationships" xmlns:p="http://schemas.openxmlformats.org/presentationml/2006/main">
+  <p:cSld>
+    <p:spTree>
+      <p:nvGrpSpPr>
+        <p:cNvPr id="1" name=""/>
+        <p:cNvGrpSpPr/>
+        <p:nvPr/>
+      </p:nvGrpSpPr>
+      <p:grpSpPr>
+        <a:xfrm>
+          <a:off x="0" y="0"/>
+          <a:ext cx="0" cy="0"/>
+          <a:chOff x="0" y="0"/>
+          <a:chExt cx="0" cy="0"/>
+        </a:xfrm>
+      </p:grpSpPr>
+      <p:sp>
+        <p:nvSpPr>
+          <p:cNvPr id="3" name="Subtitle 2">
+            <a:extLst>
+              <a:ext uri="{FF2B5EF4-FFF2-40B4-BE49-F238E27FC236}">
+                <a16:creationId xmlns:a16="http://schemas.microsoft.com/office/drawing/2014/main" id="{87BB1632-3D9B-4D4F-9E25-C9219C0E77F2}"/>
+              </a:ext>
+            </a:extLst>
+          </p:cNvPr>
+          <p:cNvSpPr>
+            <a:spLocks noGrp="1"/>
+          </p:cNvSpPr>
+          <p:nvPr>
+            <p:ph type="subTitle" idx="1"/>
+          </p:nvPr>
+        </p:nvSpPr>
+        <p:spPr>
+          <a:xfrm>
+            <a:off x="141401" y="395926"/>
+            <a:ext cx="10963373" cy="6183983"/>
+          </a:xfrm>
+        </p:spPr>
+        <p:txBody>
+          <a:bodyPr>
+            <a:normAutofit/>
+          </a:bodyPr>
+          <a:lstStyle/>
+          <a:p>
+            <a:r>
+              <a:rPr lang="en-US" dirty="0"/>
+              <a:t> </a:t>
+            </a:r>
+          </a:p>
+          <a:p>
+            <a:r>
+              <a:rPr lang="en-US" sz="3200" dirty="0"/>
+              <a:t>What:</a:t>
+            </a:r>
+          </a:p>
+          <a:p>
+            <a:pPr algn="l"/>
+            <a:r>
+              <a:rPr lang="en-US" sz="2800" dirty="0"/>
+              <a:t>Sentimental analysis = opinion mining. </a:t>
+            </a:r>
+          </a:p>
+          <a:p>
+            <a:pPr algn="l"/>
+            <a:r>
+              <a:rPr lang="en-US" sz="2800" dirty="0"/>
+              <a:t> Is an opinion: positive, neutral, and negative?</a:t>
+            </a:r>
+          </a:p>
+          <a:p>
+            <a:r>
+              <a:rPr lang="en-US" sz="3200" dirty="0"/>
+              <a:t>Why:</a:t>
+            </a:r>
+          </a:p>
+          <a:p>
+            <a:pPr algn="l"/>
+            <a:r>
+              <a:rPr lang="en-US" sz="2800" dirty="0"/>
+              <a:t>Opinion is the </a:t>
+            </a:r>
+            <a:r>
+              <a:rPr lang="en-US" sz="2800" u="sng" dirty="0">
+                <a:hlinkClick r:id="rId2"/>
+              </a:rPr>
+              <a:t>voice of the customer</a:t>
+            </a:r>
+            <a:r>
+              <a:rPr lang="en-US" sz="2800" u="sng" dirty="0"/>
+              <a:t>.</a:t>
+            </a:r>
+          </a:p>
+          <a:p>
+            <a:pPr algn="l"/>
+            <a:r>
+              <a:rPr lang="en-US" sz="2800" dirty="0"/>
+              <a:t>Reviews, responses, online/social media, healthcare surveys.</a:t>
+            </a:r>
+          </a:p>
+          <a:p>
+            <a:r>
+              <a:rPr lang="en-US" sz="3200" dirty="0"/>
+              <a:t>How:</a:t>
+            </a:r>
+          </a:p>
+          <a:p>
+            <a:pPr algn="l"/>
+            <a:r>
+              <a:rPr lang="en-US" sz="2800" dirty="0"/>
+              <a:t>Through: </a:t>
+            </a:r>
+            <a:r>
+              <a:rPr lang="en-US" sz="2800" dirty="0">
+                <a:hlinkClick r:id="rId3" tooltip="Natural language processing"/>
+              </a:rPr>
+              <a:t>natural language processing</a:t>
+            </a:r>
+            <a:r>
+              <a:rPr lang="en-US" sz="2800" dirty="0"/>
+              <a:t>, </a:t>
+            </a:r>
+            <a:r>
+              <a:rPr lang="en-US" sz="2800" dirty="0">
+                <a:hlinkClick r:id="rId4" tooltip="Text analytics"/>
+              </a:rPr>
+              <a:t>text analysis</a:t>
+            </a:r>
+            <a:r>
+              <a:rPr lang="en-US" sz="2800" dirty="0"/>
+              <a:t>, </a:t>
+            </a:r>
+            <a:r>
+              <a:rPr lang="en-US" sz="2800" dirty="0">
+                <a:hlinkClick r:id="rId5" tooltip="Computational linguistics"/>
+              </a:rPr>
+              <a:t>computational linguistics</a:t>
+            </a:r>
+            <a:r>
+              <a:rPr lang="en-US" sz="2800" dirty="0"/>
+              <a:t>, and </a:t>
+            </a:r>
+            <a:r>
+              <a:rPr lang="en-US" sz="2800" dirty="0">
+                <a:hlinkClick r:id="rId6" tooltip="Biometrics"/>
+              </a:rPr>
+              <a:t>biometrics</a:t>
+            </a:r>
+            <a:r>
+              <a:rPr lang="en-US" sz="2800" dirty="0"/>
+              <a:t>.   </a:t>
+            </a:r>
+          </a:p>
+          <a:p>
+            <a:r>
+              <a:rPr lang="en-US" i="1" dirty="0"/>
+              <a:t>Source: Wikipedia.</a:t>
+            </a:r>
+          </a:p>
+          <a:p>
+            <a:endParaRPr lang="en-US" dirty="0"/>
+          </a:p>
+        </p:txBody>
+      </p:sp>
+    </p:spTree>
+    <p:extLst>
+      <p:ext uri="{BB962C8B-B14F-4D97-AF65-F5344CB8AC3E}">
+        <p14:creationId xmlns:p14="http://schemas.microsoft.com/office/powerpoint/2010/main" val="2012433671"/>
       </p:ext>
     </p:extLst>
   </p:cSld>
@@ -4760,7 +7927,7 @@
                             </p:stCondLst>
                             <p:childTnLst>
                               <p:par>
-                                <p:cTn id="5" presetID="10" presetClass="entr" presetSubtype="0" fill="hold" grpId="0" nodeType="clickEffect">
+                                <p:cTn id="5" presetID="42" presetClass="entr" presetSubtype="0" fill="hold" nodeType="clickEffect">
                                   <p:stCondLst>
                                     <p:cond delay="0"/>
                                   </p:stCondLst>
@@ -4773,7 +7940,11 @@
                                           </p:stCondLst>
                                         </p:cTn>
                                         <p:tgtEl>
-                                          <p:spTgt spid="2"/>
+                                          <p:spTgt spid="3">
+                                            <p:txEl>
+                                              <p:pRg st="1" end="1"/>
+                                            </p:txEl>
+                                          </p:spTgt>
                                         </p:tgtEl>
                                         <p:attrNameLst>
                                           <p:attrName>style.visibility</p:attrName>
@@ -4785,12 +7956,785 @@
                                     </p:set>
                                     <p:animEffect transition="in" filter="fade">
                                       <p:cBhvr>
-                                        <p:cTn id="7" dur="500"/>
+                                        <p:cTn id="7" dur="1000"/>
                                         <p:tgtEl>
-                                          <p:spTgt spid="2"/>
+                                          <p:spTgt spid="3">
+                                            <p:txEl>
+                                              <p:pRg st="1" end="1"/>
+                                            </p:txEl>
+                                          </p:spTgt>
                                         </p:tgtEl>
                                       </p:cBhvr>
                                     </p:animEffect>
+                                    <p:anim calcmode="lin" valueType="num">
+                                      <p:cBhvr>
+                                        <p:cTn id="8" dur="1000" fill="hold"/>
+                                        <p:tgtEl>
+                                          <p:spTgt spid="3">
+                                            <p:txEl>
+                                              <p:pRg st="1" end="1"/>
+                                            </p:txEl>
+                                          </p:spTgt>
+                                        </p:tgtEl>
+                                        <p:attrNameLst>
+                                          <p:attrName>ppt_x</p:attrName>
+                                        </p:attrNameLst>
+                                      </p:cBhvr>
+                                      <p:tavLst>
+                                        <p:tav tm="0">
+                                          <p:val>
+                                            <p:strVal val="#ppt_x"/>
+                                          </p:val>
+                                        </p:tav>
+                                        <p:tav tm="100000">
+                                          <p:val>
+                                            <p:strVal val="#ppt_x"/>
+                                          </p:val>
+                                        </p:tav>
+                                      </p:tavLst>
+                                    </p:anim>
+                                    <p:anim calcmode="lin" valueType="num">
+                                      <p:cBhvr>
+                                        <p:cTn id="9" dur="1000" fill="hold"/>
+                                        <p:tgtEl>
+                                          <p:spTgt spid="3">
+                                            <p:txEl>
+                                              <p:pRg st="1" end="1"/>
+                                            </p:txEl>
+                                          </p:spTgt>
+                                        </p:tgtEl>
+                                        <p:attrNameLst>
+                                          <p:attrName>ppt_y</p:attrName>
+                                        </p:attrNameLst>
+                                      </p:cBhvr>
+                                      <p:tavLst>
+                                        <p:tav tm="0">
+                                          <p:val>
+                                            <p:strVal val="#ppt_y+.1"/>
+                                          </p:val>
+                                        </p:tav>
+                                        <p:tav tm="100000">
+                                          <p:val>
+                                            <p:strVal val="#ppt_y"/>
+                                          </p:val>
+                                        </p:tav>
+                                      </p:tavLst>
+                                    </p:anim>
+                                  </p:childTnLst>
+                                </p:cTn>
+                              </p:par>
+                              <p:par>
+                                <p:cTn id="10" presetID="42" presetClass="entr" presetSubtype="0" fill="hold" nodeType="withEffect">
+                                  <p:stCondLst>
+                                    <p:cond delay="0"/>
+                                  </p:stCondLst>
+                                  <p:childTnLst>
+                                    <p:set>
+                                      <p:cBhvr>
+                                        <p:cTn id="11" dur="1" fill="hold">
+                                          <p:stCondLst>
+                                            <p:cond delay="0"/>
+                                          </p:stCondLst>
+                                        </p:cTn>
+                                        <p:tgtEl>
+                                          <p:spTgt spid="3">
+                                            <p:txEl>
+                                              <p:pRg st="2" end="2"/>
+                                            </p:txEl>
+                                          </p:spTgt>
+                                        </p:tgtEl>
+                                        <p:attrNameLst>
+                                          <p:attrName>style.visibility</p:attrName>
+                                        </p:attrNameLst>
+                                      </p:cBhvr>
+                                      <p:to>
+                                        <p:strVal val="visible"/>
+                                      </p:to>
+                                    </p:set>
+                                    <p:animEffect transition="in" filter="fade">
+                                      <p:cBhvr>
+                                        <p:cTn id="12" dur="1000"/>
+                                        <p:tgtEl>
+                                          <p:spTgt spid="3">
+                                            <p:txEl>
+                                              <p:pRg st="2" end="2"/>
+                                            </p:txEl>
+                                          </p:spTgt>
+                                        </p:tgtEl>
+                                      </p:cBhvr>
+                                    </p:animEffect>
+                                    <p:anim calcmode="lin" valueType="num">
+                                      <p:cBhvr>
+                                        <p:cTn id="13" dur="1000" fill="hold"/>
+                                        <p:tgtEl>
+                                          <p:spTgt spid="3">
+                                            <p:txEl>
+                                              <p:pRg st="2" end="2"/>
+                                            </p:txEl>
+                                          </p:spTgt>
+                                        </p:tgtEl>
+                                        <p:attrNameLst>
+                                          <p:attrName>ppt_x</p:attrName>
+                                        </p:attrNameLst>
+                                      </p:cBhvr>
+                                      <p:tavLst>
+                                        <p:tav tm="0">
+                                          <p:val>
+                                            <p:strVal val="#ppt_x"/>
+                                          </p:val>
+                                        </p:tav>
+                                        <p:tav tm="100000">
+                                          <p:val>
+                                            <p:strVal val="#ppt_x"/>
+                                          </p:val>
+                                        </p:tav>
+                                      </p:tavLst>
+                                    </p:anim>
+                                    <p:anim calcmode="lin" valueType="num">
+                                      <p:cBhvr>
+                                        <p:cTn id="14" dur="1000" fill="hold"/>
+                                        <p:tgtEl>
+                                          <p:spTgt spid="3">
+                                            <p:txEl>
+                                              <p:pRg st="2" end="2"/>
+                                            </p:txEl>
+                                          </p:spTgt>
+                                        </p:tgtEl>
+                                        <p:attrNameLst>
+                                          <p:attrName>ppt_y</p:attrName>
+                                        </p:attrNameLst>
+                                      </p:cBhvr>
+                                      <p:tavLst>
+                                        <p:tav tm="0">
+                                          <p:val>
+                                            <p:strVal val="#ppt_y+.1"/>
+                                          </p:val>
+                                        </p:tav>
+                                        <p:tav tm="100000">
+                                          <p:val>
+                                            <p:strVal val="#ppt_y"/>
+                                          </p:val>
+                                        </p:tav>
+                                      </p:tavLst>
+                                    </p:anim>
+                                  </p:childTnLst>
+                                </p:cTn>
+                              </p:par>
+                              <p:par>
+                                <p:cTn id="15" presetID="42" presetClass="entr" presetSubtype="0" fill="hold" nodeType="withEffect">
+                                  <p:stCondLst>
+                                    <p:cond delay="0"/>
+                                  </p:stCondLst>
+                                  <p:childTnLst>
+                                    <p:set>
+                                      <p:cBhvr>
+                                        <p:cTn id="16" dur="1" fill="hold">
+                                          <p:stCondLst>
+                                            <p:cond delay="0"/>
+                                          </p:stCondLst>
+                                        </p:cTn>
+                                        <p:tgtEl>
+                                          <p:spTgt spid="3">
+                                            <p:txEl>
+                                              <p:pRg st="3" end="3"/>
+                                            </p:txEl>
+                                          </p:spTgt>
+                                        </p:tgtEl>
+                                        <p:attrNameLst>
+                                          <p:attrName>style.visibility</p:attrName>
+                                        </p:attrNameLst>
+                                      </p:cBhvr>
+                                      <p:to>
+                                        <p:strVal val="visible"/>
+                                      </p:to>
+                                    </p:set>
+                                    <p:animEffect transition="in" filter="fade">
+                                      <p:cBhvr>
+                                        <p:cTn id="17" dur="1000"/>
+                                        <p:tgtEl>
+                                          <p:spTgt spid="3">
+                                            <p:txEl>
+                                              <p:pRg st="3" end="3"/>
+                                            </p:txEl>
+                                          </p:spTgt>
+                                        </p:tgtEl>
+                                      </p:cBhvr>
+                                    </p:animEffect>
+                                    <p:anim calcmode="lin" valueType="num">
+                                      <p:cBhvr>
+                                        <p:cTn id="18" dur="1000" fill="hold"/>
+                                        <p:tgtEl>
+                                          <p:spTgt spid="3">
+                                            <p:txEl>
+                                              <p:pRg st="3" end="3"/>
+                                            </p:txEl>
+                                          </p:spTgt>
+                                        </p:tgtEl>
+                                        <p:attrNameLst>
+                                          <p:attrName>ppt_x</p:attrName>
+                                        </p:attrNameLst>
+                                      </p:cBhvr>
+                                      <p:tavLst>
+                                        <p:tav tm="0">
+                                          <p:val>
+                                            <p:strVal val="#ppt_x"/>
+                                          </p:val>
+                                        </p:tav>
+                                        <p:tav tm="100000">
+                                          <p:val>
+                                            <p:strVal val="#ppt_x"/>
+                                          </p:val>
+                                        </p:tav>
+                                      </p:tavLst>
+                                    </p:anim>
+                                    <p:anim calcmode="lin" valueType="num">
+                                      <p:cBhvr>
+                                        <p:cTn id="19" dur="1000" fill="hold"/>
+                                        <p:tgtEl>
+                                          <p:spTgt spid="3">
+                                            <p:txEl>
+                                              <p:pRg st="3" end="3"/>
+                                            </p:txEl>
+                                          </p:spTgt>
+                                        </p:tgtEl>
+                                        <p:attrNameLst>
+                                          <p:attrName>ppt_y</p:attrName>
+                                        </p:attrNameLst>
+                                      </p:cBhvr>
+                                      <p:tavLst>
+                                        <p:tav tm="0">
+                                          <p:val>
+                                            <p:strVal val="#ppt_y+.1"/>
+                                          </p:val>
+                                        </p:tav>
+                                        <p:tav tm="100000">
+                                          <p:val>
+                                            <p:strVal val="#ppt_y"/>
+                                          </p:val>
+                                        </p:tav>
+                                      </p:tavLst>
+                                    </p:anim>
+                                  </p:childTnLst>
+                                </p:cTn>
+                              </p:par>
+                            </p:childTnLst>
+                          </p:cTn>
+                        </p:par>
+                      </p:childTnLst>
+                    </p:cTn>
+                  </p:par>
+                  <p:par>
+                    <p:cTn id="20" fill="hold">
+                      <p:stCondLst>
+                        <p:cond delay="indefinite"/>
+                      </p:stCondLst>
+                      <p:childTnLst>
+                        <p:par>
+                          <p:cTn id="21" fill="hold">
+                            <p:stCondLst>
+                              <p:cond delay="0"/>
+                            </p:stCondLst>
+                            <p:childTnLst>
+                              <p:par>
+                                <p:cTn id="22" presetID="42" presetClass="entr" presetSubtype="0" fill="hold" nodeType="clickEffect">
+                                  <p:stCondLst>
+                                    <p:cond delay="0"/>
+                                  </p:stCondLst>
+                                  <p:childTnLst>
+                                    <p:set>
+                                      <p:cBhvr>
+                                        <p:cTn id="23" dur="1" fill="hold">
+                                          <p:stCondLst>
+                                            <p:cond delay="0"/>
+                                          </p:stCondLst>
+                                        </p:cTn>
+                                        <p:tgtEl>
+                                          <p:spTgt spid="3">
+                                            <p:txEl>
+                                              <p:pRg st="4" end="4"/>
+                                            </p:txEl>
+                                          </p:spTgt>
+                                        </p:tgtEl>
+                                        <p:attrNameLst>
+                                          <p:attrName>style.visibility</p:attrName>
+                                        </p:attrNameLst>
+                                      </p:cBhvr>
+                                      <p:to>
+                                        <p:strVal val="visible"/>
+                                      </p:to>
+                                    </p:set>
+                                    <p:animEffect transition="in" filter="fade">
+                                      <p:cBhvr>
+                                        <p:cTn id="24" dur="1000"/>
+                                        <p:tgtEl>
+                                          <p:spTgt spid="3">
+                                            <p:txEl>
+                                              <p:pRg st="4" end="4"/>
+                                            </p:txEl>
+                                          </p:spTgt>
+                                        </p:tgtEl>
+                                      </p:cBhvr>
+                                    </p:animEffect>
+                                    <p:anim calcmode="lin" valueType="num">
+                                      <p:cBhvr>
+                                        <p:cTn id="25" dur="1000" fill="hold"/>
+                                        <p:tgtEl>
+                                          <p:spTgt spid="3">
+                                            <p:txEl>
+                                              <p:pRg st="4" end="4"/>
+                                            </p:txEl>
+                                          </p:spTgt>
+                                        </p:tgtEl>
+                                        <p:attrNameLst>
+                                          <p:attrName>ppt_x</p:attrName>
+                                        </p:attrNameLst>
+                                      </p:cBhvr>
+                                      <p:tavLst>
+                                        <p:tav tm="0">
+                                          <p:val>
+                                            <p:strVal val="#ppt_x"/>
+                                          </p:val>
+                                        </p:tav>
+                                        <p:tav tm="100000">
+                                          <p:val>
+                                            <p:strVal val="#ppt_x"/>
+                                          </p:val>
+                                        </p:tav>
+                                      </p:tavLst>
+                                    </p:anim>
+                                    <p:anim calcmode="lin" valueType="num">
+                                      <p:cBhvr>
+                                        <p:cTn id="26" dur="1000" fill="hold"/>
+                                        <p:tgtEl>
+                                          <p:spTgt spid="3">
+                                            <p:txEl>
+                                              <p:pRg st="4" end="4"/>
+                                            </p:txEl>
+                                          </p:spTgt>
+                                        </p:tgtEl>
+                                        <p:attrNameLst>
+                                          <p:attrName>ppt_y</p:attrName>
+                                        </p:attrNameLst>
+                                      </p:cBhvr>
+                                      <p:tavLst>
+                                        <p:tav tm="0">
+                                          <p:val>
+                                            <p:strVal val="#ppt_y+.1"/>
+                                          </p:val>
+                                        </p:tav>
+                                        <p:tav tm="100000">
+                                          <p:val>
+                                            <p:strVal val="#ppt_y"/>
+                                          </p:val>
+                                        </p:tav>
+                                      </p:tavLst>
+                                    </p:anim>
+                                  </p:childTnLst>
+                                </p:cTn>
+                              </p:par>
+                              <p:par>
+                                <p:cTn id="27" presetID="42" presetClass="entr" presetSubtype="0" fill="hold" nodeType="withEffect">
+                                  <p:stCondLst>
+                                    <p:cond delay="0"/>
+                                  </p:stCondLst>
+                                  <p:childTnLst>
+                                    <p:set>
+                                      <p:cBhvr>
+                                        <p:cTn id="28" dur="1" fill="hold">
+                                          <p:stCondLst>
+                                            <p:cond delay="0"/>
+                                          </p:stCondLst>
+                                        </p:cTn>
+                                        <p:tgtEl>
+                                          <p:spTgt spid="3">
+                                            <p:txEl>
+                                              <p:pRg st="5" end="5"/>
+                                            </p:txEl>
+                                          </p:spTgt>
+                                        </p:tgtEl>
+                                        <p:attrNameLst>
+                                          <p:attrName>style.visibility</p:attrName>
+                                        </p:attrNameLst>
+                                      </p:cBhvr>
+                                      <p:to>
+                                        <p:strVal val="visible"/>
+                                      </p:to>
+                                    </p:set>
+                                    <p:animEffect transition="in" filter="fade">
+                                      <p:cBhvr>
+                                        <p:cTn id="29" dur="1000"/>
+                                        <p:tgtEl>
+                                          <p:spTgt spid="3">
+                                            <p:txEl>
+                                              <p:pRg st="5" end="5"/>
+                                            </p:txEl>
+                                          </p:spTgt>
+                                        </p:tgtEl>
+                                      </p:cBhvr>
+                                    </p:animEffect>
+                                    <p:anim calcmode="lin" valueType="num">
+                                      <p:cBhvr>
+                                        <p:cTn id="30" dur="1000" fill="hold"/>
+                                        <p:tgtEl>
+                                          <p:spTgt spid="3">
+                                            <p:txEl>
+                                              <p:pRg st="5" end="5"/>
+                                            </p:txEl>
+                                          </p:spTgt>
+                                        </p:tgtEl>
+                                        <p:attrNameLst>
+                                          <p:attrName>ppt_x</p:attrName>
+                                        </p:attrNameLst>
+                                      </p:cBhvr>
+                                      <p:tavLst>
+                                        <p:tav tm="0">
+                                          <p:val>
+                                            <p:strVal val="#ppt_x"/>
+                                          </p:val>
+                                        </p:tav>
+                                        <p:tav tm="100000">
+                                          <p:val>
+                                            <p:strVal val="#ppt_x"/>
+                                          </p:val>
+                                        </p:tav>
+                                      </p:tavLst>
+                                    </p:anim>
+                                    <p:anim calcmode="lin" valueType="num">
+                                      <p:cBhvr>
+                                        <p:cTn id="31" dur="1000" fill="hold"/>
+                                        <p:tgtEl>
+                                          <p:spTgt spid="3">
+                                            <p:txEl>
+                                              <p:pRg st="5" end="5"/>
+                                            </p:txEl>
+                                          </p:spTgt>
+                                        </p:tgtEl>
+                                        <p:attrNameLst>
+                                          <p:attrName>ppt_y</p:attrName>
+                                        </p:attrNameLst>
+                                      </p:cBhvr>
+                                      <p:tavLst>
+                                        <p:tav tm="0">
+                                          <p:val>
+                                            <p:strVal val="#ppt_y+.1"/>
+                                          </p:val>
+                                        </p:tav>
+                                        <p:tav tm="100000">
+                                          <p:val>
+                                            <p:strVal val="#ppt_y"/>
+                                          </p:val>
+                                        </p:tav>
+                                      </p:tavLst>
+                                    </p:anim>
+                                  </p:childTnLst>
+                                </p:cTn>
+                              </p:par>
+                              <p:par>
+                                <p:cTn id="32" presetID="42" presetClass="entr" presetSubtype="0" fill="hold" nodeType="withEffect">
+                                  <p:stCondLst>
+                                    <p:cond delay="0"/>
+                                  </p:stCondLst>
+                                  <p:childTnLst>
+                                    <p:set>
+                                      <p:cBhvr>
+                                        <p:cTn id="33" dur="1" fill="hold">
+                                          <p:stCondLst>
+                                            <p:cond delay="0"/>
+                                          </p:stCondLst>
+                                        </p:cTn>
+                                        <p:tgtEl>
+                                          <p:spTgt spid="3">
+                                            <p:txEl>
+                                              <p:pRg st="6" end="6"/>
+                                            </p:txEl>
+                                          </p:spTgt>
+                                        </p:tgtEl>
+                                        <p:attrNameLst>
+                                          <p:attrName>style.visibility</p:attrName>
+                                        </p:attrNameLst>
+                                      </p:cBhvr>
+                                      <p:to>
+                                        <p:strVal val="visible"/>
+                                      </p:to>
+                                    </p:set>
+                                    <p:animEffect transition="in" filter="fade">
+                                      <p:cBhvr>
+                                        <p:cTn id="34" dur="1000"/>
+                                        <p:tgtEl>
+                                          <p:spTgt spid="3">
+                                            <p:txEl>
+                                              <p:pRg st="6" end="6"/>
+                                            </p:txEl>
+                                          </p:spTgt>
+                                        </p:tgtEl>
+                                      </p:cBhvr>
+                                    </p:animEffect>
+                                    <p:anim calcmode="lin" valueType="num">
+                                      <p:cBhvr>
+                                        <p:cTn id="35" dur="1000" fill="hold"/>
+                                        <p:tgtEl>
+                                          <p:spTgt spid="3">
+                                            <p:txEl>
+                                              <p:pRg st="6" end="6"/>
+                                            </p:txEl>
+                                          </p:spTgt>
+                                        </p:tgtEl>
+                                        <p:attrNameLst>
+                                          <p:attrName>ppt_x</p:attrName>
+                                        </p:attrNameLst>
+                                      </p:cBhvr>
+                                      <p:tavLst>
+                                        <p:tav tm="0">
+                                          <p:val>
+                                            <p:strVal val="#ppt_x"/>
+                                          </p:val>
+                                        </p:tav>
+                                        <p:tav tm="100000">
+                                          <p:val>
+                                            <p:strVal val="#ppt_x"/>
+                                          </p:val>
+                                        </p:tav>
+                                      </p:tavLst>
+                                    </p:anim>
+                                    <p:anim calcmode="lin" valueType="num">
+                                      <p:cBhvr>
+                                        <p:cTn id="36" dur="1000" fill="hold"/>
+                                        <p:tgtEl>
+                                          <p:spTgt spid="3">
+                                            <p:txEl>
+                                              <p:pRg st="6" end="6"/>
+                                            </p:txEl>
+                                          </p:spTgt>
+                                        </p:tgtEl>
+                                        <p:attrNameLst>
+                                          <p:attrName>ppt_y</p:attrName>
+                                        </p:attrNameLst>
+                                      </p:cBhvr>
+                                      <p:tavLst>
+                                        <p:tav tm="0">
+                                          <p:val>
+                                            <p:strVal val="#ppt_y+.1"/>
+                                          </p:val>
+                                        </p:tav>
+                                        <p:tav tm="100000">
+                                          <p:val>
+                                            <p:strVal val="#ppt_y"/>
+                                          </p:val>
+                                        </p:tav>
+                                      </p:tavLst>
+                                    </p:anim>
+                                  </p:childTnLst>
+                                </p:cTn>
+                              </p:par>
+                            </p:childTnLst>
+                          </p:cTn>
+                        </p:par>
+                      </p:childTnLst>
+                    </p:cTn>
+                  </p:par>
+                  <p:par>
+                    <p:cTn id="37" fill="hold">
+                      <p:stCondLst>
+                        <p:cond delay="indefinite"/>
+                      </p:stCondLst>
+                      <p:childTnLst>
+                        <p:par>
+                          <p:cTn id="38" fill="hold">
+                            <p:stCondLst>
+                              <p:cond delay="0"/>
+                            </p:stCondLst>
+                            <p:childTnLst>
+                              <p:par>
+                                <p:cTn id="39" presetID="42" presetClass="entr" presetSubtype="0" fill="hold" nodeType="clickEffect">
+                                  <p:stCondLst>
+                                    <p:cond delay="0"/>
+                                  </p:stCondLst>
+                                  <p:childTnLst>
+                                    <p:set>
+                                      <p:cBhvr>
+                                        <p:cTn id="40" dur="1" fill="hold">
+                                          <p:stCondLst>
+                                            <p:cond delay="0"/>
+                                          </p:stCondLst>
+                                        </p:cTn>
+                                        <p:tgtEl>
+                                          <p:spTgt spid="3">
+                                            <p:txEl>
+                                              <p:pRg st="7" end="7"/>
+                                            </p:txEl>
+                                          </p:spTgt>
+                                        </p:tgtEl>
+                                        <p:attrNameLst>
+                                          <p:attrName>style.visibility</p:attrName>
+                                        </p:attrNameLst>
+                                      </p:cBhvr>
+                                      <p:to>
+                                        <p:strVal val="visible"/>
+                                      </p:to>
+                                    </p:set>
+                                    <p:animEffect transition="in" filter="fade">
+                                      <p:cBhvr>
+                                        <p:cTn id="41" dur="1000"/>
+                                        <p:tgtEl>
+                                          <p:spTgt spid="3">
+                                            <p:txEl>
+                                              <p:pRg st="7" end="7"/>
+                                            </p:txEl>
+                                          </p:spTgt>
+                                        </p:tgtEl>
+                                      </p:cBhvr>
+                                    </p:animEffect>
+                                    <p:anim calcmode="lin" valueType="num">
+                                      <p:cBhvr>
+                                        <p:cTn id="42" dur="1000" fill="hold"/>
+                                        <p:tgtEl>
+                                          <p:spTgt spid="3">
+                                            <p:txEl>
+                                              <p:pRg st="7" end="7"/>
+                                            </p:txEl>
+                                          </p:spTgt>
+                                        </p:tgtEl>
+                                        <p:attrNameLst>
+                                          <p:attrName>ppt_x</p:attrName>
+                                        </p:attrNameLst>
+                                      </p:cBhvr>
+                                      <p:tavLst>
+                                        <p:tav tm="0">
+                                          <p:val>
+                                            <p:strVal val="#ppt_x"/>
+                                          </p:val>
+                                        </p:tav>
+                                        <p:tav tm="100000">
+                                          <p:val>
+                                            <p:strVal val="#ppt_x"/>
+                                          </p:val>
+                                        </p:tav>
+                                      </p:tavLst>
+                                    </p:anim>
+                                    <p:anim calcmode="lin" valueType="num">
+                                      <p:cBhvr>
+                                        <p:cTn id="43" dur="1000" fill="hold"/>
+                                        <p:tgtEl>
+                                          <p:spTgt spid="3">
+                                            <p:txEl>
+                                              <p:pRg st="7" end="7"/>
+                                            </p:txEl>
+                                          </p:spTgt>
+                                        </p:tgtEl>
+                                        <p:attrNameLst>
+                                          <p:attrName>ppt_y</p:attrName>
+                                        </p:attrNameLst>
+                                      </p:cBhvr>
+                                      <p:tavLst>
+                                        <p:tav tm="0">
+                                          <p:val>
+                                            <p:strVal val="#ppt_y+.1"/>
+                                          </p:val>
+                                        </p:tav>
+                                        <p:tav tm="100000">
+                                          <p:val>
+                                            <p:strVal val="#ppt_y"/>
+                                          </p:val>
+                                        </p:tav>
+                                      </p:tavLst>
+                                    </p:anim>
+                                  </p:childTnLst>
+                                </p:cTn>
+                              </p:par>
+                              <p:par>
+                                <p:cTn id="44" presetID="42" presetClass="entr" presetSubtype="0" fill="hold" nodeType="withEffect">
+                                  <p:stCondLst>
+                                    <p:cond delay="0"/>
+                                  </p:stCondLst>
+                                  <p:childTnLst>
+                                    <p:set>
+                                      <p:cBhvr>
+                                        <p:cTn id="45" dur="1" fill="hold">
+                                          <p:stCondLst>
+                                            <p:cond delay="0"/>
+                                          </p:stCondLst>
+                                        </p:cTn>
+                                        <p:tgtEl>
+                                          <p:spTgt spid="3">
+                                            <p:txEl>
+                                              <p:pRg st="8" end="8"/>
+                                            </p:txEl>
+                                          </p:spTgt>
+                                        </p:tgtEl>
+                                        <p:attrNameLst>
+                                          <p:attrName>style.visibility</p:attrName>
+                                        </p:attrNameLst>
+                                      </p:cBhvr>
+                                      <p:to>
+                                        <p:strVal val="visible"/>
+                                      </p:to>
+                                    </p:set>
+                                    <p:animEffect transition="in" filter="fade">
+                                      <p:cBhvr>
+                                        <p:cTn id="46" dur="1000"/>
+                                        <p:tgtEl>
+                                          <p:spTgt spid="3">
+                                            <p:txEl>
+                                              <p:pRg st="8" end="8"/>
+                                            </p:txEl>
+                                          </p:spTgt>
+                                        </p:tgtEl>
+                                      </p:cBhvr>
+                                    </p:animEffect>
+                                    <p:anim calcmode="lin" valueType="num">
+                                      <p:cBhvr>
+                                        <p:cTn id="47" dur="1000" fill="hold"/>
+                                        <p:tgtEl>
+                                          <p:spTgt spid="3">
+                                            <p:txEl>
+                                              <p:pRg st="8" end="8"/>
+                                            </p:txEl>
+                                          </p:spTgt>
+                                        </p:tgtEl>
+                                        <p:attrNameLst>
+                                          <p:attrName>ppt_x</p:attrName>
+                                        </p:attrNameLst>
+                                      </p:cBhvr>
+                                      <p:tavLst>
+                                        <p:tav tm="0">
+                                          <p:val>
+                                            <p:strVal val="#ppt_x"/>
+                                          </p:val>
+                                        </p:tav>
+                                        <p:tav tm="100000">
+                                          <p:val>
+                                            <p:strVal val="#ppt_x"/>
+                                          </p:val>
+                                        </p:tav>
+                                      </p:tavLst>
+                                    </p:anim>
+                                    <p:anim calcmode="lin" valueType="num">
+                                      <p:cBhvr>
+                                        <p:cTn id="48" dur="1000" fill="hold"/>
+                                        <p:tgtEl>
+                                          <p:spTgt spid="3">
+                                            <p:txEl>
+                                              <p:pRg st="8" end="8"/>
+                                            </p:txEl>
+                                          </p:spTgt>
+                                        </p:tgtEl>
+                                        <p:attrNameLst>
+                                          <p:attrName>ppt_y</p:attrName>
+                                        </p:attrNameLst>
+                                      </p:cBhvr>
+                                      <p:tavLst>
+                                        <p:tav tm="0">
+                                          <p:val>
+                                            <p:strVal val="#ppt_y+.1"/>
+                                          </p:val>
+                                        </p:tav>
+                                        <p:tav tm="100000">
+                                          <p:val>
+                                            <p:strVal val="#ppt_y"/>
+                                          </p:val>
+                                        </p:tav>
+                                      </p:tavLst>
+                                    </p:anim>
                                   </p:childTnLst>
                                 </p:cTn>
                               </p:par>
@@ -4821,221 +8765,7 @@
         </p:cTn>
       </p:par>
     </p:tnLst>
-    <p:bldLst>
-      <p:bldP spid="2" grpId="0"/>
-    </p:bldLst>
   </p:timing>
-</p:sld>
-</file>
-
-<file path=ppt/slides/slide3.xml><?xml version="1.0" encoding="utf-8"?>
-<p:sld xmlns:a="http://schemas.openxmlformats.org/drawingml/2006/main" xmlns:r="http://schemas.openxmlformats.org/officeDocument/2006/relationships" xmlns:p="http://schemas.openxmlformats.org/presentationml/2006/main">
-  <p:cSld>
-    <p:bg>
-      <p:bgPr>
-        <a:gradFill>
-          <a:gsLst>
-            <a:gs pos="0">
-              <a:schemeClr val="accent1">
-                <a:lumMod val="5000"/>
-                <a:lumOff val="95000"/>
-              </a:schemeClr>
-            </a:gs>
-            <a:gs pos="74000">
-              <a:schemeClr val="accent1">
-                <a:lumMod val="45000"/>
-                <a:lumOff val="55000"/>
-              </a:schemeClr>
-            </a:gs>
-            <a:gs pos="83000">
-              <a:schemeClr val="accent1">
-                <a:lumMod val="45000"/>
-                <a:lumOff val="55000"/>
-              </a:schemeClr>
-            </a:gs>
-            <a:gs pos="100000">
-              <a:schemeClr val="accent1">
-                <a:lumMod val="30000"/>
-                <a:lumOff val="70000"/>
-              </a:schemeClr>
-            </a:gs>
-          </a:gsLst>
-          <a:lin ang="5400000" scaled="1"/>
-        </a:gradFill>
-        <a:effectLst/>
-      </p:bgPr>
-    </p:bg>
-    <p:spTree>
-      <p:nvGrpSpPr>
-        <p:cNvPr id="1" name=""/>
-        <p:cNvGrpSpPr/>
-        <p:nvPr/>
-      </p:nvGrpSpPr>
-      <p:grpSpPr>
-        <a:xfrm>
-          <a:off x="0" y="0"/>
-          <a:ext cx="0" cy="0"/>
-          <a:chOff x="0" y="0"/>
-          <a:chExt cx="0" cy="0"/>
-        </a:xfrm>
-      </p:grpSpPr>
-      <p:sp>
-        <p:nvSpPr>
-          <p:cNvPr id="3" name="Subtitle 2">
-            <a:extLst>
-              <a:ext uri="{FF2B5EF4-FFF2-40B4-BE49-F238E27FC236}">
-                <a16:creationId xmlns:a16="http://schemas.microsoft.com/office/drawing/2014/main" id="{87BB1632-3D9B-4D4F-9E25-C9219C0E77F2}"/>
-              </a:ext>
-            </a:extLst>
-          </p:cNvPr>
-          <p:cNvSpPr>
-            <a:spLocks noGrp="1"/>
-          </p:cNvSpPr>
-          <p:nvPr>
-            <p:ph type="subTitle" idx="1"/>
-          </p:nvPr>
-        </p:nvSpPr>
-        <p:spPr>
-          <a:xfrm>
-            <a:off x="141401" y="395926"/>
-            <a:ext cx="10963373" cy="6183983"/>
-          </a:xfrm>
-        </p:spPr>
-        <p:txBody>
-          <a:bodyPr>
-            <a:normAutofit/>
-          </a:bodyPr>
-          <a:lstStyle/>
-          <a:p>
-            <a:r>
-              <a:rPr lang="en-US" dirty="0"/>
-              <a:t> </a:t>
-            </a:r>
-          </a:p>
-          <a:p>
-            <a:r>
-              <a:rPr lang="en-US" sz="3200" dirty="0"/>
-              <a:t>What:</a:t>
-            </a:r>
-          </a:p>
-          <a:p>
-            <a:pPr algn="l"/>
-            <a:r>
-              <a:rPr lang="en-US" sz="2800" dirty="0"/>
-              <a:t>Sentimental analysis = opinion mining. </a:t>
-            </a:r>
-          </a:p>
-          <a:p>
-            <a:pPr algn="l"/>
-            <a:r>
-              <a:rPr lang="en-US" sz="2800" dirty="0"/>
-              <a:t> Is an opinion: positive, neutral, and negative?</a:t>
-            </a:r>
-          </a:p>
-          <a:p>
-            <a:r>
-              <a:rPr lang="en-US" sz="3200" dirty="0"/>
-              <a:t>Why:</a:t>
-            </a:r>
-          </a:p>
-          <a:p>
-            <a:pPr algn="l"/>
-            <a:r>
-              <a:rPr lang="en-US" sz="2800" dirty="0"/>
-              <a:t>Opinion is the </a:t>
-            </a:r>
-            <a:r>
-              <a:rPr lang="en-US" sz="2800" u="sng" dirty="0">
-                <a:hlinkClick r:id="rId2"/>
-              </a:rPr>
-              <a:t>voice of the customer</a:t>
-            </a:r>
-            <a:r>
-              <a:rPr lang="en-US" sz="2800" u="sng" dirty="0"/>
-              <a:t>.</a:t>
-            </a:r>
-          </a:p>
-          <a:p>
-            <a:pPr algn="l"/>
-            <a:r>
-              <a:rPr lang="en-US" sz="2800" dirty="0"/>
-              <a:t>Reviews, responses, online/social media, healthcare surveys</a:t>
-            </a:r>
-          </a:p>
-          <a:p>
-            <a:r>
-              <a:rPr lang="en-US" sz="3200" dirty="0"/>
-              <a:t>How:</a:t>
-            </a:r>
-          </a:p>
-          <a:p>
-            <a:pPr algn="l"/>
-            <a:r>
-              <a:rPr lang="en-US" sz="2800" dirty="0"/>
-              <a:t>Through: </a:t>
-            </a:r>
-            <a:r>
-              <a:rPr lang="en-US" sz="2800" dirty="0">
-                <a:hlinkClick r:id="rId3" tooltip="Natural language processing"/>
-              </a:rPr>
-              <a:t>natural language processing</a:t>
-            </a:r>
-            <a:r>
-              <a:rPr lang="en-US" sz="2800" dirty="0"/>
-              <a:t>, </a:t>
-            </a:r>
-            <a:r>
-              <a:rPr lang="en-US" sz="2800" dirty="0">
-                <a:hlinkClick r:id="rId4" tooltip="Text analytics"/>
-              </a:rPr>
-              <a:t>text analysis</a:t>
-            </a:r>
-            <a:r>
-              <a:rPr lang="en-US" sz="2800" dirty="0"/>
-              <a:t>, </a:t>
-            </a:r>
-            <a:r>
-              <a:rPr lang="en-US" sz="2800" dirty="0">
-                <a:hlinkClick r:id="rId5" tooltip="Computational linguistics"/>
-              </a:rPr>
-              <a:t>computational linguistics</a:t>
-            </a:r>
-            <a:r>
-              <a:rPr lang="en-US" sz="2800" dirty="0"/>
-              <a:t>, and </a:t>
-            </a:r>
-            <a:r>
-              <a:rPr lang="en-US" sz="2800" dirty="0">
-                <a:hlinkClick r:id="rId6" tooltip="Biometrics"/>
-              </a:rPr>
-              <a:t>biometrics</a:t>
-            </a:r>
-            <a:r>
-              <a:rPr lang="en-US" sz="2800" dirty="0"/>
-              <a:t>   </a:t>
-            </a:r>
-          </a:p>
-          <a:p>
-            <a:r>
-              <a:rPr lang="en-US" sz="2800" dirty="0"/>
-              <a:t>Source: Wikipedia.</a:t>
-            </a:r>
-          </a:p>
-          <a:p>
-            <a:endParaRPr lang="en-US" dirty="0"/>
-          </a:p>
-        </p:txBody>
-      </p:sp>
-    </p:spTree>
-    <p:extLst>
-      <p:ext uri="{BB962C8B-B14F-4D97-AF65-F5344CB8AC3E}">
-        <p14:creationId xmlns:p14="http://schemas.microsoft.com/office/powerpoint/2010/main" val="2012433671"/>
-      </p:ext>
-    </p:extLst>
-  </p:cSld>
-  <p:clrMapOvr>
-    <a:masterClrMapping/>
-  </p:clrMapOvr>
 </p:sld>
 </file>
 
@@ -5072,12 +8802,22 @@
             <p:ph type="title"/>
           </p:nvPr>
         </p:nvSpPr>
-        <p:spPr/>
-        <p:txBody>
-          <a:bodyPr/>
+        <p:spPr>
+          <a:xfrm>
+            <a:off x="838200" y="365126"/>
+            <a:ext cx="10515600" cy="771216"/>
+          </a:xfrm>
+        </p:spPr>
+        <p:txBody>
+          <a:bodyPr>
+            <a:normAutofit/>
+          </a:bodyPr>
           <a:lstStyle/>
           <a:p>
-            <a:endParaRPr lang="en-US" dirty="0"/>
+            <a:r>
+              <a:rPr lang="en-US" sz="4000" dirty="0"/>
+              <a:t>Focus</a:t>
+            </a:r>
           </a:p>
         </p:txBody>
       </p:sp>
@@ -5097,24 +8837,340 @@
             <p:ph idx="1"/>
           </p:nvPr>
         </p:nvSpPr>
-        <p:spPr/>
-        <p:txBody>
-          <a:bodyPr/>
+        <p:spPr>
+          <a:xfrm>
+            <a:off x="838200" y="1289072"/>
+            <a:ext cx="10515600" cy="1072388"/>
+          </a:xfrm>
+        </p:spPr>
+        <p:txBody>
+          <a:bodyPr>
+            <a:normAutofit/>
+          </a:bodyPr>
           <a:lstStyle/>
           <a:p>
             <a:r>
               <a:rPr lang="en-US" dirty="0"/>
-              <a:t>Sentimental analysis against product previews</a:t>
+              <a:t>Opinion mining  on product previews.</a:t>
             </a:r>
           </a:p>
           <a:p>
             <a:r>
               <a:rPr lang="en-US" dirty="0"/>
-              <a:t>Does not cover Bias or Topics Modeling</a:t>
-            </a:r>
-          </a:p>
-        </p:txBody>
-      </p:sp>
+              <a:t>Does not cover Bias or Topics Modeling.</a:t>
+            </a:r>
+          </a:p>
+          <a:p>
+            <a:pPr marL="0" indent="0">
+              <a:buNone/>
+            </a:pPr>
+            <a:endParaRPr lang="en-US" dirty="0"/>
+          </a:p>
+        </p:txBody>
+      </p:sp>
+      <p:sp>
+        <p:nvSpPr>
+          <p:cNvPr id="4" name="Title 1">
+            <a:extLst>
+              <a:ext uri="{FF2B5EF4-FFF2-40B4-BE49-F238E27FC236}">
+                <a16:creationId xmlns:a16="http://schemas.microsoft.com/office/drawing/2014/main" id="{FCE79AD2-BDA4-433C-BBCF-441C7C0F99B9}"/>
+              </a:ext>
+            </a:extLst>
+          </p:cNvPr>
+          <p:cNvSpPr txBox="1">
+            <a:spLocks/>
+          </p:cNvSpPr>
+          <p:nvPr/>
+        </p:nvSpPr>
+        <p:spPr>
+          <a:xfrm>
+            <a:off x="732316" y="2318126"/>
+            <a:ext cx="10515600" cy="793484"/>
+          </a:xfrm>
+          <a:prstGeom prst="rect">
+            <a:avLst/>
+          </a:prstGeom>
+        </p:spPr>
+        <p:txBody>
+          <a:bodyPr vert="horz" lIns="91440" tIns="45720" rIns="91440" bIns="45720" rtlCol="0" anchor="ctr">
+            <a:normAutofit/>
+          </a:bodyPr>
+          <a:lstStyle>
+            <a:lvl1pPr algn="l" defTabSz="914400" rtl="0" eaLnBrk="1" latinLnBrk="0" hangingPunct="1">
+              <a:lnSpc>
+                <a:spcPct val="90000"/>
+              </a:lnSpc>
+              <a:spcBef>
+                <a:spcPct val="0"/>
+              </a:spcBef>
+              <a:buNone/>
+              <a:defRPr sz="4400" kern="1200">
+                <a:solidFill>
+                  <a:schemeClr val="tx1"/>
+                </a:solidFill>
+                <a:latin typeface="+mj-lt"/>
+                <a:ea typeface="+mj-ea"/>
+                <a:cs typeface="+mj-cs"/>
+              </a:defRPr>
+            </a:lvl1pPr>
+          </a:lstStyle>
+          <a:p>
+            <a:r>
+              <a:rPr lang="en-US" sz="3600" dirty="0"/>
+              <a:t>Data Source:</a:t>
+            </a:r>
+          </a:p>
+        </p:txBody>
+      </p:sp>
+      <p:sp>
+        <p:nvSpPr>
+          <p:cNvPr id="5" name="Content Placeholder 2">
+            <a:extLst>
+              <a:ext uri="{FF2B5EF4-FFF2-40B4-BE49-F238E27FC236}">
+                <a16:creationId xmlns:a16="http://schemas.microsoft.com/office/drawing/2014/main" id="{001B6B7D-1E15-4134-BAB2-8F2FC2709B6D}"/>
+              </a:ext>
+            </a:extLst>
+          </p:cNvPr>
+          <p:cNvSpPr txBox="1">
+            <a:spLocks/>
+          </p:cNvSpPr>
+          <p:nvPr/>
+        </p:nvSpPr>
+        <p:spPr>
+          <a:xfrm>
+            <a:off x="305869" y="3111610"/>
+            <a:ext cx="10515600" cy="1448153"/>
+          </a:xfrm>
+          <a:prstGeom prst="rect">
+            <a:avLst/>
+          </a:prstGeom>
+        </p:spPr>
+        <p:txBody>
+          <a:bodyPr vert="horz" lIns="91440" tIns="45720" rIns="91440" bIns="45720" rtlCol="0">
+            <a:normAutofit/>
+          </a:bodyPr>
+          <a:lstStyle>
+            <a:lvl1pPr marL="228600" indent="-228600" algn="l" defTabSz="914400" rtl="0" eaLnBrk="1" latinLnBrk="0" hangingPunct="1">
+              <a:lnSpc>
+                <a:spcPct val="90000"/>
+              </a:lnSpc>
+              <a:spcBef>
+                <a:spcPts val="1000"/>
+              </a:spcBef>
+              <a:buFont typeface="Arial" panose="020B0604020202020204" pitchFamily="34" charset="0"/>
+              <a:buChar char="•"/>
+              <a:defRPr sz="2800" kern="1200">
+                <a:solidFill>
+                  <a:schemeClr val="tx1"/>
+                </a:solidFill>
+                <a:latin typeface="+mn-lt"/>
+                <a:ea typeface="+mn-ea"/>
+                <a:cs typeface="+mn-cs"/>
+              </a:defRPr>
+            </a:lvl1pPr>
+            <a:lvl2pPr marL="685800" indent="-228600" algn="l" defTabSz="914400" rtl="0" eaLnBrk="1" latinLnBrk="0" hangingPunct="1">
+              <a:lnSpc>
+                <a:spcPct val="90000"/>
+              </a:lnSpc>
+              <a:spcBef>
+                <a:spcPts val="500"/>
+              </a:spcBef>
+              <a:buFont typeface="Arial" panose="020B0604020202020204" pitchFamily="34" charset="0"/>
+              <a:buChar char="•"/>
+              <a:defRPr sz="2400" kern="1200">
+                <a:solidFill>
+                  <a:schemeClr val="tx1"/>
+                </a:solidFill>
+                <a:latin typeface="+mn-lt"/>
+                <a:ea typeface="+mn-ea"/>
+                <a:cs typeface="+mn-cs"/>
+              </a:defRPr>
+            </a:lvl2pPr>
+            <a:lvl3pPr marL="1143000" indent="-228600" algn="l" defTabSz="914400" rtl="0" eaLnBrk="1" latinLnBrk="0" hangingPunct="1">
+              <a:lnSpc>
+                <a:spcPct val="90000"/>
+              </a:lnSpc>
+              <a:spcBef>
+                <a:spcPts val="500"/>
+              </a:spcBef>
+              <a:buFont typeface="Arial" panose="020B0604020202020204" pitchFamily="34" charset="0"/>
+              <a:buChar char="•"/>
+              <a:defRPr sz="2000" kern="1200">
+                <a:solidFill>
+                  <a:schemeClr val="tx1"/>
+                </a:solidFill>
+                <a:latin typeface="+mn-lt"/>
+                <a:ea typeface="+mn-ea"/>
+                <a:cs typeface="+mn-cs"/>
+              </a:defRPr>
+            </a:lvl3pPr>
+            <a:lvl4pPr marL="1600200" indent="-228600" algn="l" defTabSz="914400" rtl="0" eaLnBrk="1" latinLnBrk="0" hangingPunct="1">
+              <a:lnSpc>
+                <a:spcPct val="90000"/>
+              </a:lnSpc>
+              <a:spcBef>
+                <a:spcPts val="500"/>
+              </a:spcBef>
+              <a:buFont typeface="Arial" panose="020B0604020202020204" pitchFamily="34" charset="0"/>
+              <a:buChar char="•"/>
+              <a:defRPr sz="1800" kern="1200">
+                <a:solidFill>
+                  <a:schemeClr val="tx1"/>
+                </a:solidFill>
+                <a:latin typeface="+mn-lt"/>
+                <a:ea typeface="+mn-ea"/>
+                <a:cs typeface="+mn-cs"/>
+              </a:defRPr>
+            </a:lvl4pPr>
+            <a:lvl5pPr marL="2057400" indent="-228600" algn="l" defTabSz="914400" rtl="0" eaLnBrk="1" latinLnBrk="0" hangingPunct="1">
+              <a:lnSpc>
+                <a:spcPct val="90000"/>
+              </a:lnSpc>
+              <a:spcBef>
+                <a:spcPts val="500"/>
+              </a:spcBef>
+              <a:buFont typeface="Arial" panose="020B0604020202020204" pitchFamily="34" charset="0"/>
+              <a:buChar char="•"/>
+              <a:defRPr sz="1800" kern="1200">
+                <a:solidFill>
+                  <a:schemeClr val="tx1"/>
+                </a:solidFill>
+                <a:latin typeface="+mn-lt"/>
+                <a:ea typeface="+mn-ea"/>
+                <a:cs typeface="+mn-cs"/>
+              </a:defRPr>
+            </a:lvl5pPr>
+            <a:lvl6pPr marL="2514600" indent="-228600" algn="l" defTabSz="914400" rtl="0" eaLnBrk="1" latinLnBrk="0" hangingPunct="1">
+              <a:lnSpc>
+                <a:spcPct val="90000"/>
+              </a:lnSpc>
+              <a:spcBef>
+                <a:spcPts val="500"/>
+              </a:spcBef>
+              <a:buFont typeface="Arial" panose="020B0604020202020204" pitchFamily="34" charset="0"/>
+              <a:buChar char="•"/>
+              <a:defRPr sz="1800" kern="1200">
+                <a:solidFill>
+                  <a:schemeClr val="tx1"/>
+                </a:solidFill>
+                <a:latin typeface="+mn-lt"/>
+                <a:ea typeface="+mn-ea"/>
+                <a:cs typeface="+mn-cs"/>
+              </a:defRPr>
+            </a:lvl6pPr>
+            <a:lvl7pPr marL="2971800" indent="-228600" algn="l" defTabSz="914400" rtl="0" eaLnBrk="1" latinLnBrk="0" hangingPunct="1">
+              <a:lnSpc>
+                <a:spcPct val="90000"/>
+              </a:lnSpc>
+              <a:spcBef>
+                <a:spcPts val="500"/>
+              </a:spcBef>
+              <a:buFont typeface="Arial" panose="020B0604020202020204" pitchFamily="34" charset="0"/>
+              <a:buChar char="•"/>
+              <a:defRPr sz="1800" kern="1200">
+                <a:solidFill>
+                  <a:schemeClr val="tx1"/>
+                </a:solidFill>
+                <a:latin typeface="+mn-lt"/>
+                <a:ea typeface="+mn-ea"/>
+                <a:cs typeface="+mn-cs"/>
+              </a:defRPr>
+            </a:lvl7pPr>
+            <a:lvl8pPr marL="3429000" indent="-228600" algn="l" defTabSz="914400" rtl="0" eaLnBrk="1" latinLnBrk="0" hangingPunct="1">
+              <a:lnSpc>
+                <a:spcPct val="90000"/>
+              </a:lnSpc>
+              <a:spcBef>
+                <a:spcPts val="500"/>
+              </a:spcBef>
+              <a:buFont typeface="Arial" panose="020B0604020202020204" pitchFamily="34" charset="0"/>
+              <a:buChar char="•"/>
+              <a:defRPr sz="1800" kern="1200">
+                <a:solidFill>
+                  <a:schemeClr val="tx1"/>
+                </a:solidFill>
+                <a:latin typeface="+mn-lt"/>
+                <a:ea typeface="+mn-ea"/>
+                <a:cs typeface="+mn-cs"/>
+              </a:defRPr>
+            </a:lvl8pPr>
+            <a:lvl9pPr marL="3886200" indent="-228600" algn="l" defTabSz="914400" rtl="0" eaLnBrk="1" latinLnBrk="0" hangingPunct="1">
+              <a:lnSpc>
+                <a:spcPct val="90000"/>
+              </a:lnSpc>
+              <a:spcBef>
+                <a:spcPts val="500"/>
+              </a:spcBef>
+              <a:buFont typeface="Arial" panose="020B0604020202020204" pitchFamily="34" charset="0"/>
+              <a:buChar char="•"/>
+              <a:defRPr sz="1800" kern="1200">
+                <a:solidFill>
+                  <a:schemeClr val="tx1"/>
+                </a:solidFill>
+                <a:latin typeface="+mn-lt"/>
+                <a:ea typeface="+mn-ea"/>
+                <a:cs typeface="+mn-cs"/>
+              </a:defRPr>
+            </a:lvl9pPr>
+          </a:lstStyle>
+          <a:p>
+            <a:pPr marL="457200" lvl="1" indent="0">
+              <a:buFont typeface="Arial" panose="020B0604020202020204" pitchFamily="34" charset="0"/>
+              <a:buNone/>
+            </a:pPr>
+            <a:r>
+              <a:rPr lang="en-US" sz="2800" dirty="0"/>
+              <a:t>Amazon product reviews:</a:t>
+            </a:r>
+          </a:p>
+          <a:p>
+            <a:pPr marL="457200" lvl="1" indent="0">
+              <a:buFont typeface="Arial" panose="020B0604020202020204" pitchFamily="34" charset="0"/>
+              <a:buNone/>
+            </a:pPr>
+            <a:r>
+              <a:rPr lang="en-US" sz="2800" dirty="0">
+                <a:hlinkClick r:id="rId2"/>
+              </a:rPr>
+              <a:t>http://cseweb.ucsd.edu/~jmcauley/datasets.html#amazon_reviews</a:t>
+            </a:r>
+            <a:endParaRPr lang="en-US" sz="2800" dirty="0"/>
+          </a:p>
+          <a:p>
+            <a:endParaRPr lang="en-US" dirty="0"/>
+          </a:p>
+        </p:txBody>
+      </p:sp>
+      <p:pic>
+        <p:nvPicPr>
+          <p:cNvPr id="6" name="Picture 5">
+            <a:extLst>
+              <a:ext uri="{FF2B5EF4-FFF2-40B4-BE49-F238E27FC236}">
+                <a16:creationId xmlns:a16="http://schemas.microsoft.com/office/drawing/2014/main" id="{078CF8C9-FBF0-4CF9-BCB8-2DC04BD6C9CE}"/>
+              </a:ext>
+            </a:extLst>
+          </p:cNvPr>
+          <p:cNvPicPr>
+            <a:picLocks noChangeAspect="1"/>
+          </p:cNvPicPr>
+          <p:nvPr/>
+        </p:nvPicPr>
+        <p:blipFill>
+          <a:blip r:embed="rId3"/>
+          <a:stretch>
+            <a:fillRect/>
+          </a:stretch>
+        </p:blipFill>
+        <p:spPr>
+          <a:xfrm>
+            <a:off x="713266" y="4191442"/>
+            <a:ext cx="10534650" cy="2447925"/>
+          </a:xfrm>
+          <a:prstGeom prst="rect">
+            <a:avLst/>
+          </a:prstGeom>
+        </p:spPr>
+      </p:pic>
     </p:spTree>
     <p:extLst>
       <p:ext uri="{BB962C8B-B14F-4D97-AF65-F5344CB8AC3E}">
@@ -5150,7 +9206,7 @@
           <p:cNvPr id="2" name="Title 1">
             <a:extLst>
               <a:ext uri="{FF2B5EF4-FFF2-40B4-BE49-F238E27FC236}">
-                <a16:creationId xmlns:a16="http://schemas.microsoft.com/office/drawing/2014/main" id="{BADE47C9-1E10-491A-BA06-06B86384915B}"/>
+                <a16:creationId xmlns:a16="http://schemas.microsoft.com/office/drawing/2014/main" id="{7CEACFC0-8DEA-4E33-8BF1-37C7A9810606}"/>
               </a:ext>
             </a:extLst>
           </p:cNvPr>
@@ -5168,7 +9224,7 @@
           <a:p>
             <a:r>
               <a:rPr lang="en-US" dirty="0"/>
-              <a:t>Data Source:</a:t>
+              <a:t>Supervised Learning Models on Classification:</a:t>
             </a:r>
           </a:p>
         </p:txBody>
@@ -5178,7 +9234,7 @@
           <p:cNvPr id="3" name="Content Placeholder 2">
             <a:extLst>
               <a:ext uri="{FF2B5EF4-FFF2-40B4-BE49-F238E27FC236}">
-                <a16:creationId xmlns:a16="http://schemas.microsoft.com/office/drawing/2014/main" id="{0DF1EF72-E662-4FEA-BEDE-2B09312A54A9}"/>
+                <a16:creationId xmlns:a16="http://schemas.microsoft.com/office/drawing/2014/main" id="{C6CE08F6-D0C7-429F-B9EE-E4C400F2A0E8}"/>
               </a:ext>
             </a:extLst>
           </p:cNvPr>
@@ -5189,29 +9245,116 @@
             <p:ph idx="1"/>
           </p:nvPr>
         </p:nvSpPr>
-        <p:spPr/>
+        <p:spPr>
+          <a:gradFill>
+            <a:gsLst>
+              <a:gs pos="0">
+                <a:schemeClr val="accent1">
+                  <a:lumMod val="5000"/>
+                  <a:lumOff val="95000"/>
+                </a:schemeClr>
+              </a:gs>
+              <a:gs pos="74000">
+                <a:schemeClr val="accent1">
+                  <a:lumMod val="45000"/>
+                  <a:lumOff val="55000"/>
+                </a:schemeClr>
+              </a:gs>
+              <a:gs pos="83000">
+                <a:schemeClr val="accent1">
+                  <a:lumMod val="45000"/>
+                  <a:lumOff val="55000"/>
+                </a:schemeClr>
+              </a:gs>
+              <a:gs pos="100000">
+                <a:schemeClr val="accent1">
+                  <a:lumMod val="30000"/>
+                  <a:lumOff val="70000"/>
+                </a:schemeClr>
+              </a:gs>
+            </a:gsLst>
+            <a:lin ang="5400000" scaled="1"/>
+          </a:gradFill>
+        </p:spPr>
         <p:txBody>
           <a:bodyPr/>
           <a:lstStyle/>
           <a:p>
+            <a:r>
+              <a:rPr lang="en-US" dirty="0"/>
+              <a:t>RNN (Recurrent Neural Network)</a:t>
+            </a:r>
+          </a:p>
+          <a:p>
             <a:pPr lvl="1"/>
             <a:r>
-              <a:rPr lang="en-US" sz="2800" dirty="0"/>
-              <a:t>Amazon product reviews</a:t>
-            </a:r>
-          </a:p>
-          <a:p>
-            <a:pPr lvl="2"/>
-            <a:r>
-              <a:rPr lang="en-US" sz="2800" dirty="0">
-                <a:hlinkClick r:id="rId2"/>
+              <a:rPr lang="en-US" dirty="0"/>
+              <a:t>Memory state…</a:t>
+            </a:r>
+          </a:p>
+          <a:p>
+            <a:r>
+              <a:rPr lang="en-US" dirty="0"/>
+              <a:t>CNN (Convolutional Neural Network)</a:t>
+            </a:r>
+          </a:p>
+          <a:p>
+            <a:pPr lvl="1"/>
+            <a:r>
+              <a:rPr lang="en-US" dirty="0"/>
+              <a:t>Filter..</a:t>
+            </a:r>
+          </a:p>
+          <a:p>
+            <a:r>
+              <a:rPr lang="en-US" dirty="0" err="1"/>
+              <a:t>TextBlob</a:t>
+            </a:r>
+            <a:r>
+              <a:rPr lang="en-US" dirty="0"/>
+              <a:t> library </a:t>
+            </a:r>
+          </a:p>
+          <a:p>
+            <a:pPr marL="0" indent="0">
+              <a:buNone/>
+            </a:pPr>
+            <a:endParaRPr lang="en-US" dirty="0"/>
+          </a:p>
+          <a:p>
+            <a:pPr marL="0" indent="0">
+              <a:buNone/>
+            </a:pPr>
+            <a:r>
+              <a:rPr lang="en-US" dirty="0"/>
+              <a:t>Each model predicts and returns a probability  value. Base on that probability value, we will classify: </a:t>
+            </a:r>
+            <a:r>
+              <a:rPr lang="en-US" dirty="0">
+                <a:solidFill>
+                  <a:schemeClr val="accent6">
+                    <a:lumMod val="75000"/>
+                  </a:schemeClr>
+                </a:solidFill>
               </a:rPr>
-              <a:t>http://cseweb.ucsd.edu/~jmcauley/datasets.html#amazon_reviews</a:t>
-            </a:r>
-            <a:endParaRPr lang="en-US" sz="2800" dirty="0"/>
-          </a:p>
-          <a:p>
-            <a:endParaRPr lang="en-US" dirty="0"/>
+              <a:t>positive</a:t>
+            </a:r>
+            <a:r>
+              <a:rPr lang="en-US" dirty="0"/>
+              <a:t> or </a:t>
+            </a:r>
+            <a:r>
+              <a:rPr lang="en-US" dirty="0">
+                <a:solidFill>
+                  <a:srgbClr val="FF0000"/>
+                </a:solidFill>
+              </a:rPr>
+              <a:t>negative</a:t>
+            </a:r>
+            <a:r>
+              <a:rPr lang="en-US" dirty="0"/>
+              <a:t> review.</a:t>
+            </a:r>
           </a:p>
           <a:p>
             <a:endParaRPr lang="en-US" dirty="0"/>
@@ -5221,7 +9364,7 @@
     </p:spTree>
     <p:extLst>
       <p:ext uri="{BB962C8B-B14F-4D97-AF65-F5344CB8AC3E}">
-        <p14:creationId xmlns:p14="http://schemas.microsoft.com/office/powerpoint/2010/main" val="3421532089"/>
+        <p14:creationId xmlns:p14="http://schemas.microsoft.com/office/powerpoint/2010/main" val="869263223"/>
       </p:ext>
     </p:extLst>
   </p:cSld>
@@ -5264,7 +9407,12 @@
             <p:ph type="title"/>
           </p:nvPr>
         </p:nvSpPr>
-        <p:spPr/>
+        <p:spPr>
+          <a:xfrm>
+            <a:off x="838200" y="365126"/>
+            <a:ext cx="10515600" cy="896116"/>
+          </a:xfrm>
+        </p:spPr>
         <p:txBody>
           <a:bodyPr/>
           <a:lstStyle/>
@@ -5294,37 +9442,49 @@
         </p:nvSpPr>
         <p:spPr>
           <a:xfrm>
-            <a:off x="838200" y="1825625"/>
-            <a:ext cx="10515600" cy="4864542"/>
+            <a:off x="838200" y="1387366"/>
+            <a:ext cx="10515600" cy="5302801"/>
           </a:xfrm>
         </p:spPr>
         <p:txBody>
           <a:bodyPr>
-            <a:normAutofit/>
+            <a:normAutofit fontScale="92500" lnSpcReduction="10000"/>
           </a:bodyPr>
           <a:lstStyle/>
           <a:p>
             <a:r>
               <a:rPr lang="en-US" dirty="0"/>
-              <a:t>Corpus = typically a collection of documents</a:t>
+              <a:t>Corpus = typically a collection of documents.</a:t>
             </a:r>
           </a:p>
           <a:p>
             <a:r>
               <a:rPr lang="en-US" dirty="0"/>
-              <a:t>A document = refer to a sentence or paragraph</a:t>
+              <a:t>A document = refer to a sentence or paragraph.</a:t>
             </a:r>
           </a:p>
           <a:p>
             <a:r>
               <a:rPr lang="en-US" dirty="0"/>
-              <a:t>Tokenize = reduce a document into words, sentences</a:t>
+              <a:t>Tokenize = reduce a document into sentences, words, map words to unique integers.</a:t>
             </a:r>
           </a:p>
           <a:p>
             <a:r>
               <a:rPr lang="en-US" dirty="0"/>
-              <a:t>Padding = inserting 0s into vectorized </a:t>
+              <a:t>Stop words = words do not add much meanings  such as determiners (a, an, the) etc.</a:t>
+            </a:r>
+          </a:p>
+          <a:p>
+            <a:r>
+              <a:rPr lang="en-US" dirty="0"/>
+              <a:t>Lemmatize = reduce a word to its base  (is, was, were =&gt; be).</a:t>
+            </a:r>
+          </a:p>
+          <a:p>
+            <a:r>
+              <a:rPr lang="en-US" dirty="0"/>
+              <a:t>Stemming = reduce pre/post suffixes  (worked =&gt; work).</a:t>
             </a:r>
           </a:p>
           <a:p>
@@ -5336,26 +9496,22 @@
           <a:p>
             <a:r>
               <a:rPr lang="en-US" dirty="0"/>
-              <a:t>Stop words = words do not add much meaning such as determiners (a, an, the) etc.</a:t>
-            </a:r>
-          </a:p>
-          <a:p>
+              <a:t>Embedding = vectorized words(mapped into </a:t>
+            </a:r>
+            <a:r>
+              <a:rPr lang="en-US" dirty="0" err="1"/>
+              <a:t>ints</a:t>
+            </a:r>
             <a:r>
               <a:rPr lang="en-US" dirty="0"/>
-              <a:t>Lemmatize = reduce a word to its base  (is, was, were =&gt; be)</a:t>
+              <a:t>) to represent relationship similarities in semantic meanings.</a:t>
             </a:r>
           </a:p>
           <a:p>
             <a:r>
               <a:rPr lang="en-US" dirty="0"/>
-              <a:t>Stemming = reduce pre/post suffixes  (worked =&gt; work)</a:t>
-            </a:r>
-          </a:p>
-          <a:p>
-            <a:pPr marL="0" indent="0">
-              <a:buNone/>
-            </a:pPr>
-            <a:endParaRPr lang="en-US" dirty="0"/>
+              <a:t>Padding = inserting 0s into pre/post pads to data-set enforce the same length across all data-set. </a:t>
+            </a:r>
           </a:p>
           <a:p>
             <a:pPr marL="0" indent="0">
@@ -5400,104 +9556,380 @@
       </p:grpSpPr>
       <p:sp>
         <p:nvSpPr>
-          <p:cNvPr id="2" name="Title 1">
-            <a:extLst>
-              <a:ext uri="{FF2B5EF4-FFF2-40B4-BE49-F238E27FC236}">
-                <a16:creationId xmlns:a16="http://schemas.microsoft.com/office/drawing/2014/main" id="{04DEF2ED-0420-43B4-8919-19DDD585B60F}"/>
+          <p:cNvPr id="14" name="Rectangle 8">
+            <a:extLst>
+              <a:ext uri="{FF2B5EF4-FFF2-40B4-BE49-F238E27FC236}">
+                <a16:creationId xmlns:a16="http://schemas.microsoft.com/office/drawing/2014/main" id="{B9FF99BD-075F-4761-A995-6FC574BD25EA}"/>
+              </a:ext>
+              <a:ext uri="{C183D7F6-B498-43B3-948B-1728B52AA6E4}">
+                <adec:decorative xmlns:adec="http://schemas.microsoft.com/office/drawing/2017/decorative" val="1"/>
               </a:ext>
             </a:extLst>
           </p:cNvPr>
           <p:cNvSpPr>
-            <a:spLocks noGrp="1"/>
+            <a:spLocks noGrp="1" noRot="1" noChangeAspect="1" noMove="1" noResize="1" noEditPoints="1" noAdjustHandles="1" noChangeArrowheads="1" noChangeShapeType="1" noTextEdit="1"/>
           </p:cNvSpPr>
           <p:nvPr>
-            <p:ph type="title"/>
+            <p:extLst>
+              <p:ext uri="{386F3935-93C4-4BCD-93E2-E3B085C9AB24}">
+                <p16:designElem xmlns:p16="http://schemas.microsoft.com/office/powerpoint/2015/main" val="1"/>
+              </p:ext>
+            </p:extLst>
           </p:nvPr>
         </p:nvSpPr>
-        <p:spPr/>
-        <p:txBody>
-          <a:bodyPr/>
+        <p:spPr>
+          <a:xfrm>
+            <a:off x="0" y="0"/>
+            <a:ext cx="12192000" cy="6858000"/>
+          </a:xfrm>
+          <a:prstGeom prst="rect">
+            <a:avLst/>
+          </a:prstGeom>
+          <a:solidFill>
+            <a:schemeClr val="bg1">
+              <a:lumMod val="65000"/>
+            </a:schemeClr>
+          </a:solidFill>
+          <a:ln>
+            <a:noFill/>
+          </a:ln>
+        </p:spPr>
+        <p:style>
+          <a:lnRef idx="2">
+            <a:schemeClr val="accent1">
+              <a:shade val="50000"/>
+            </a:schemeClr>
+          </a:lnRef>
+          <a:fillRef idx="1">
+            <a:schemeClr val="accent1"/>
+          </a:fillRef>
+          <a:effectRef idx="0">
+            <a:schemeClr val="accent1"/>
+          </a:effectRef>
+          <a:fontRef idx="minor">
+            <a:schemeClr val="lt1"/>
+          </a:fontRef>
+        </p:style>
+        <p:txBody>
+          <a:bodyPr rtlCol="0" anchor="ctr"/>
           <a:lstStyle/>
           <a:p>
-            <a:r>
-              <a:rPr lang="en-US" dirty="0"/>
-              <a:t>Text Preprocessing</a:t>
-            </a:r>
-          </a:p>
-        </p:txBody>
-      </p:sp>
-      <p:sp>
-        <p:nvSpPr>
-          <p:cNvPr id="3" name="Content Placeholder 2">
-            <a:extLst>
-              <a:ext uri="{FF2B5EF4-FFF2-40B4-BE49-F238E27FC236}">
-                <a16:creationId xmlns:a16="http://schemas.microsoft.com/office/drawing/2014/main" id="{C6CB0FB6-7F28-41BA-9AD4-FAE4991D1014}"/>
+            <a:pPr algn="ctr"/>
+            <a:endParaRPr lang="en-US"/>
+          </a:p>
+        </p:txBody>
+      </p:sp>
+      <p:sp>
+        <p:nvSpPr>
+          <p:cNvPr id="15" name="Rectangle 10">
+            <a:extLst>
+              <a:ext uri="{FF2B5EF4-FFF2-40B4-BE49-F238E27FC236}">
+                <a16:creationId xmlns:a16="http://schemas.microsoft.com/office/drawing/2014/main" id="{A7B21A54-9BA3-4EA9-B460-5A829ADD9051}"/>
+              </a:ext>
+              <a:ext uri="{C183D7F6-B498-43B3-948B-1728B52AA6E4}">
+                <adec:decorative xmlns:adec="http://schemas.microsoft.com/office/drawing/2017/decorative" val="1"/>
               </a:ext>
             </a:extLst>
           </p:cNvPr>
           <p:cNvSpPr>
-            <a:spLocks noGrp="1"/>
+            <a:spLocks noGrp="1" noRot="1" noChangeAspect="1" noMove="1" noResize="1" noEditPoints="1" noAdjustHandles="1" noChangeArrowheads="1" noChangeShapeType="1" noTextEdit="1"/>
           </p:cNvSpPr>
           <p:nvPr>
-            <p:ph idx="1"/>
+            <p:extLst>
+              <p:ext uri="{386F3935-93C4-4BCD-93E2-E3B085C9AB24}">
+                <p16:designElem xmlns:p16="http://schemas.microsoft.com/office/powerpoint/2015/main" val="1"/>
+              </p:ext>
+            </p:extLst>
           </p:nvPr>
         </p:nvSpPr>
         <p:spPr>
           <a:xfrm>
-            <a:off x="838200" y="1825625"/>
-            <a:ext cx="10515600" cy="4864542"/>
+            <a:off x="477012" y="480060"/>
+            <a:ext cx="11237976" cy="5897880"/>
           </a:xfrm>
+          <a:prstGeom prst="rect">
+            <a:avLst/>
+          </a:prstGeom>
+          <a:noFill/>
+          <a:ln>
+            <a:solidFill>
+              <a:schemeClr val="bg1"/>
+            </a:solidFill>
+          </a:ln>
         </p:spPr>
-        <p:txBody>
-          <a:bodyPr>
-            <a:normAutofit/>
+        <p:style>
+          <a:lnRef idx="2">
+            <a:schemeClr val="accent1">
+              <a:shade val="50000"/>
+            </a:schemeClr>
+          </a:lnRef>
+          <a:fillRef idx="1">
+            <a:schemeClr val="accent1"/>
+          </a:fillRef>
+          <a:effectRef idx="0">
+            <a:schemeClr val="accent1"/>
+          </a:effectRef>
+          <a:fontRef idx="minor">
+            <a:schemeClr val="lt1"/>
+          </a:fontRef>
+        </p:style>
+        <p:txBody>
+          <a:bodyPr rtlCol="0" anchor="ctr"/>
+          <a:lstStyle/>
+          <a:p>
+            <a:pPr algn="ctr"/>
+            <a:endParaRPr lang="en-US"/>
+          </a:p>
+        </p:txBody>
+      </p:sp>
+      <p:sp>
+        <p:nvSpPr>
+          <p:cNvPr id="13" name="Rectangle 12">
+            <a:extLst>
+              <a:ext uri="{FF2B5EF4-FFF2-40B4-BE49-F238E27FC236}">
+                <a16:creationId xmlns:a16="http://schemas.microsoft.com/office/drawing/2014/main" id="{6FA8F714-B9D8-488A-8CCA-E9948FF913A9}"/>
+              </a:ext>
+              <a:ext uri="{C183D7F6-B498-43B3-948B-1728B52AA6E4}">
+                <adec:decorative xmlns:adec="http://schemas.microsoft.com/office/drawing/2017/decorative" val="1"/>
+              </a:ext>
+            </a:extLst>
+          </p:cNvPr>
+          <p:cNvSpPr>
+            <a:spLocks noGrp="1" noRot="1" noChangeAspect="1" noMove="1" noResize="1" noEditPoints="1" noAdjustHandles="1" noChangeArrowheads="1" noChangeShapeType="1" noTextEdit="1"/>
+          </p:cNvSpPr>
+          <p:nvPr>
+            <p:extLst>
+              <p:ext uri="{386F3935-93C4-4BCD-93E2-E3B085C9AB24}">
+                <p16:designElem xmlns:p16="http://schemas.microsoft.com/office/powerpoint/2015/main" val="1"/>
+              </p:ext>
+            </p:extLst>
+          </p:nvPr>
+        </p:nvSpPr>
+        <p:spPr>
+          <a:xfrm>
+            <a:off x="643466" y="643468"/>
+            <a:ext cx="10905067" cy="5571066"/>
+          </a:xfrm>
+          <a:prstGeom prst="rect">
+            <a:avLst/>
+          </a:prstGeom>
+          <a:solidFill>
+            <a:srgbClr val="FFFFFF"/>
+          </a:solidFill>
+          <a:ln>
+            <a:noFill/>
+          </a:ln>
+        </p:spPr>
+        <p:style>
+          <a:lnRef idx="2">
+            <a:schemeClr val="accent1">
+              <a:shade val="50000"/>
+            </a:schemeClr>
+          </a:lnRef>
+          <a:fillRef idx="1">
+            <a:schemeClr val="accent1"/>
+          </a:fillRef>
+          <a:effectRef idx="0">
+            <a:schemeClr val="accent1"/>
+          </a:effectRef>
+          <a:fontRef idx="minor">
+            <a:schemeClr val="lt1"/>
+          </a:fontRef>
+        </p:style>
+        <p:txBody>
+          <a:bodyPr rtlCol="0" anchor="ctr"/>
+          <a:lstStyle/>
+          <a:p>
+            <a:pPr algn="ctr"/>
+            <a:endParaRPr lang="en-US"/>
+          </a:p>
+        </p:txBody>
+      </p:sp>
+      <p:pic>
+        <p:nvPicPr>
+          <p:cNvPr id="4" name="Picture 3">
+            <a:extLst>
+              <a:ext uri="{FF2B5EF4-FFF2-40B4-BE49-F238E27FC236}">
+                <a16:creationId xmlns:a16="http://schemas.microsoft.com/office/drawing/2014/main" id="{069F5263-9C91-4529-8BD8-A976B1AEB4EC}"/>
+              </a:ext>
+            </a:extLst>
+          </p:cNvPr>
+          <p:cNvPicPr>
+            <a:picLocks noChangeAspect="1"/>
+          </p:cNvPicPr>
+          <p:nvPr/>
+        </p:nvPicPr>
+        <p:blipFill>
+          <a:blip r:embed="rId2"/>
+          <a:stretch>
+            <a:fillRect/>
+          </a:stretch>
+        </p:blipFill>
+        <p:spPr>
+          <a:xfrm>
+            <a:off x="1368129" y="935347"/>
+            <a:ext cx="6157166" cy="4987305"/>
+          </a:xfrm>
+          <a:prstGeom prst="rect">
+            <a:avLst/>
+          </a:prstGeom>
+          <a:effectLst>
+            <a:glow rad="127000">
+              <a:schemeClr val="accent1">
+                <a:lumMod val="60000"/>
+                <a:lumOff val="40000"/>
+              </a:schemeClr>
+            </a:glow>
+          </a:effectLst>
+        </p:spPr>
+      </p:pic>
+      <p:sp>
+        <p:nvSpPr>
+          <p:cNvPr id="5" name="TextBox 4">
+            <a:extLst>
+              <a:ext uri="{FF2B5EF4-FFF2-40B4-BE49-F238E27FC236}">
+                <a16:creationId xmlns:a16="http://schemas.microsoft.com/office/drawing/2014/main" id="{25A4F15D-6312-4603-ADC9-BE31FDB31AD6}"/>
+              </a:ext>
+            </a:extLst>
+          </p:cNvPr>
+          <p:cNvSpPr txBox="1"/>
+          <p:nvPr/>
+        </p:nvSpPr>
+        <p:spPr>
+          <a:xfrm>
+            <a:off x="8002307" y="5399432"/>
+            <a:ext cx="2776522" cy="738664"/>
+          </a:xfrm>
+          <a:prstGeom prst="rect">
+            <a:avLst/>
+          </a:prstGeom>
+          <a:noFill/>
+        </p:spPr>
+        <p:txBody>
+          <a:bodyPr wrap="square" rtlCol="0">
+            <a:spAutoFit/>
           </a:bodyPr>
           <a:lstStyle/>
           <a:p>
             <a:r>
-              <a:rPr lang="en-US" dirty="0"/>
+              <a:rPr lang="en-US" sz="1400" i="1" dirty="0"/>
+              <a:t>Source: Modified and updated MEH Pedersen’s original RNN diagram to my ML flows.</a:t>
+            </a:r>
+          </a:p>
+        </p:txBody>
+      </p:sp>
+      <p:sp>
+        <p:nvSpPr>
+          <p:cNvPr id="6" name="Rectangle 5">
+            <a:extLst>
+              <a:ext uri="{FF2B5EF4-FFF2-40B4-BE49-F238E27FC236}">
+                <a16:creationId xmlns:a16="http://schemas.microsoft.com/office/drawing/2014/main" id="{68484C43-691F-4E82-8CFB-BB4C7165CC08}"/>
+              </a:ext>
+            </a:extLst>
+          </p:cNvPr>
+          <p:cNvSpPr/>
+          <p:nvPr/>
+        </p:nvSpPr>
+        <p:spPr>
+          <a:xfrm>
+            <a:off x="7929385" y="2830137"/>
+            <a:ext cx="3215055" cy="1938992"/>
+          </a:xfrm>
+          <a:prstGeom prst="rect">
+            <a:avLst/>
+          </a:prstGeom>
+        </p:spPr>
+        <p:txBody>
+          <a:bodyPr wrap="square">
+            <a:spAutoFit/>
+          </a:bodyPr>
+          <a:lstStyle/>
+          <a:p>
+            <a:r>
+              <a:rPr lang="en-US" sz="1500" dirty="0"/>
+              <a:t> Text Preprocessing</a:t>
+            </a:r>
+            <a:br>
+              <a:rPr lang="en-US" sz="1500" dirty="0"/>
+            </a:br>
+            <a:endParaRPr lang="en-US" sz="1500" dirty="0"/>
+          </a:p>
+          <a:p>
+            <a:pPr marL="342900" indent="-342900">
+              <a:buFont typeface="+mj-lt"/>
+              <a:buAutoNum type="arabicPeriod"/>
+            </a:pPr>
+            <a:r>
+              <a:rPr lang="en-US" sz="1500" dirty="0"/>
+              <a:t>Expansion of short notation words (I’ll =&gt; I will) .</a:t>
+            </a:r>
+          </a:p>
+          <a:p>
+            <a:pPr marL="342900" indent="-342900">
+              <a:buFont typeface="+mj-lt"/>
+              <a:buAutoNum type="arabicPeriod"/>
+            </a:pPr>
+            <a:r>
+              <a:rPr lang="en-US" sz="1500" dirty="0"/>
+              <a:t>NLTK tokenize words and sentences</a:t>
+            </a:r>
+          </a:p>
+          <a:p>
+            <a:pPr marL="342900" indent="-342900">
+              <a:buFont typeface="+mj-lt"/>
+              <a:buAutoNum type="arabicPeriod"/>
+            </a:pPr>
+            <a:r>
+              <a:rPr lang="en-US" sz="1500" dirty="0"/>
               <a:t>Remove numbers</a:t>
             </a:r>
           </a:p>
           <a:p>
-            <a:r>
-              <a:rPr lang="en-US" dirty="0"/>
-              <a:t>Expansion of Contradiction words (I’ll =&gt; I will)</a:t>
-            </a:r>
-          </a:p>
-          <a:p>
-            <a:r>
-              <a:rPr lang="en-US" dirty="0"/>
-              <a:t>NLTK tokenize</a:t>
-            </a:r>
-          </a:p>
-          <a:p>
-            <a:r>
-              <a:rPr lang="en-US" dirty="0"/>
+            <a:pPr marL="342900" indent="-342900">
+              <a:buFont typeface="+mj-lt"/>
+              <a:buAutoNum type="arabicPeriod"/>
+            </a:pPr>
+            <a:r>
+              <a:rPr lang="en-US" sz="1500" dirty="0"/>
               <a:t>Remove punctuations</a:t>
             </a:r>
           </a:p>
-          <a:p>
-            <a:r>
-              <a:rPr lang="en-US" dirty="0"/>
-              <a:t>Padding = inserting 0s into vectorized </a:t>
-            </a:r>
-          </a:p>
-          <a:p>
-            <a:pPr marL="0" indent="0">
-              <a:buNone/>
-            </a:pPr>
-            <a:endParaRPr lang="en-US" dirty="0"/>
-          </a:p>
-          <a:p>
-            <a:endParaRPr lang="en-US" dirty="0"/>
-          </a:p>
-        </p:txBody>
-      </p:sp>
+        </p:txBody>
+      </p:sp>
+      <p:pic>
+        <p:nvPicPr>
+          <p:cNvPr id="3" name="Picture 2">
+            <a:extLst>
+              <a:ext uri="{FF2B5EF4-FFF2-40B4-BE49-F238E27FC236}">
+                <a16:creationId xmlns:a16="http://schemas.microsoft.com/office/drawing/2014/main" id="{405CF331-FCD4-4449-AFC4-006CD088BD55}"/>
+              </a:ext>
+            </a:extLst>
+          </p:cNvPr>
+          <p:cNvPicPr>
+            <a:picLocks noChangeAspect="1"/>
+          </p:cNvPicPr>
+          <p:nvPr/>
+        </p:nvPicPr>
+        <p:blipFill>
+          <a:blip r:embed="rId3"/>
+          <a:stretch>
+            <a:fillRect/>
+          </a:stretch>
+        </p:blipFill>
+        <p:spPr>
+          <a:xfrm>
+            <a:off x="7827176" y="798719"/>
+            <a:ext cx="3419475" cy="1752600"/>
+          </a:xfrm>
+          <a:prstGeom prst="rect">
+            <a:avLst/>
+          </a:prstGeom>
+        </p:spPr>
+      </p:pic>
     </p:spTree>
     <p:extLst>
       <p:ext uri="{BB962C8B-B14F-4D97-AF65-F5344CB8AC3E}">
-        <p14:creationId xmlns:p14="http://schemas.microsoft.com/office/powerpoint/2010/main" val="3323292922"/>
+        <p14:creationId xmlns:p14="http://schemas.microsoft.com/office/powerpoint/2010/main" val="2319459236"/>
       </p:ext>
     </p:extLst>
   </p:cSld>
@@ -5529,7 +9961,7 @@
           <p:cNvPr id="2" name="Title 1">
             <a:extLst>
               <a:ext uri="{FF2B5EF4-FFF2-40B4-BE49-F238E27FC236}">
-                <a16:creationId xmlns:a16="http://schemas.microsoft.com/office/drawing/2014/main" id="{7CEACFC0-8DEA-4E33-8BF1-37C7A9810606}"/>
+                <a16:creationId xmlns:a16="http://schemas.microsoft.com/office/drawing/2014/main" id="{9FD6A4FD-5485-4307-A3A5-3B13979F7330}"/>
               </a:ext>
             </a:extLst>
           </p:cNvPr>
@@ -5547,92 +9979,81 @@
           <a:p>
             <a:r>
               <a:rPr lang="en-US" dirty="0"/>
-              <a:t>Supervised Learning Models:</a:t>
-            </a:r>
-          </a:p>
-        </p:txBody>
-      </p:sp>
-      <p:sp>
-        <p:nvSpPr>
-          <p:cNvPr id="3" name="Content Placeholder 2">
-            <a:extLst>
-              <a:ext uri="{FF2B5EF4-FFF2-40B4-BE49-F238E27FC236}">
-                <a16:creationId xmlns:a16="http://schemas.microsoft.com/office/drawing/2014/main" id="{C6CE08F6-D0C7-429F-B9EE-E4C400F2A0E8}"/>
-              </a:ext>
-            </a:extLst>
-          </p:cNvPr>
-          <p:cNvSpPr>
-            <a:spLocks noGrp="1"/>
-          </p:cNvSpPr>
+              <a:t>RNN</a:t>
+            </a:r>
+          </a:p>
+        </p:txBody>
+      </p:sp>
+      <p:pic>
+        <p:nvPicPr>
+          <p:cNvPr id="8" name="Content Placeholder 7">
+            <a:extLst>
+              <a:ext uri="{FF2B5EF4-FFF2-40B4-BE49-F238E27FC236}">
+                <a16:creationId xmlns:a16="http://schemas.microsoft.com/office/drawing/2014/main" id="{78BCDE0B-DA52-4F5B-8C31-EBA8F7C900AC}"/>
+              </a:ext>
+            </a:extLst>
+          </p:cNvPr>
+          <p:cNvPicPr>
+            <a:picLocks noGrp="1" noChangeAspect="1"/>
+          </p:cNvPicPr>
           <p:nvPr>
             <p:ph idx="1"/>
           </p:nvPr>
-        </p:nvSpPr>
-        <p:spPr/>
-        <p:txBody>
-          <a:bodyPr/>
+        </p:nvPicPr>
+        <p:blipFill>
+          <a:blip r:embed="rId2"/>
+          <a:stretch>
+            <a:fillRect/>
+          </a:stretch>
+        </p:blipFill>
+        <p:spPr>
+          <a:xfrm>
+            <a:off x="989020" y="1533234"/>
+            <a:ext cx="6019800" cy="3181350"/>
+          </a:xfrm>
+          <a:prstGeom prst="rect">
+            <a:avLst/>
+          </a:prstGeom>
+        </p:spPr>
+      </p:pic>
+      <p:sp>
+        <p:nvSpPr>
+          <p:cNvPr id="3" name="Rectangle 2">
+            <a:extLst>
+              <a:ext uri="{FF2B5EF4-FFF2-40B4-BE49-F238E27FC236}">
+                <a16:creationId xmlns:a16="http://schemas.microsoft.com/office/drawing/2014/main" id="{CE32A83B-3323-4EA0-A7EF-6492B73BAFF9}"/>
+              </a:ext>
+            </a:extLst>
+          </p:cNvPr>
+          <p:cNvSpPr/>
+          <p:nvPr/>
+        </p:nvSpPr>
+        <p:spPr>
+          <a:xfrm>
+            <a:off x="1613044" y="5140100"/>
+            <a:ext cx="2872646" cy="369332"/>
+          </a:xfrm>
+          <a:prstGeom prst="rect">
+            <a:avLst/>
+          </a:prstGeom>
+        </p:spPr>
+        <p:txBody>
+          <a:bodyPr wrap="none">
+            <a:spAutoFit/>
+          </a:bodyPr>
           <a:lstStyle/>
           <a:p>
             <a:r>
               <a:rPr lang="en-US" dirty="0"/>
-              <a:t>Neural network predicts and returns a sentimental probability of </a:t>
-            </a:r>
-          </a:p>
-          <a:p>
-            <a:r>
-              <a:rPr lang="en-US" dirty="0"/>
-              <a:t>RNN (Recurrent Neural Network)</a:t>
-            </a:r>
-          </a:p>
-          <a:p>
-            <a:pPr lvl="1"/>
-            <a:r>
-              <a:rPr lang="en-US" dirty="0"/>
-              <a:t>Memory state…</a:t>
-            </a:r>
-          </a:p>
-          <a:p>
-            <a:pPr lvl="1"/>
-            <a:endParaRPr lang="en-US" dirty="0"/>
-          </a:p>
-          <a:p>
-            <a:r>
-              <a:rPr lang="en-US" dirty="0"/>
-              <a:t>CNN (Convolution Neural Network)</a:t>
-            </a:r>
-          </a:p>
-          <a:p>
-            <a:pPr lvl="1"/>
-            <a:r>
-              <a:rPr lang="en-US" dirty="0"/>
-              <a:t>Filter</a:t>
-            </a:r>
-          </a:p>
-          <a:p>
-            <a:r>
-              <a:rPr lang="en-US" dirty="0" err="1"/>
-              <a:t>TextBlob</a:t>
-            </a:r>
-            <a:r>
-              <a:rPr lang="en-US" dirty="0"/>
-              <a:t> library </a:t>
-            </a:r>
-          </a:p>
-          <a:p>
-            <a:pPr marL="0" indent="0">
-              <a:buNone/>
-            </a:pPr>
-            <a:endParaRPr lang="en-US" dirty="0"/>
-          </a:p>
-          <a:p>
-            <a:endParaRPr lang="en-US" dirty="0"/>
+              <a:t>MEH Pedersen’s RNN model </a:t>
+            </a:r>
           </a:p>
         </p:txBody>
       </p:sp>
     </p:spTree>
     <p:extLst>
       <p:ext uri="{BB962C8B-B14F-4D97-AF65-F5344CB8AC3E}">
-        <p14:creationId xmlns:p14="http://schemas.microsoft.com/office/powerpoint/2010/main" val="869263223"/>
+        <p14:creationId xmlns:p14="http://schemas.microsoft.com/office/powerpoint/2010/main" val="1236448805"/>
       </p:ext>
     </p:extLst>
   </p:cSld>
@@ -5659,12 +10080,40 @@
           <a:chExt cx="0" cy="0"/>
         </a:xfrm>
       </p:grpSpPr>
+      <p:sp>
+        <p:nvSpPr>
+          <p:cNvPr id="2" name="Title 1">
+            <a:extLst>
+              <a:ext uri="{FF2B5EF4-FFF2-40B4-BE49-F238E27FC236}">
+                <a16:creationId xmlns:a16="http://schemas.microsoft.com/office/drawing/2014/main" id="{969DD1C8-0A53-4030-90FD-0B6EF65BD255}"/>
+              </a:ext>
+            </a:extLst>
+          </p:cNvPr>
+          <p:cNvSpPr>
+            <a:spLocks noGrp="1"/>
+          </p:cNvSpPr>
+          <p:nvPr>
+            <p:ph type="title"/>
+          </p:nvPr>
+        </p:nvSpPr>
+        <p:spPr/>
+        <p:txBody>
+          <a:bodyPr/>
+          <a:lstStyle/>
+          <a:p>
+            <a:r>
+              <a:rPr lang="en-US" dirty="0"/>
+              <a:t>CNN</a:t>
+            </a:r>
+          </a:p>
+        </p:txBody>
+      </p:sp>
       <p:pic>
         <p:nvPicPr>
-          <p:cNvPr id="7" name="Content Placeholder 6">
-            <a:extLst>
-              <a:ext uri="{FF2B5EF4-FFF2-40B4-BE49-F238E27FC236}">
-                <a16:creationId xmlns:a16="http://schemas.microsoft.com/office/drawing/2014/main" id="{41D04640-066C-4818-931E-EC782CD69F61}"/>
+          <p:cNvPr id="4" name="Content Placeholder 3">
+            <a:extLst>
+              <a:ext uri="{FF2B5EF4-FFF2-40B4-BE49-F238E27FC236}">
+                <a16:creationId xmlns:a16="http://schemas.microsoft.com/office/drawing/2014/main" id="{9515170A-737A-4DAE-8A33-23BDC6C6D79E}"/>
               </a:ext>
             </a:extLst>
           </p:cNvPr>
@@ -5676,28 +10125,65 @@
           </p:nvPr>
         </p:nvPicPr>
         <p:blipFill>
-          <a:blip r:embed="rId2">
-            <a:extLst>
-              <a:ext uri="{28A0092B-C50C-407E-A947-70E740481C1C}">
-                <a14:useLocalDpi xmlns:a14="http://schemas.microsoft.com/office/drawing/2010/main" val="0"/>
-              </a:ext>
-            </a:extLst>
-          </a:blip>
+          <a:blip r:embed="rId2"/>
           <a:stretch>
             <a:fillRect/>
           </a:stretch>
         </p:blipFill>
         <p:spPr>
           <a:xfrm>
-            <a:off x="1260389" y="950806"/>
-            <a:ext cx="9290945" cy="5226157"/>
+            <a:off x="1212892" y="1598934"/>
+            <a:ext cx="5762625" cy="3124200"/>
           </a:xfrm>
+          <a:prstGeom prst="rect">
+            <a:avLst/>
+          </a:prstGeom>
         </p:spPr>
       </p:pic>
+      <p:sp>
+        <p:nvSpPr>
+          <p:cNvPr id="3" name="Rectangle 2">
+            <a:extLst>
+              <a:ext uri="{FF2B5EF4-FFF2-40B4-BE49-F238E27FC236}">
+                <a16:creationId xmlns:a16="http://schemas.microsoft.com/office/drawing/2014/main" id="{973ABD24-CC0E-476B-BD1F-CBD956823730}"/>
+              </a:ext>
+            </a:extLst>
+          </p:cNvPr>
+          <p:cNvSpPr/>
+          <p:nvPr/>
+        </p:nvSpPr>
+        <p:spPr>
+          <a:xfrm>
+            <a:off x="1508269" y="5074400"/>
+            <a:ext cx="2336217" cy="646331"/>
+          </a:xfrm>
+          <a:prstGeom prst="rect">
+            <a:avLst/>
+          </a:prstGeom>
+        </p:spPr>
+        <p:txBody>
+          <a:bodyPr wrap="none">
+            <a:spAutoFit/>
+          </a:bodyPr>
+          <a:lstStyle/>
+          <a:p>
+            <a:r>
+              <a:rPr lang="en-US" dirty="0"/>
+              <a:t>Ricky Kim’s CNN model</a:t>
+            </a:r>
+          </a:p>
+          <a:p>
+            <a:r>
+              <a:rPr lang="en-US" dirty="0"/>
+              <a:t> </a:t>
+            </a:r>
+          </a:p>
+        </p:txBody>
+      </p:sp>
     </p:spTree>
     <p:extLst>
       <p:ext uri="{BB962C8B-B14F-4D97-AF65-F5344CB8AC3E}">
-        <p14:creationId xmlns:p14="http://schemas.microsoft.com/office/powerpoint/2010/main" val="2319459236"/>
+        <p14:creationId xmlns:p14="http://schemas.microsoft.com/office/powerpoint/2010/main" val="4002153912"/>
       </p:ext>
     </p:extLst>
   </p:cSld>
